--- a/trunk/Docs/07-Implementacion/PresentacionRegularizacion.pptx
+++ b/trunk/Docs/07-Implementacion/PresentacionRegularizacion.pptx
@@ -23,10 +23,10 @@
     <p:sldId id="275" r:id="rId14"/>
     <p:sldId id="263" r:id="rId15"/>
     <p:sldId id="277" r:id="rId16"/>
-    <p:sldId id="276" r:id="rId17"/>
-    <p:sldId id="267" r:id="rId18"/>
-    <p:sldId id="268" r:id="rId19"/>
-    <p:sldId id="265" r:id="rId20"/>
+    <p:sldId id="265" r:id="rId17"/>
+    <p:sldId id="276" r:id="rId18"/>
+    <p:sldId id="267" r:id="rId19"/>
+    <p:sldId id="268" r:id="rId20"/>
     <p:sldId id="266" r:id="rId21"/>
     <p:sldId id="262" r:id="rId22"/>
   </p:sldIdLst>
@@ -166,6 +166,7 @@
           <p14:sldIdLst>
             <p14:sldId id="263"/>
             <p14:sldId id="277"/>
+            <p14:sldId id="265"/>
             <p14:sldId id="276"/>
             <p14:sldId id="267"/>
             <p14:sldId id="268"/>
@@ -173,7 +174,6 @@
         </p14:section>
         <p14:section name="Finalización" id="{462883AA-D07B-46C3-8F23-2420EE9F8109}">
           <p14:sldIdLst>
-            <p14:sldId id="265"/>
             <p14:sldId id="266"/>
             <p14:sldId id="262"/>
           </p14:sldIdLst>
@@ -2856,17 +2856,21 @@
       </dgm:t>
     </dgm:pt>
     <dgm:pt modelId="{E32BB5A5-1CBD-421E-BC10-7425AEA54C66}">
-      <dgm:prSet phldrT="[Texto]"/>
+      <dgm:prSet phldrT="[Texto]" custT="1"/>
       <dgm:spPr/>
       <dgm:t>
         <a:bodyPr/>
         <a:lstStyle/>
         <a:p>
           <a:r>
-            <a:rPr lang="es-AR" dirty="0" smtClean="0"/>
-            <a:t>Poder detectar desviaciones en fases tempranas</a:t>
+            <a:rPr lang="es-AR" sz="11500" dirty="0" smtClean="0"/>
+            <a:t>Detectar </a:t>
           </a:r>
-          <a:endParaRPr lang="es-AR" dirty="0"/>
+          <a:r>
+            <a:rPr lang="es-AR" sz="11500" dirty="0" smtClean="0"/>
+            <a:t>desviaciones en fases tempranas</a:t>
+          </a:r>
+          <a:endParaRPr lang="es-AR" sz="11500" dirty="0"/>
         </a:p>
       </dgm:t>
     </dgm:pt>
@@ -2930,21 +2934,17 @@
       </dgm:t>
     </dgm:pt>
     <dgm:pt modelId="{FA7D1015-C3D8-4F51-B62F-B473F80F6088}">
-      <dgm:prSet phldrT="[Texto]"/>
+      <dgm:prSet phldrT="[Texto]" custT="1"/>
       <dgm:spPr/>
       <dgm:t>
         <a:bodyPr/>
         <a:lstStyle/>
         <a:p>
           <a:r>
-            <a:rPr lang="es-AR" dirty="0" smtClean="0"/>
-            <a:t> Información resumida y </a:t>
+            <a:rPr lang="es-AR" sz="11500" dirty="0" smtClean="0"/>
+            <a:t>Información OPORTUNA, Resumida y Sumarizada</a:t>
           </a:r>
-          <a:r>
-            <a:rPr lang="es-AR" dirty="0" err="1" smtClean="0"/>
-            <a:t>sumarizada</a:t>
-          </a:r>
-          <a:endParaRPr lang="es-AR" dirty="0"/>
+          <a:endParaRPr lang="es-AR" sz="11500" dirty="0"/>
         </a:p>
       </dgm:t>
     </dgm:pt>
@@ -2960,43 +2960,6 @@
       </dgm:t>
     </dgm:pt>
     <dgm:pt modelId="{68E6BEB5-E7C7-4B06-9505-13EEAC770A29}" type="sibTrans" cxnId="{861B674D-35B2-46B7-AE9C-916B11391C27}">
-      <dgm:prSet/>
-      <dgm:spPr/>
-      <dgm:t>
-        <a:bodyPr/>
-        <a:lstStyle/>
-        <a:p>
-          <a:endParaRPr lang="es-AR"/>
-        </a:p>
-      </dgm:t>
-    </dgm:pt>
-    <dgm:pt modelId="{B4B054F7-7F2A-4135-911B-F3C3201D487F}">
-      <dgm:prSet phldrT="[Texto]"/>
-      <dgm:spPr/>
-      <dgm:t>
-        <a:bodyPr/>
-        <a:lstStyle/>
-        <a:p>
-          <a:r>
-            <a:rPr lang="es-AR" dirty="0" smtClean="0"/>
-            <a:t> Cálculos y Gráficos de valor para los distintos actores.</a:t>
-          </a:r>
-          <a:endParaRPr lang="es-AR" dirty="0"/>
-        </a:p>
-      </dgm:t>
-    </dgm:pt>
-    <dgm:pt modelId="{DECE0F6E-865C-4C71-B91C-BBB3CE4E5C81}" type="parTrans" cxnId="{EA2F1182-C58D-4591-98A2-BF4E9E69A9D8}">
-      <dgm:prSet/>
-      <dgm:spPr/>
-      <dgm:t>
-        <a:bodyPr/>
-        <a:lstStyle/>
-        <a:p>
-          <a:endParaRPr lang="es-AR"/>
-        </a:p>
-      </dgm:t>
-    </dgm:pt>
-    <dgm:pt modelId="{6ED1175E-C818-4447-80B5-659790F0A21A}" type="sibTrans" cxnId="{EA2F1182-C58D-4591-98A2-BF4E9E69A9D8}">
       <dgm:prSet/>
       <dgm:spPr/>
       <dgm:t>
@@ -3045,21 +3008,21 @@
       </dgm:t>
     </dgm:pt>
     <dgm:pt modelId="{39F962FF-64F7-4107-AB73-88385DD746E9}">
-      <dgm:prSet phldrT="[Texto]"/>
+      <dgm:prSet phldrT="[Texto]" custT="1"/>
       <dgm:spPr/>
       <dgm:t>
         <a:bodyPr/>
         <a:lstStyle/>
         <a:p>
           <a:r>
-            <a:rPr lang="es-AR" dirty="0" smtClean="0"/>
-            <a:t> </a:t>
+            <a:rPr lang="es-AR" sz="11500" dirty="0" smtClean="0"/>
+            <a:t>Mejorar </a:t>
           </a:r>
           <a:r>
-            <a:rPr lang="es-AR" dirty="0" smtClean="0"/>
-            <a:t>La institución puede aspirar a mejorar los niveles generales de desempeño de los alumnos.</a:t>
+            <a:rPr lang="es-AR" sz="11500" dirty="0" smtClean="0"/>
+            <a:t>los niveles generales de desempeño de los alumnos.</a:t>
           </a:r>
-          <a:endParaRPr lang="es-AR" dirty="0"/>
+          <a:endParaRPr lang="es-AR" sz="11500" dirty="0"/>
         </a:p>
       </dgm:t>
     </dgm:pt>
@@ -3086,21 +3049,21 @@
       </dgm:t>
     </dgm:pt>
     <dgm:pt modelId="{F82AF365-9D0F-4C56-BEE9-930C18496BAF}">
-      <dgm:prSet phldrT="[Texto]"/>
+      <dgm:prSet phldrT="[Texto]" custT="1"/>
       <dgm:spPr/>
       <dgm:t>
         <a:bodyPr/>
         <a:lstStyle/>
         <a:p>
           <a:r>
-            <a:rPr lang="es-AR" dirty="0" smtClean="0"/>
-            <a:t> Saber </a:t>
+            <a:rPr lang="es-AR" sz="11500" dirty="0" smtClean="0"/>
+            <a:t>Identificar por donde </a:t>
           </a:r>
           <a:r>
-            <a:rPr lang="es-AR" dirty="0" smtClean="0"/>
-            <a:t>donde atacar para realizar una mejora sustancial.</a:t>
+            <a:rPr lang="es-AR" sz="11500" dirty="0" smtClean="0"/>
+            <a:t>atacar para realizar una mejora sustancial.</a:t>
           </a:r>
-          <a:endParaRPr lang="es-AR" dirty="0"/>
+          <a:endParaRPr lang="es-AR" sz="11500" dirty="0"/>
         </a:p>
       </dgm:t>
     </dgm:pt>
@@ -3164,17 +3127,21 @@
       </dgm:t>
     </dgm:pt>
     <dgm:pt modelId="{545E3156-A895-421E-95F5-E0886378758E}">
-      <dgm:prSet phldrT="[Texto]"/>
+      <dgm:prSet phldrT="[Texto]" custT="1"/>
       <dgm:spPr/>
       <dgm:t>
         <a:bodyPr/>
         <a:lstStyle/>
         <a:p>
           <a:r>
-            <a:rPr lang="es-AR" dirty="0" smtClean="0"/>
-            <a:t> Reducir las brechas existentes entre los distintos actores.</a:t>
+            <a:rPr lang="es-AR" sz="11500" dirty="0" smtClean="0"/>
+            <a:t>Reducir </a:t>
           </a:r>
-          <a:endParaRPr lang="es-AR" dirty="0"/>
+          <a:r>
+            <a:rPr lang="es-AR" sz="11500" dirty="0" smtClean="0"/>
+            <a:t>las brechas existentes entre los distintos actores.</a:t>
+          </a:r>
+          <a:endParaRPr lang="es-AR" sz="11500" dirty="0"/>
         </a:p>
       </dgm:t>
     </dgm:pt>
@@ -3238,17 +3205,21 @@
       </dgm:t>
     </dgm:pt>
     <dgm:pt modelId="{B129A058-7F8B-428D-BBCB-0ED2488A8F18}">
-      <dgm:prSet phldrT="[Texto]"/>
+      <dgm:prSet phldrT="[Texto]" custT="1"/>
       <dgm:spPr/>
       <dgm:t>
         <a:bodyPr/>
         <a:lstStyle/>
         <a:p>
           <a:r>
-            <a:rPr lang="es-AR" dirty="0" smtClean="0"/>
-            <a:t> Poder realizar cálculos, brindar información sin necesidad de participación humana en el procesamiento.</a:t>
+            <a:rPr lang="es-AR" sz="11500" dirty="0" smtClean="0"/>
+            <a:t>Realizar cálculos y </a:t>
           </a:r>
-          <a:endParaRPr lang="es-AR" dirty="0"/>
+          <a:r>
+            <a:rPr lang="es-AR" sz="11500" dirty="0" smtClean="0"/>
+            <a:t>brindar información sin necesidad de participación humana en el procesamiento.</a:t>
+          </a:r>
+          <a:endParaRPr lang="es-AR" sz="11500" dirty="0"/>
         </a:p>
       </dgm:t>
     </dgm:pt>
@@ -3275,17 +3246,21 @@
       </dgm:t>
     </dgm:pt>
     <dgm:pt modelId="{3E127953-AA45-4024-B6DD-C7CC291395CF}">
-      <dgm:prSet phldrT="[Texto]"/>
+      <dgm:prSet phldrT="[Texto]" custT="1"/>
       <dgm:spPr/>
       <dgm:t>
         <a:bodyPr/>
         <a:lstStyle/>
         <a:p>
           <a:r>
-            <a:rPr lang="es-AR" dirty="0" smtClean="0"/>
-            <a:t> Poder actuar para CONTENER a los Jóvenes</a:t>
+            <a:rPr lang="es-AR" sz="11500" dirty="0" smtClean="0"/>
+            <a:t>Actuar </a:t>
           </a:r>
-          <a:endParaRPr lang="es-AR" dirty="0"/>
+          <a:r>
+            <a:rPr lang="es-AR" sz="11500" dirty="0" smtClean="0"/>
+            <a:t>para CONTENER a los Jóvenes</a:t>
+          </a:r>
+          <a:endParaRPr lang="es-AR" sz="11500" dirty="0"/>
         </a:p>
       </dgm:t>
     </dgm:pt>
@@ -3311,88 +3286,22 @@
         </a:p>
       </dgm:t>
     </dgm:pt>
-    <dgm:pt modelId="{749C42DE-A8F8-48DA-8A83-80EDD8B443BC}">
-      <dgm:prSet phldrT="[Texto]"/>
-      <dgm:spPr/>
-      <dgm:t>
-        <a:bodyPr/>
-        <a:lstStyle/>
-        <a:p>
-          <a:endParaRPr lang="es-AR" dirty="0"/>
-        </a:p>
-      </dgm:t>
-    </dgm:pt>
-    <dgm:pt modelId="{58DEB701-4CDB-44C5-96E5-6996C71260EF}" type="parTrans" cxnId="{D352D4E3-72E2-4BC2-8A9A-D4ADACED463E}">
-      <dgm:prSet/>
-      <dgm:spPr/>
-      <dgm:t>
-        <a:bodyPr/>
-        <a:lstStyle/>
-        <a:p>
-          <a:endParaRPr lang="es-AR"/>
-        </a:p>
-      </dgm:t>
-    </dgm:pt>
-    <dgm:pt modelId="{98EA11E3-CA17-48AA-A1DC-F97DAC2E5854}" type="sibTrans" cxnId="{D352D4E3-72E2-4BC2-8A9A-D4ADACED463E}">
-      <dgm:prSet/>
-      <dgm:spPr/>
-      <dgm:t>
-        <a:bodyPr/>
-        <a:lstStyle/>
-        <a:p>
-          <a:endParaRPr lang="es-AR"/>
-        </a:p>
-      </dgm:t>
-    </dgm:pt>
-    <dgm:pt modelId="{73E3024E-8C11-444E-8D67-B2D7FD80C758}">
-      <dgm:prSet phldrT="[Texto]"/>
+    <dgm:pt modelId="{9E652B76-E47C-4684-91C7-E73EB96BBEDE}">
+      <dgm:prSet phldrT="[Texto]" custT="1"/>
       <dgm:spPr/>
       <dgm:t>
         <a:bodyPr/>
         <a:lstStyle/>
         <a:p>
           <a:r>
-            <a:rPr lang="es-AR" dirty="0" smtClean="0"/>
-            <a:t> Información OPORTUNA</a:t>
+            <a:rPr lang="es-AR" sz="11500" dirty="0" smtClean="0"/>
+            <a:t>Comunicación </a:t>
           </a:r>
-          <a:endParaRPr lang="es-AR" dirty="0"/>
-        </a:p>
-      </dgm:t>
-    </dgm:pt>
-    <dgm:pt modelId="{B66D1D32-B6EC-4454-AC19-6225C908FCAF}" type="parTrans" cxnId="{3A024921-3AD0-488B-8344-92164B170AB5}">
-      <dgm:prSet/>
-      <dgm:spPr/>
-      <dgm:t>
-        <a:bodyPr/>
-        <a:lstStyle/>
-        <a:p>
-          <a:endParaRPr lang="es-AR"/>
-        </a:p>
-      </dgm:t>
-    </dgm:pt>
-    <dgm:pt modelId="{27DC6540-4ADE-4D50-8960-9F38A36D29C8}" type="sibTrans" cxnId="{3A024921-3AD0-488B-8344-92164B170AB5}">
-      <dgm:prSet/>
-      <dgm:spPr/>
-      <dgm:t>
-        <a:bodyPr/>
-        <a:lstStyle/>
-        <a:p>
-          <a:endParaRPr lang="es-AR"/>
-        </a:p>
-      </dgm:t>
-    </dgm:pt>
-    <dgm:pt modelId="{9E652B76-E47C-4684-91C7-E73EB96BBEDE}">
-      <dgm:prSet phldrT="[Texto]"/>
-      <dgm:spPr/>
-      <dgm:t>
-        <a:bodyPr/>
-        <a:lstStyle/>
-        <a:p>
           <a:r>
-            <a:rPr lang="es-AR" dirty="0" smtClean="0"/>
-            <a:t> Comunicación en los niveles y direcciones que importan</a:t>
+            <a:rPr lang="es-AR" sz="11500" dirty="0" smtClean="0"/>
+            <a:t>en los niveles y direcciones que importan</a:t>
           </a:r>
-          <a:endParaRPr lang="es-AR" dirty="0"/>
+          <a:endParaRPr lang="es-AR" sz="11500" dirty="0"/>
         </a:p>
       </dgm:t>
     </dgm:pt>
@@ -3417,6 +3326,29 @@
           <a:endParaRPr lang="es-AR"/>
         </a:p>
       </dgm:t>
+    </dgm:pt>
+    <dgm:pt modelId="{41EB9618-4629-4D02-ABA4-E1C751D30194}">
+      <dgm:prSet phldrT="[Texto]" custT="1"/>
+      <dgm:spPr/>
+      <dgm:t>
+        <a:bodyPr/>
+        <a:lstStyle/>
+        <a:p>
+          <a:r>
+            <a:rPr lang="es-AR" sz="11500" dirty="0" smtClean="0"/>
+            <a:t>Cálculos y Gráficos de valor para los distintos actores.</a:t>
+          </a:r>
+          <a:endParaRPr lang="es-AR" sz="11500" dirty="0"/>
+        </a:p>
+      </dgm:t>
+    </dgm:pt>
+    <dgm:pt modelId="{13715D6D-AD6E-4D18-9AAF-FA848361C957}" type="parTrans" cxnId="{A0F7B5A3-5CF7-4EC7-B0F9-732BC856BE54}">
+      <dgm:prSet/>
+      <dgm:spPr/>
+    </dgm:pt>
+    <dgm:pt modelId="{E39FC4F5-B5B8-4AEB-9721-C43BA422691A}" type="sibTrans" cxnId="{A0F7B5A3-5CF7-4EC7-B0F9-732BC856BE54}">
+      <dgm:prSet/>
+      <dgm:spPr/>
     </dgm:pt>
     <dgm:pt modelId="{012B3C15-1E62-4E5D-A856-9A3F4D22056C}" type="pres">
       <dgm:prSet presAssocID="{6BA166A1-1075-41C8-A1AE-25EBA638670B}" presName="linearFlow" presStyleCnt="0">
@@ -3495,7 +3427,7 @@
       </dgm:t>
     </dgm:pt>
     <dgm:pt modelId="{07F72F97-1B1D-4E34-A13C-D9E2B3849E68}" type="pres">
-      <dgm:prSet presAssocID="{CFDCA001-7AA6-44D8-80C4-26A0C0ACCDFC}" presName="descendantText" presStyleLbl="alignAcc1" presStyleIdx="1" presStyleCnt="5">
+      <dgm:prSet presAssocID="{CFDCA001-7AA6-44D8-80C4-26A0C0ACCDFC}" presName="descendantText" presStyleLbl="alignAcc1" presStyleIdx="1" presStyleCnt="5" custScaleY="103073">
         <dgm:presLayoutVars>
           <dgm:bulletEnabled val="1"/>
         </dgm:presLayoutVars>
@@ -3629,33 +3561,29 @@
   </dgm:ptLst>
   <dgm:cxnLst>
     <dgm:cxn modelId="{D87CD062-3DD4-4F4E-8160-D056C5B5BBBE}" srcId="{D9565F22-AF40-4671-8D0C-0B39C0B59FFC}" destId="{9E652B76-E47C-4684-91C7-E73EB96BBEDE}" srcOrd="1" destOrd="0" parTransId="{7B7499ED-9298-415B-BC03-81128E8BED56}" sibTransId="{C85C6BFE-1BC2-4A05-8998-2489F98793F1}"/>
-    <dgm:cxn modelId="{861B674D-35B2-46B7-AE9C-916B11391C27}" srcId="{CFDCA001-7AA6-44D8-80C4-26A0C0ACCDFC}" destId="{FA7D1015-C3D8-4F51-B62F-B473F80F6088}" srcOrd="0" destOrd="0" parTransId="{86596586-83B2-40C2-83F6-5048AE1AC25E}" sibTransId="{68E6BEB5-E7C7-4B06-9505-13EEAC770A29}"/>
+    <dgm:cxn modelId="{A0F7B5A3-5CF7-4EC7-B0F9-732BC856BE54}" srcId="{CFDCA001-7AA6-44D8-80C4-26A0C0ACCDFC}" destId="{41EB9618-4629-4D02-ABA4-E1C751D30194}" srcOrd="0" destOrd="0" parTransId="{13715D6D-AD6E-4D18-9AAF-FA848361C957}" sibTransId="{E39FC4F5-B5B8-4AEB-9721-C43BA422691A}"/>
+    <dgm:cxn modelId="{861B674D-35B2-46B7-AE9C-916B11391C27}" srcId="{CFDCA001-7AA6-44D8-80C4-26A0C0ACCDFC}" destId="{FA7D1015-C3D8-4F51-B62F-B473F80F6088}" srcOrd="1" destOrd="0" parTransId="{86596586-83B2-40C2-83F6-5048AE1AC25E}" sibTransId="{68E6BEB5-E7C7-4B06-9505-13EEAC770A29}"/>
     <dgm:cxn modelId="{F7EEF585-126A-4EA6-8F89-B4D5193E7E29}" type="presOf" srcId="{725C6210-561C-4D57-8921-4CB0AF5A4430}" destId="{E889D286-8646-4E13-B090-91A07C289229}" srcOrd="0" destOrd="0" presId="urn:microsoft.com/office/officeart/2005/8/layout/chevron2"/>
     <dgm:cxn modelId="{B148BEF2-28E8-4750-8AF1-BD531CDB1E3B}" srcId="{725C6210-561C-4D57-8921-4CB0AF5A4430}" destId="{39F962FF-64F7-4107-AB73-88385DD746E9}" srcOrd="0" destOrd="0" parTransId="{AE992F02-A31A-4DCB-AA96-6F79E161B1C4}" sibTransId="{746C59F8-2517-42A8-AB90-676BC6CC6C49}"/>
-    <dgm:cxn modelId="{3A024921-3AD0-488B-8344-92164B170AB5}" srcId="{CFDCA001-7AA6-44D8-80C4-26A0C0ACCDFC}" destId="{73E3024E-8C11-444E-8D67-B2D7FD80C758}" srcOrd="2" destOrd="0" parTransId="{B66D1D32-B6EC-4454-AC19-6225C908FCAF}" sibTransId="{27DC6540-4ADE-4D50-8960-9F38A36D29C8}"/>
+    <dgm:cxn modelId="{90D8515D-6C6C-4E61-A0F2-62B97476A197}" type="presOf" srcId="{41EB9618-4629-4D02-ABA4-E1C751D30194}" destId="{07F72F97-1B1D-4E34-A13C-D9E2B3849E68}" srcOrd="0" destOrd="0" presId="urn:microsoft.com/office/officeart/2005/8/layout/chevron2"/>
     <dgm:cxn modelId="{75064D78-B7B6-4901-A516-0804E6C22512}" type="presOf" srcId="{545E3156-A895-421E-95F5-E0886378758E}" destId="{A01CBADF-5166-4CFE-A656-91B079593A9B}" srcOrd="0" destOrd="0" presId="urn:microsoft.com/office/officeart/2005/8/layout/chevron2"/>
-    <dgm:cxn modelId="{F9081415-9063-4743-BE46-9C387CA8D788}" type="presOf" srcId="{B4B054F7-7F2A-4135-911B-F3C3201D487F}" destId="{07F72F97-1B1D-4E34-A13C-D9E2B3849E68}" srcOrd="0" destOrd="1" presId="urn:microsoft.com/office/officeart/2005/8/layout/chevron2"/>
-    <dgm:cxn modelId="{1C7E506B-74C7-4EB7-9D9B-A72E50FBBA19}" type="presOf" srcId="{FA7D1015-C3D8-4F51-B62F-B473F80F6088}" destId="{07F72F97-1B1D-4E34-A13C-D9E2B3849E68}" srcOrd="0" destOrd="0" presId="urn:microsoft.com/office/officeart/2005/8/layout/chevron2"/>
+    <dgm:cxn modelId="{1C7E506B-74C7-4EB7-9D9B-A72E50FBBA19}" type="presOf" srcId="{FA7D1015-C3D8-4F51-B62F-B473F80F6088}" destId="{07F72F97-1B1D-4E34-A13C-D9E2B3849E68}" srcOrd="0" destOrd="1" presId="urn:microsoft.com/office/officeart/2005/8/layout/chevron2"/>
     <dgm:cxn modelId="{8332F6DA-761D-4670-B2A9-C6D45BB8C41D}" type="presOf" srcId="{B129A058-7F8B-428D-BBCB-0ED2488A8F18}" destId="{D8D48829-7C5C-400A-9338-38C26ECB83C8}" srcOrd="0" destOrd="0" presId="urn:microsoft.com/office/officeart/2005/8/layout/chevron2"/>
     <dgm:cxn modelId="{42566450-2270-4C42-80BF-F163D600947F}" srcId="{6BA166A1-1075-41C8-A1AE-25EBA638670B}" destId="{725C6210-561C-4D57-8921-4CB0AF5A4430}" srcOrd="2" destOrd="0" parTransId="{675C8C01-35A3-4C06-B895-AECF9F9FB29E}" sibTransId="{44BFE206-00D1-48A7-827E-2CE3E8DD9E68}"/>
     <dgm:cxn modelId="{CB04E49A-58C2-4687-B19B-0FFDCEB4136C}" srcId="{6BA166A1-1075-41C8-A1AE-25EBA638670B}" destId="{CFDCA001-7AA6-44D8-80C4-26A0C0ACCDFC}" srcOrd="1" destOrd="0" parTransId="{236C77D0-E696-4717-AF6F-A1B3A3D94471}" sibTransId="{066FE168-27DE-4E43-9805-93F8EAE98140}"/>
-    <dgm:cxn modelId="{EA2F1182-C58D-4591-98A2-BF4E9E69A9D8}" srcId="{CFDCA001-7AA6-44D8-80C4-26A0C0ACCDFC}" destId="{B4B054F7-7F2A-4135-911B-F3C3201D487F}" srcOrd="1" destOrd="0" parTransId="{DECE0F6E-865C-4C71-B91C-BBB3CE4E5C81}" sibTransId="{6ED1175E-C818-4447-80B5-659790F0A21A}"/>
+    <dgm:cxn modelId="{3106DBF3-89F9-41F6-9D30-DE763A1DBA71}" type="presOf" srcId="{9E652B76-E47C-4684-91C7-E73EB96BBEDE}" destId="{A01CBADF-5166-4CFE-A656-91B079593A9B}" srcOrd="0" destOrd="1" presId="urn:microsoft.com/office/officeart/2005/8/layout/chevron2"/>
     <dgm:cxn modelId="{D11B912E-5A1A-4F79-8572-8902A6313A00}" type="presOf" srcId="{39F962FF-64F7-4107-AB73-88385DD746E9}" destId="{54A6382E-ACFD-473E-925E-8456B4F820EF}" srcOrd="0" destOrd="0" presId="urn:microsoft.com/office/officeart/2005/8/layout/chevron2"/>
-    <dgm:cxn modelId="{3106DBF3-89F9-41F6-9D30-DE763A1DBA71}" type="presOf" srcId="{9E652B76-E47C-4684-91C7-E73EB96BBEDE}" destId="{A01CBADF-5166-4CFE-A656-91B079593A9B}" srcOrd="0" destOrd="1" presId="urn:microsoft.com/office/officeart/2005/8/layout/chevron2"/>
     <dgm:cxn modelId="{5A1E6401-ADB9-4E24-8353-131A455B1CE9}" type="presOf" srcId="{CFDCA001-7AA6-44D8-80C4-26A0C0ACCDFC}" destId="{B8AAA0C8-FB9C-44C0-B0AA-0C9B2E5AB49D}" srcOrd="0" destOrd="0" presId="urn:microsoft.com/office/officeart/2005/8/layout/chevron2"/>
     <dgm:cxn modelId="{B6B746FD-BC13-4FD2-8FB8-8686CA1B8AA8}" srcId="{6BA166A1-1075-41C8-A1AE-25EBA638670B}" destId="{F82101CD-9385-4D0D-AAB5-E5C2C3F95F4D}" srcOrd="0" destOrd="0" parTransId="{1D136B8A-7736-463B-9E34-71B3FFE39DC5}" sibTransId="{97331821-B2BB-47BF-9877-B5DEF2A97E1F}"/>
     <dgm:cxn modelId="{DC7D966F-8F36-42D6-8787-7B76E7939260}" type="presOf" srcId="{21A4774E-80E9-45D9-98C3-5495EA624830}" destId="{DFB9481B-7C9F-4560-B4B1-8046C628646F}" srcOrd="0" destOrd="0" presId="urn:microsoft.com/office/officeart/2005/8/layout/chevron2"/>
-    <dgm:cxn modelId="{D352D4E3-72E2-4BC2-8A9A-D4ADACED463E}" srcId="{CFDCA001-7AA6-44D8-80C4-26A0C0ACCDFC}" destId="{749C42DE-A8F8-48DA-8A83-80EDD8B443BC}" srcOrd="3" destOrd="0" parTransId="{58DEB701-4CDB-44C5-96E5-6996C71260EF}" sibTransId="{98EA11E3-CA17-48AA-A1DC-F97DAC2E5854}"/>
     <dgm:cxn modelId="{53A00467-312B-4631-AB24-0D29BEF12C85}" type="presOf" srcId="{E32BB5A5-1CBD-421E-BC10-7425AEA54C66}" destId="{491002E8-E7FC-4D12-B1ED-028469E71646}" srcOrd="0" destOrd="0" presId="urn:microsoft.com/office/officeart/2005/8/layout/chevron2"/>
     <dgm:cxn modelId="{A133D6E1-303C-4F0C-9758-A19A23A014B1}" srcId="{725C6210-561C-4D57-8921-4CB0AF5A4430}" destId="{F82AF365-9D0F-4C56-BEE9-930C18496BAF}" srcOrd="1" destOrd="0" parTransId="{AA99317A-AF5F-401C-A7A8-8F70520A3A02}" sibTransId="{8210E7C6-3B36-435A-80A3-AED64E648761}"/>
     <dgm:cxn modelId="{8F757F3A-0B47-4C99-82FD-8AA0E81302E7}" srcId="{6BA166A1-1075-41C8-A1AE-25EBA638670B}" destId="{D9565F22-AF40-4671-8D0C-0B39C0B59FFC}" srcOrd="3" destOrd="0" parTransId="{98E5C1A4-EEFE-4600-9F46-06186C8B2BF8}" sibTransId="{3F1D8A4E-9CEA-4F04-A1A3-48E710511CAC}"/>
-    <dgm:cxn modelId="{DBBA2940-5893-4184-B113-264EE010A1D8}" type="presOf" srcId="{73E3024E-8C11-444E-8D67-B2D7FD80C758}" destId="{07F72F97-1B1D-4E34-A13C-D9E2B3849E68}" srcOrd="0" destOrd="2" presId="urn:microsoft.com/office/officeart/2005/8/layout/chevron2"/>
+    <dgm:cxn modelId="{96B41A76-8530-4D3F-BDFD-5FAB8F0EB672}" type="presOf" srcId="{3E127953-AA45-4024-B6DD-C7CC291395CF}" destId="{491002E8-E7FC-4D12-B1ED-028469E71646}" srcOrd="0" destOrd="1" presId="urn:microsoft.com/office/officeart/2005/8/layout/chevron2"/>
     <dgm:cxn modelId="{BA871BB5-3BB0-4581-AB91-46C457FB1F70}" srcId="{21A4774E-80E9-45D9-98C3-5495EA624830}" destId="{B129A058-7F8B-428D-BBCB-0ED2488A8F18}" srcOrd="0" destOrd="0" parTransId="{E1A22FAF-7E60-4254-BAD9-40AB25942FA0}" sibTransId="{FC343D8E-8477-4498-986E-50CF8A00810B}"/>
-    <dgm:cxn modelId="{96B41A76-8530-4D3F-BDFD-5FAB8F0EB672}" type="presOf" srcId="{3E127953-AA45-4024-B6DD-C7CC291395CF}" destId="{491002E8-E7FC-4D12-B1ED-028469E71646}" srcOrd="0" destOrd="1" presId="urn:microsoft.com/office/officeart/2005/8/layout/chevron2"/>
     <dgm:cxn modelId="{5B032605-73F2-4D40-92B3-4955E86BA34E}" type="presOf" srcId="{6BA166A1-1075-41C8-A1AE-25EBA638670B}" destId="{012B3C15-1E62-4E5D-A856-9A3F4D22056C}" srcOrd="0" destOrd="0" presId="urn:microsoft.com/office/officeart/2005/8/layout/chevron2"/>
     <dgm:cxn modelId="{EA9757A7-52B6-4171-A4CE-A0A09E952F0C}" type="presOf" srcId="{F82101CD-9385-4D0D-AAB5-E5C2C3F95F4D}" destId="{31145AFE-922D-4BE2-80F1-6E39C325F77A}" srcOrd="0" destOrd="0" presId="urn:microsoft.com/office/officeart/2005/8/layout/chevron2"/>
     <dgm:cxn modelId="{BB82C166-C982-48D9-A3C1-393D77C8AE1F}" type="presOf" srcId="{D9565F22-AF40-4671-8D0C-0B39C0B59FFC}" destId="{A4BA19CE-3BD7-467C-8E0E-CBBDB0FD238C}" srcOrd="0" destOrd="0" presId="urn:microsoft.com/office/officeart/2005/8/layout/chevron2"/>
-    <dgm:cxn modelId="{D671E86D-4BB0-4B04-BBDA-318462609293}" type="presOf" srcId="{749C42DE-A8F8-48DA-8A83-80EDD8B443BC}" destId="{07F72F97-1B1D-4E34-A13C-D9E2B3849E68}" srcOrd="0" destOrd="3" presId="urn:microsoft.com/office/officeart/2005/8/layout/chevron2"/>
     <dgm:cxn modelId="{2396AEEE-BCF9-401C-B72C-0F7B1D8379D2}" type="presOf" srcId="{F82AF365-9D0F-4C56-BEE9-930C18496BAF}" destId="{54A6382E-ACFD-473E-925E-8456B4F820EF}" srcOrd="0" destOrd="1" presId="urn:microsoft.com/office/officeart/2005/8/layout/chevron2"/>
     <dgm:cxn modelId="{34DC9039-433A-4454-9CD0-8FF7A1BA28B3}" srcId="{6BA166A1-1075-41C8-A1AE-25EBA638670B}" destId="{21A4774E-80E9-45D9-98C3-5495EA624830}" srcOrd="4" destOrd="0" parTransId="{C327C01D-93D1-4383-B364-EB90AC7F6B31}" sibTransId="{7CB9F8FD-7FA0-430E-9F39-499AA376EB47}"/>
     <dgm:cxn modelId="{42BE758E-3BAE-4221-A385-9B8D3957B8D5}" srcId="{F82101CD-9385-4D0D-AAB5-E5C2C3F95F4D}" destId="{E32BB5A5-1CBD-421E-BC10-7425AEA54C66}" srcOrd="0" destOrd="0" parTransId="{2DCF53E6-577C-4A73-A817-AC671DE0786B}" sibTransId="{43EF77F2-8712-4141-B49C-522AC69A2C64}"/>
@@ -4129,10 +4057,14 @@
         <a:lstStyle/>
         <a:p>
           <a:r>
-            <a:rPr lang="es-AR" dirty="0" smtClean="0"/>
+            <a:rPr lang="es-AR" dirty="0" smtClean="0">
+              <a:latin typeface="+mn-lt"/>
+            </a:rPr>
             <a:t>Manejo del Tiempo</a:t>
           </a:r>
-          <a:endParaRPr lang="es-AR" dirty="0"/>
+          <a:endParaRPr lang="es-AR" dirty="0">
+            <a:latin typeface="+mn-lt"/>
+          </a:endParaRPr>
         </a:p>
       </dgm:t>
     </dgm:pt>
@@ -4143,7 +4075,9 @@
         <a:bodyPr/>
         <a:lstStyle/>
         <a:p>
-          <a:endParaRPr lang="es-AR"/>
+          <a:endParaRPr lang="es-AR">
+            <a:latin typeface="+mn-lt"/>
+          </a:endParaRPr>
         </a:p>
       </dgm:t>
     </dgm:pt>
@@ -4154,22 +4088,28 @@
         <a:bodyPr/>
         <a:lstStyle/>
         <a:p>
-          <a:endParaRPr lang="es-AR"/>
+          <a:endParaRPr lang="es-AR">
+            <a:latin typeface="+mn-lt"/>
+          </a:endParaRPr>
         </a:p>
       </dgm:t>
     </dgm:pt>
     <dgm:pt modelId="{E32BB5A5-1CBD-421E-BC10-7425AEA54C66}">
-      <dgm:prSet phldrT="[Texto]"/>
+      <dgm:prSet phldrT="[Texto]" custT="1"/>
       <dgm:spPr/>
       <dgm:t>
         <a:bodyPr/>
         <a:lstStyle/>
         <a:p>
           <a:r>
-            <a:rPr lang="es-AR" dirty="0" smtClean="0"/>
+            <a:rPr lang="es-AR" sz="9600" dirty="0" smtClean="0">
+              <a:latin typeface="+mn-lt"/>
+            </a:rPr>
             <a:t>Tiempo es un recurso limitado y precioso</a:t>
           </a:r>
-          <a:endParaRPr lang="es-AR" dirty="0"/>
+          <a:endParaRPr lang="es-AR" sz="9600" dirty="0">
+            <a:latin typeface="+mn-lt"/>
+          </a:endParaRPr>
         </a:p>
       </dgm:t>
     </dgm:pt>
@@ -4180,7 +4120,9 @@
         <a:bodyPr/>
         <a:lstStyle/>
         <a:p>
-          <a:endParaRPr lang="es-AR"/>
+          <a:endParaRPr lang="es-AR">
+            <a:latin typeface="+mn-lt"/>
+          </a:endParaRPr>
         </a:p>
       </dgm:t>
     </dgm:pt>
@@ -4191,22 +4133,34 @@
         <a:bodyPr/>
         <a:lstStyle/>
         <a:p>
-          <a:endParaRPr lang="es-AR"/>
+          <a:endParaRPr lang="es-AR">
+            <a:latin typeface="+mn-lt"/>
+          </a:endParaRPr>
         </a:p>
       </dgm:t>
     </dgm:pt>
     <dgm:pt modelId="{4CA4F214-4A6B-4288-9965-478EFF830CB1}">
-      <dgm:prSet phldrT="[Texto]"/>
+      <dgm:prSet phldrT="[Texto]" custT="1"/>
       <dgm:spPr/>
       <dgm:t>
         <a:bodyPr/>
         <a:lstStyle/>
         <a:p>
           <a:r>
-            <a:rPr lang="es-AR" dirty="0" smtClean="0"/>
-            <a:t>Priorizar se debe convertir en una buena practica</a:t>
+            <a:rPr lang="es-AR" sz="9600" dirty="0" smtClean="0">
+              <a:latin typeface="+mn-lt"/>
+            </a:rPr>
+            <a:t>Priorizar se debe convertir en una buena </a:t>
           </a:r>
-          <a:endParaRPr lang="es-AR" dirty="0"/>
+          <a:r>
+            <a:rPr lang="es-AR" sz="9600" dirty="0" smtClean="0">
+              <a:latin typeface="+mn-lt"/>
+            </a:rPr>
+            <a:t>práctica</a:t>
+          </a:r>
+          <a:endParaRPr lang="es-AR" sz="9600" dirty="0">
+            <a:latin typeface="+mn-lt"/>
+          </a:endParaRPr>
         </a:p>
       </dgm:t>
     </dgm:pt>
@@ -4217,7 +4171,9 @@
         <a:bodyPr/>
         <a:lstStyle/>
         <a:p>
-          <a:endParaRPr lang="es-AR"/>
+          <a:endParaRPr lang="es-AR">
+            <a:latin typeface="+mn-lt"/>
+          </a:endParaRPr>
         </a:p>
       </dgm:t>
     </dgm:pt>
@@ -4228,22 +4184,28 @@
         <a:bodyPr/>
         <a:lstStyle/>
         <a:p>
-          <a:endParaRPr lang="es-AR"/>
+          <a:endParaRPr lang="es-AR">
+            <a:latin typeface="+mn-lt"/>
+          </a:endParaRPr>
         </a:p>
       </dgm:t>
     </dgm:pt>
     <dgm:pt modelId="{CFDCA001-7AA6-44D8-80C4-26A0C0ACCDFC}">
-      <dgm:prSet phldrT="[Texto]"/>
+      <dgm:prSet phldrT="[Texto]" custT="1"/>
       <dgm:spPr/>
       <dgm:t>
         <a:bodyPr/>
         <a:lstStyle/>
         <a:p>
           <a:r>
-            <a:rPr lang="es-AR" dirty="0" smtClean="0"/>
+            <a:rPr lang="es-AR" sz="6000" dirty="0" smtClean="0">
+              <a:latin typeface="+mn-lt"/>
+            </a:rPr>
             <a:t>Comunicación y Sinergia</a:t>
           </a:r>
-          <a:endParaRPr lang="es-AR" dirty="0"/>
+          <a:endParaRPr lang="es-AR" sz="6000" dirty="0">
+            <a:latin typeface="+mn-lt"/>
+          </a:endParaRPr>
         </a:p>
       </dgm:t>
     </dgm:pt>
@@ -4254,7 +4216,9 @@
         <a:bodyPr/>
         <a:lstStyle/>
         <a:p>
-          <a:endParaRPr lang="es-AR"/>
+          <a:endParaRPr lang="es-AR">
+            <a:latin typeface="+mn-lt"/>
+          </a:endParaRPr>
         </a:p>
       </dgm:t>
     </dgm:pt>
@@ -4265,26 +4229,28 @@
         <a:bodyPr/>
         <a:lstStyle/>
         <a:p>
-          <a:endParaRPr lang="es-AR"/>
+          <a:endParaRPr lang="es-AR">
+            <a:latin typeface="+mn-lt"/>
+          </a:endParaRPr>
         </a:p>
       </dgm:t>
     </dgm:pt>
     <dgm:pt modelId="{FA7D1015-C3D8-4F51-B62F-B473F80F6088}">
-      <dgm:prSet phldrT="[Texto]"/>
+      <dgm:prSet phldrT="[Texto]" custT="1"/>
       <dgm:spPr/>
       <dgm:t>
         <a:bodyPr/>
         <a:lstStyle/>
         <a:p>
           <a:r>
-            <a:rPr lang="es-AR" dirty="0" smtClean="0"/>
-            <a:t>Saber </a:t>
+            <a:rPr lang="es-AR" sz="9600" dirty="0" smtClean="0">
+              <a:latin typeface="+mn-lt"/>
+            </a:rPr>
+            <a:t>Saber que esta haciendo cada integrante en cada momento</a:t>
           </a:r>
-          <a:r>
-            <a:rPr lang="es-AR" dirty="0" smtClean="0"/>
-            <a:t>que esta haciendo cada integrante en cada momento</a:t>
-          </a:r>
-          <a:endParaRPr lang="es-AR" dirty="0"/>
+          <a:endParaRPr lang="es-AR" sz="9600" dirty="0">
+            <a:latin typeface="+mn-lt"/>
+          </a:endParaRPr>
         </a:p>
       </dgm:t>
     </dgm:pt>
@@ -4295,7 +4261,9 @@
         <a:bodyPr/>
         <a:lstStyle/>
         <a:p>
-          <a:endParaRPr lang="es-AR"/>
+          <a:endParaRPr lang="es-AR">
+            <a:latin typeface="+mn-lt"/>
+          </a:endParaRPr>
         </a:p>
       </dgm:t>
     </dgm:pt>
@@ -4306,22 +4274,28 @@
         <a:bodyPr/>
         <a:lstStyle/>
         <a:p>
-          <a:endParaRPr lang="es-AR"/>
+          <a:endParaRPr lang="es-AR">
+            <a:latin typeface="+mn-lt"/>
+          </a:endParaRPr>
         </a:p>
       </dgm:t>
     </dgm:pt>
     <dgm:pt modelId="{B4B054F7-7F2A-4135-911B-F3C3201D487F}">
-      <dgm:prSet phldrT="[Texto]"/>
+      <dgm:prSet phldrT="[Texto]" custT="1"/>
       <dgm:spPr/>
       <dgm:t>
         <a:bodyPr/>
         <a:lstStyle/>
         <a:p>
           <a:r>
-            <a:rPr lang="es-AR" dirty="0" smtClean="0"/>
+            <a:rPr lang="es-AR" sz="9600" dirty="0" smtClean="0">
+              <a:latin typeface="+mn-lt"/>
+            </a:rPr>
             <a:t>Cuando haya un impedimento, todo el equipo responde y no solo el individuo</a:t>
           </a:r>
-          <a:endParaRPr lang="es-AR" dirty="0"/>
+          <a:endParaRPr lang="es-AR" sz="9600" dirty="0">
+            <a:latin typeface="+mn-lt"/>
+          </a:endParaRPr>
         </a:p>
       </dgm:t>
     </dgm:pt>
@@ -4332,7 +4306,9 @@
         <a:bodyPr/>
         <a:lstStyle/>
         <a:p>
-          <a:endParaRPr lang="es-AR"/>
+          <a:endParaRPr lang="es-AR">
+            <a:latin typeface="+mn-lt"/>
+          </a:endParaRPr>
         </a:p>
       </dgm:t>
     </dgm:pt>
@@ -4343,22 +4319,34 @@
         <a:bodyPr/>
         <a:lstStyle/>
         <a:p>
-          <a:endParaRPr lang="es-AR"/>
+          <a:endParaRPr lang="es-AR">
+            <a:latin typeface="+mn-lt"/>
+          </a:endParaRPr>
         </a:p>
       </dgm:t>
     </dgm:pt>
     <dgm:pt modelId="{725C6210-561C-4D57-8921-4CB0AF5A4430}">
-      <dgm:prSet phldrT="[Texto]"/>
+      <dgm:prSet phldrT="[Texto]" custT="1"/>
       <dgm:spPr/>
       <dgm:t>
         <a:bodyPr/>
         <a:lstStyle/>
         <a:p>
           <a:r>
-            <a:rPr lang="es-AR" dirty="0" smtClean="0"/>
-            <a:t>Potencial individuales</a:t>
+            <a:rPr lang="es-AR" sz="6600" dirty="0" smtClean="0">
+              <a:latin typeface="+mn-lt"/>
+            </a:rPr>
+            <a:t>Potencial </a:t>
           </a:r>
-          <a:endParaRPr lang="es-AR" dirty="0"/>
+          <a:r>
+            <a:rPr lang="es-AR" sz="6600" dirty="0" smtClean="0">
+              <a:latin typeface="+mn-lt"/>
+            </a:rPr>
+            <a:t>individual</a:t>
+          </a:r>
+          <a:endParaRPr lang="es-AR" sz="6600" dirty="0">
+            <a:latin typeface="+mn-lt"/>
+          </a:endParaRPr>
         </a:p>
       </dgm:t>
     </dgm:pt>
@@ -4369,7 +4357,9 @@
         <a:bodyPr/>
         <a:lstStyle/>
         <a:p>
-          <a:endParaRPr lang="es-AR"/>
+          <a:endParaRPr lang="es-AR">
+            <a:latin typeface="+mn-lt"/>
+          </a:endParaRPr>
         </a:p>
       </dgm:t>
     </dgm:pt>
@@ -4380,22 +4370,28 @@
         <a:bodyPr/>
         <a:lstStyle/>
         <a:p>
-          <a:endParaRPr lang="es-AR"/>
+          <a:endParaRPr lang="es-AR">
+            <a:latin typeface="+mn-lt"/>
+          </a:endParaRPr>
         </a:p>
       </dgm:t>
     </dgm:pt>
     <dgm:pt modelId="{39F962FF-64F7-4107-AB73-88385DD746E9}">
-      <dgm:prSet phldrT="[Texto]"/>
+      <dgm:prSet phldrT="[Texto]" custT="1"/>
       <dgm:spPr/>
       <dgm:t>
         <a:bodyPr/>
         <a:lstStyle/>
         <a:p>
           <a:r>
-            <a:rPr lang="es-AR" dirty="0" smtClean="0"/>
+            <a:rPr lang="es-AR" sz="8800" dirty="0" smtClean="0">
+              <a:latin typeface="+mn-lt"/>
+            </a:rPr>
             <a:t> Cada persona tiene un carácter y estilo diferenciador</a:t>
           </a:r>
-          <a:endParaRPr lang="es-AR" dirty="0"/>
+          <a:endParaRPr lang="es-AR" sz="8800" dirty="0">
+            <a:latin typeface="+mn-lt"/>
+          </a:endParaRPr>
         </a:p>
       </dgm:t>
     </dgm:pt>
@@ -4406,7 +4402,9 @@
         <a:bodyPr/>
         <a:lstStyle/>
         <a:p>
-          <a:endParaRPr lang="es-AR"/>
+          <a:endParaRPr lang="es-AR">
+            <a:latin typeface="+mn-lt"/>
+          </a:endParaRPr>
         </a:p>
       </dgm:t>
     </dgm:pt>
@@ -4417,22 +4415,28 @@
         <a:bodyPr/>
         <a:lstStyle/>
         <a:p>
-          <a:endParaRPr lang="es-AR"/>
+          <a:endParaRPr lang="es-AR">
+            <a:latin typeface="+mn-lt"/>
+          </a:endParaRPr>
         </a:p>
       </dgm:t>
     </dgm:pt>
     <dgm:pt modelId="{F82AF365-9D0F-4C56-BEE9-930C18496BAF}">
-      <dgm:prSet phldrT="[Texto]"/>
+      <dgm:prSet phldrT="[Texto]" custT="1"/>
       <dgm:spPr/>
       <dgm:t>
         <a:bodyPr/>
         <a:lstStyle/>
         <a:p>
           <a:r>
-            <a:rPr lang="es-AR" dirty="0" smtClean="0"/>
+            <a:rPr lang="es-AR" sz="8800" dirty="0" smtClean="0">
+              <a:latin typeface="+mn-lt"/>
+            </a:rPr>
             <a:t> Saber que tareas puede asumir cada integrante y como puedo ir tomando nuevas responsabilidades</a:t>
           </a:r>
-          <a:endParaRPr lang="es-AR" dirty="0"/>
+          <a:endParaRPr lang="es-AR" sz="8800" dirty="0">
+            <a:latin typeface="+mn-lt"/>
+          </a:endParaRPr>
         </a:p>
       </dgm:t>
     </dgm:pt>
@@ -4443,7 +4447,9 @@
         <a:bodyPr/>
         <a:lstStyle/>
         <a:p>
-          <a:endParaRPr lang="es-AR"/>
+          <a:endParaRPr lang="es-AR">
+            <a:latin typeface="+mn-lt"/>
+          </a:endParaRPr>
         </a:p>
       </dgm:t>
     </dgm:pt>
@@ -4454,22 +4460,28 @@
         <a:bodyPr/>
         <a:lstStyle/>
         <a:p>
-          <a:endParaRPr lang="es-AR"/>
+          <a:endParaRPr lang="es-AR">
+            <a:latin typeface="+mn-lt"/>
+          </a:endParaRPr>
         </a:p>
       </dgm:t>
     </dgm:pt>
     <dgm:pt modelId="{D9565F22-AF40-4671-8D0C-0B39C0B59FFC}">
-      <dgm:prSet phldrT="[Texto]"/>
+      <dgm:prSet phldrT="[Texto]" custT="1"/>
       <dgm:spPr/>
       <dgm:t>
         <a:bodyPr/>
         <a:lstStyle/>
         <a:p>
           <a:r>
-            <a:rPr lang="es-AR" dirty="0" smtClean="0"/>
+            <a:rPr lang="es-AR" sz="6600" dirty="0" smtClean="0">
+              <a:latin typeface="+mn-lt"/>
+            </a:rPr>
             <a:t>Madurez en Planificación</a:t>
           </a:r>
-          <a:endParaRPr lang="es-AR" dirty="0"/>
+          <a:endParaRPr lang="es-AR" sz="6600" dirty="0">
+            <a:latin typeface="+mn-lt"/>
+          </a:endParaRPr>
         </a:p>
       </dgm:t>
     </dgm:pt>
@@ -4480,7 +4492,9 @@
         <a:bodyPr/>
         <a:lstStyle/>
         <a:p>
-          <a:endParaRPr lang="es-AR"/>
+          <a:endParaRPr lang="es-AR">
+            <a:latin typeface="+mn-lt"/>
+          </a:endParaRPr>
         </a:p>
       </dgm:t>
     </dgm:pt>
@@ -4491,22 +4505,28 @@
         <a:bodyPr/>
         <a:lstStyle/>
         <a:p>
-          <a:endParaRPr lang="es-AR"/>
+          <a:endParaRPr lang="es-AR">
+            <a:latin typeface="+mn-lt"/>
+          </a:endParaRPr>
         </a:p>
       </dgm:t>
     </dgm:pt>
     <dgm:pt modelId="{545E3156-A895-421E-95F5-E0886378758E}">
-      <dgm:prSet phldrT="[Texto]"/>
+      <dgm:prSet phldrT="[Texto]" custT="1"/>
       <dgm:spPr/>
       <dgm:t>
         <a:bodyPr/>
         <a:lstStyle/>
         <a:p>
           <a:r>
-            <a:rPr lang="es-AR" dirty="0" smtClean="0"/>
+            <a:rPr lang="es-AR" sz="8000" dirty="0" smtClean="0">
+              <a:latin typeface="+mn-lt"/>
+            </a:rPr>
             <a:t>El mayor conocimiento del dominio, del producto y la tecnología permiten mejorar estimaciones de tiempo y esfuerzo.</a:t>
           </a:r>
-          <a:endParaRPr lang="es-AR" dirty="0"/>
+          <a:endParaRPr lang="es-AR" sz="8000" dirty="0">
+            <a:latin typeface="+mn-lt"/>
+          </a:endParaRPr>
         </a:p>
       </dgm:t>
     </dgm:pt>
@@ -4517,7 +4537,9 @@
         <a:bodyPr/>
         <a:lstStyle/>
         <a:p>
-          <a:endParaRPr lang="es-AR"/>
+          <a:endParaRPr lang="es-AR">
+            <a:latin typeface="+mn-lt"/>
+          </a:endParaRPr>
         </a:p>
       </dgm:t>
     </dgm:pt>
@@ -4528,22 +4550,28 @@
         <a:bodyPr/>
         <a:lstStyle/>
         <a:p>
-          <a:endParaRPr lang="es-AR"/>
+          <a:endParaRPr lang="es-AR">
+            <a:latin typeface="+mn-lt"/>
+          </a:endParaRPr>
         </a:p>
       </dgm:t>
     </dgm:pt>
     <dgm:pt modelId="{6ABD86DF-8798-4E5A-AF3F-A6D08B96F223}">
-      <dgm:prSet phldrT="[Texto]"/>
+      <dgm:prSet phldrT="[Texto]" custT="1"/>
       <dgm:spPr/>
       <dgm:t>
         <a:bodyPr/>
         <a:lstStyle/>
         <a:p>
           <a:r>
-            <a:rPr lang="es-AR" dirty="0" smtClean="0"/>
+            <a:rPr lang="es-AR" sz="8000" dirty="0" smtClean="0">
+              <a:latin typeface="+mn-lt"/>
+            </a:rPr>
             <a:t>También el mismo histórico del Producto sirve como entrada para estimaciones.</a:t>
           </a:r>
-          <a:endParaRPr lang="es-AR" dirty="0"/>
+          <a:endParaRPr lang="es-AR" sz="8000" dirty="0">
+            <a:latin typeface="+mn-lt"/>
+          </a:endParaRPr>
         </a:p>
       </dgm:t>
     </dgm:pt>
@@ -4554,7 +4582,9 @@
         <a:bodyPr/>
         <a:lstStyle/>
         <a:p>
-          <a:endParaRPr lang="es-AR"/>
+          <a:endParaRPr lang="es-AR">
+            <a:latin typeface="+mn-lt"/>
+          </a:endParaRPr>
         </a:p>
       </dgm:t>
     </dgm:pt>
@@ -4565,22 +4595,28 @@
         <a:bodyPr/>
         <a:lstStyle/>
         <a:p>
-          <a:endParaRPr lang="es-AR"/>
+          <a:endParaRPr lang="es-AR">
+            <a:latin typeface="+mn-lt"/>
+          </a:endParaRPr>
         </a:p>
       </dgm:t>
     </dgm:pt>
     <dgm:pt modelId="{21A4774E-80E9-45D9-98C3-5495EA624830}">
-      <dgm:prSet phldrT="[Texto]"/>
+      <dgm:prSet phldrT="[Texto]" custT="1"/>
       <dgm:spPr/>
       <dgm:t>
         <a:bodyPr/>
         <a:lstStyle/>
         <a:p>
           <a:r>
-            <a:rPr lang="es-AR" dirty="0" smtClean="0"/>
+            <a:rPr lang="es-AR" sz="7200" dirty="0" smtClean="0">
+              <a:latin typeface="+mn-lt"/>
+            </a:rPr>
             <a:t>Valor para el Cliente</a:t>
           </a:r>
-          <a:endParaRPr lang="es-AR" dirty="0"/>
+          <a:endParaRPr lang="es-AR" sz="7200" dirty="0">
+            <a:latin typeface="+mn-lt"/>
+          </a:endParaRPr>
         </a:p>
       </dgm:t>
     </dgm:pt>
@@ -4591,7 +4627,9 @@
         <a:bodyPr/>
         <a:lstStyle/>
         <a:p>
-          <a:endParaRPr lang="es-AR"/>
+          <a:endParaRPr lang="es-AR">
+            <a:latin typeface="+mn-lt"/>
+          </a:endParaRPr>
         </a:p>
       </dgm:t>
     </dgm:pt>
@@ -4602,22 +4640,28 @@
         <a:bodyPr/>
         <a:lstStyle/>
         <a:p>
-          <a:endParaRPr lang="es-AR"/>
+          <a:endParaRPr lang="es-AR">
+            <a:latin typeface="+mn-lt"/>
+          </a:endParaRPr>
         </a:p>
       </dgm:t>
     </dgm:pt>
     <dgm:pt modelId="{B129A058-7F8B-428D-BBCB-0ED2488A8F18}">
-      <dgm:prSet phldrT="[Texto]"/>
+      <dgm:prSet phldrT="[Texto]" custT="1"/>
       <dgm:spPr/>
       <dgm:t>
         <a:bodyPr/>
         <a:lstStyle/>
         <a:p>
           <a:r>
-            <a:rPr lang="es-AR" dirty="0" smtClean="0"/>
+            <a:rPr lang="es-AR" sz="8000" dirty="0" smtClean="0">
+              <a:latin typeface="+mn-lt"/>
+            </a:rPr>
             <a:t>QUE necesita el Cliente?</a:t>
           </a:r>
-          <a:endParaRPr lang="es-AR" dirty="0"/>
+          <a:endParaRPr lang="es-AR" sz="8000" dirty="0">
+            <a:latin typeface="+mn-lt"/>
+          </a:endParaRPr>
         </a:p>
       </dgm:t>
     </dgm:pt>
@@ -4628,7 +4672,9 @@
         <a:bodyPr/>
         <a:lstStyle/>
         <a:p>
-          <a:endParaRPr lang="es-AR"/>
+          <a:endParaRPr lang="es-AR">
+            <a:latin typeface="+mn-lt"/>
+          </a:endParaRPr>
         </a:p>
       </dgm:t>
     </dgm:pt>
@@ -4639,22 +4685,28 @@
         <a:bodyPr/>
         <a:lstStyle/>
         <a:p>
-          <a:endParaRPr lang="es-AR"/>
+          <a:endParaRPr lang="es-AR">
+            <a:latin typeface="+mn-lt"/>
+          </a:endParaRPr>
         </a:p>
       </dgm:t>
     </dgm:pt>
     <dgm:pt modelId="{2786C2F7-831D-45E3-B3D0-B496DB93803B}">
-      <dgm:prSet phldrT="[Texto]"/>
+      <dgm:prSet phldrT="[Texto]" custT="1"/>
       <dgm:spPr/>
       <dgm:t>
         <a:bodyPr/>
         <a:lstStyle/>
         <a:p>
           <a:r>
-            <a:rPr lang="es-AR" dirty="0" smtClean="0"/>
+            <a:rPr lang="es-AR" sz="8000" dirty="0" smtClean="0">
+              <a:latin typeface="+mn-lt"/>
+            </a:rPr>
             <a:t>COMO lo necesita?</a:t>
           </a:r>
-          <a:endParaRPr lang="es-AR" dirty="0"/>
+          <a:endParaRPr lang="es-AR" sz="8000" dirty="0">
+            <a:latin typeface="+mn-lt"/>
+          </a:endParaRPr>
         </a:p>
       </dgm:t>
     </dgm:pt>
@@ -4665,7 +4717,9 @@
         <a:bodyPr/>
         <a:lstStyle/>
         <a:p>
-          <a:endParaRPr lang="es-AR"/>
+          <a:endParaRPr lang="es-AR">
+            <a:latin typeface="+mn-lt"/>
+          </a:endParaRPr>
         </a:p>
       </dgm:t>
     </dgm:pt>
@@ -4676,22 +4730,28 @@
         <a:bodyPr/>
         <a:lstStyle/>
         <a:p>
-          <a:endParaRPr lang="es-AR"/>
+          <a:endParaRPr lang="es-AR">
+            <a:latin typeface="+mn-lt"/>
+          </a:endParaRPr>
         </a:p>
       </dgm:t>
     </dgm:pt>
     <dgm:pt modelId="{B764852E-310A-4A82-961B-819166CB2FAB}">
-      <dgm:prSet phldrT="[Texto]"/>
+      <dgm:prSet phldrT="[Texto]" custT="1"/>
       <dgm:spPr/>
       <dgm:t>
         <a:bodyPr/>
         <a:lstStyle/>
         <a:p>
           <a:r>
-            <a:rPr lang="es-AR" dirty="0" smtClean="0"/>
+            <a:rPr lang="es-AR" sz="8000" dirty="0" smtClean="0">
+              <a:latin typeface="+mn-lt"/>
+            </a:rPr>
             <a:t>Casos de uso validos para el Cliente.</a:t>
           </a:r>
-          <a:endParaRPr lang="es-AR" dirty="0"/>
+          <a:endParaRPr lang="es-AR" sz="8000" dirty="0">
+            <a:latin typeface="+mn-lt"/>
+          </a:endParaRPr>
         </a:p>
       </dgm:t>
     </dgm:pt>
@@ -4702,7 +4762,9 @@
         <a:bodyPr/>
         <a:lstStyle/>
         <a:p>
-          <a:endParaRPr lang="es-AR"/>
+          <a:endParaRPr lang="es-AR">
+            <a:latin typeface="+mn-lt"/>
+          </a:endParaRPr>
         </a:p>
       </dgm:t>
     </dgm:pt>
@@ -4713,7 +4775,9 @@
         <a:bodyPr/>
         <a:lstStyle/>
         <a:p>
-          <a:endParaRPr lang="es-AR"/>
+          <a:endParaRPr lang="es-AR">
+            <a:latin typeface="+mn-lt"/>
+          </a:endParaRPr>
         </a:p>
       </dgm:t>
     </dgm:pt>
@@ -5005,8 +5069,8 @@
       </dsp:nvSpPr>
       <dsp:spPr>
         <a:xfrm rot="5400000">
-          <a:off x="-987112" y="990136"/>
-          <a:ext cx="6580750" cy="4606525"/>
+          <a:off x="-984734" y="994095"/>
+          <a:ext cx="6564893" cy="4595425"/>
         </a:xfrm>
         <a:prstGeom prst="chevron">
           <a:avLst/>
@@ -5105,8 +5169,8 @@
         </a:p>
       </dsp:txBody>
       <dsp:txXfrm rot="-5400000">
-        <a:off x="1" y="2306287"/>
-        <a:ext cx="4606525" cy="1974225"/>
+        <a:off x="1" y="2307074"/>
+        <a:ext cx="4595425" cy="1969468"/>
       </dsp:txXfrm>
     </dsp:sp>
     <dsp:sp modelId="{491002E8-E7FC-4D12-B1ED-028469E71646}">
@@ -5116,8 +5180,8 @@
       </dsp:nvSpPr>
       <dsp:spPr>
         <a:xfrm rot="5400000">
-          <a:off x="22775030" y="-18165481"/>
-          <a:ext cx="4277487" cy="40614498"/>
+          <a:off x="22774634" y="-18169847"/>
+          <a:ext cx="4267180" cy="40625598"/>
         </a:xfrm>
         <a:prstGeom prst="round2SameRect">
           <a:avLst/>
@@ -5175,12 +5239,12 @@
         <a:fontRef idx="minor"/>
       </dsp:style>
       <dsp:txBody>
-        <a:bodyPr spcFirstLastPara="0" vert="horz" wrap="square" lIns="426720" tIns="38100" rIns="38100" bIns="38100" numCol="1" spcCol="1270" anchor="ctr" anchorCtr="0">
+        <a:bodyPr spcFirstLastPara="0" vert="horz" wrap="square" lIns="817880" tIns="73025" rIns="73025" bIns="73025" numCol="1" spcCol="1270" anchor="ctr" anchorCtr="0">
           <a:noAutofit/>
         </a:bodyPr>
         <a:lstStyle/>
         <a:p>
-          <a:pPr marL="285750" lvl="1" indent="-285750" algn="l" defTabSz="2667000">
+          <a:pPr marL="285750" lvl="1" indent="-285750" algn="l" defTabSz="5111750">
             <a:lnSpc>
               <a:spcPct val="90000"/>
             </a:lnSpc>
@@ -5193,13 +5257,17 @@
             <a:buChar char="••"/>
           </a:pPr>
           <a:r>
-            <a:rPr lang="es-AR" sz="6000" kern="1200" dirty="0" smtClean="0"/>
-            <a:t>Poder detectar desviaciones en fases tempranas</a:t>
+            <a:rPr lang="es-AR" sz="11500" kern="1200" dirty="0" smtClean="0"/>
+            <a:t>Detectar </a:t>
           </a:r>
-          <a:endParaRPr lang="es-AR" sz="6000" kern="1200" dirty="0"/>
+          <a:r>
+            <a:rPr lang="es-AR" sz="11500" kern="1200" dirty="0" smtClean="0"/>
+            <a:t>desviaciones en fases tempranas</a:t>
+          </a:r>
+          <a:endParaRPr lang="es-AR" sz="11500" kern="1200" dirty="0"/>
         </a:p>
         <a:p>
-          <a:pPr marL="285750" lvl="1" indent="-285750" algn="l" defTabSz="2667000">
+          <a:pPr marL="285750" lvl="1" indent="-285750" algn="l" defTabSz="5111750">
             <a:lnSpc>
               <a:spcPct val="90000"/>
             </a:lnSpc>
@@ -5212,15 +5280,19 @@
             <a:buChar char="••"/>
           </a:pPr>
           <a:r>
-            <a:rPr lang="es-AR" sz="6000" kern="1200" dirty="0" smtClean="0"/>
-            <a:t> Poder actuar para CONTENER a los Jóvenes</a:t>
+            <a:rPr lang="es-AR" sz="11500" kern="1200" dirty="0" smtClean="0"/>
+            <a:t>Actuar </a:t>
           </a:r>
-          <a:endParaRPr lang="es-AR" sz="6000" kern="1200" dirty="0"/>
+          <a:r>
+            <a:rPr lang="es-AR" sz="11500" kern="1200" dirty="0" smtClean="0"/>
+            <a:t>para CONTENER a los Jóvenes</a:t>
+          </a:r>
+          <a:endParaRPr lang="es-AR" sz="11500" kern="1200" dirty="0"/>
         </a:p>
       </dsp:txBody>
       <dsp:txXfrm rot="-5400000">
-        <a:off x="4606525" y="211834"/>
-        <a:ext cx="40405688" cy="3859867"/>
+        <a:off x="4595426" y="217668"/>
+        <a:ext cx="40417291" cy="3850566"/>
       </dsp:txXfrm>
     </dsp:sp>
     <dsp:sp modelId="{B8AAA0C8-FB9C-44C0-B0AA-0C9B2E5AB49D}">
@@ -5230,8 +5302,8 @@
       </dsp:nvSpPr>
       <dsp:spPr>
         <a:xfrm rot="5400000">
-          <a:off x="-987112" y="7462339"/>
-          <a:ext cx="6580750" cy="4606525"/>
+          <a:off x="-984734" y="7516267"/>
+          <a:ext cx="6564893" cy="4595425"/>
         </a:xfrm>
         <a:prstGeom prst="chevron">
           <a:avLst/>
@@ -5330,8 +5402,8 @@
         </a:p>
       </dsp:txBody>
       <dsp:txXfrm rot="-5400000">
-        <a:off x="1" y="8778490"/>
-        <a:ext cx="4606525" cy="1974225"/>
+        <a:off x="1" y="8829246"/>
+        <a:ext cx="4595425" cy="1969468"/>
       </dsp:txXfrm>
     </dsp:sp>
     <dsp:sp modelId="{07F72F97-1B1D-4E34-A13C-D9E2B3849E68}">
@@ -5341,8 +5413,8 @@
       </dsp:nvSpPr>
       <dsp:spPr>
         <a:xfrm rot="5400000">
-          <a:off x="22775030" y="-11693278"/>
-          <a:ext cx="4277487" cy="40614498"/>
+          <a:off x="22709069" y="-11647675"/>
+          <a:ext cx="4398311" cy="40625598"/>
         </a:xfrm>
         <a:prstGeom prst="round2SameRect">
           <a:avLst/>
@@ -5400,12 +5472,12 @@
         <a:fontRef idx="minor"/>
       </dsp:style>
       <dsp:txBody>
-        <a:bodyPr spcFirstLastPara="0" vert="horz" wrap="square" lIns="426720" tIns="38100" rIns="38100" bIns="38100" numCol="1" spcCol="1270" anchor="ctr" anchorCtr="0">
+        <a:bodyPr spcFirstLastPara="0" vert="horz" wrap="square" lIns="817880" tIns="73025" rIns="73025" bIns="73025" numCol="1" spcCol="1270" anchor="ctr" anchorCtr="0">
           <a:noAutofit/>
         </a:bodyPr>
         <a:lstStyle/>
         <a:p>
-          <a:pPr marL="285750" lvl="1" indent="-285750" algn="l" defTabSz="2667000">
+          <a:pPr marL="285750" lvl="1" indent="-285750" algn="l" defTabSz="5111750">
             <a:lnSpc>
               <a:spcPct val="90000"/>
             </a:lnSpc>
@@ -5418,17 +5490,13 @@
             <a:buChar char="••"/>
           </a:pPr>
           <a:r>
-            <a:rPr lang="es-AR" sz="6000" kern="1200" dirty="0" smtClean="0"/>
-            <a:t> Información resumida y </a:t>
+            <a:rPr lang="es-AR" sz="11500" kern="1200" dirty="0" smtClean="0"/>
+            <a:t>Cálculos y Gráficos de valor para los distintos actores.</a:t>
           </a:r>
-          <a:r>
-            <a:rPr lang="es-AR" sz="6000" kern="1200" dirty="0" err="1" smtClean="0"/>
-            <a:t>sumarizada</a:t>
-          </a:r>
-          <a:endParaRPr lang="es-AR" sz="6000" kern="1200" dirty="0"/>
+          <a:endParaRPr lang="es-AR" sz="11500" kern="1200" dirty="0"/>
         </a:p>
         <a:p>
-          <a:pPr marL="285750" lvl="1" indent="-285750" algn="l" defTabSz="2667000">
+          <a:pPr marL="285750" lvl="1" indent="-285750" algn="l" defTabSz="5111750">
             <a:lnSpc>
               <a:spcPct val="90000"/>
             </a:lnSpc>
@@ -5441,49 +5509,15 @@
             <a:buChar char="••"/>
           </a:pPr>
           <a:r>
-            <a:rPr lang="es-AR" sz="6000" kern="1200" dirty="0" smtClean="0"/>
-            <a:t> Cálculos y Gráficos de valor para los distintos actores.</a:t>
+            <a:rPr lang="es-AR" sz="11500" kern="1200" dirty="0" smtClean="0"/>
+            <a:t>Información OPORTUNA, Resumida y Sumarizada</a:t>
           </a:r>
-          <a:endParaRPr lang="es-AR" sz="6000" kern="1200" dirty="0"/>
-        </a:p>
-        <a:p>
-          <a:pPr marL="285750" lvl="1" indent="-285750" algn="l" defTabSz="2667000">
-            <a:lnSpc>
-              <a:spcPct val="90000"/>
-            </a:lnSpc>
-            <a:spcBef>
-              <a:spcPct val="0"/>
-            </a:spcBef>
-            <a:spcAft>
-              <a:spcPct val="15000"/>
-            </a:spcAft>
-            <a:buChar char="••"/>
-          </a:pPr>
-          <a:r>
-            <a:rPr lang="es-AR" sz="6000" kern="1200" dirty="0" smtClean="0"/>
-            <a:t> Información OPORTUNA</a:t>
-          </a:r>
-          <a:endParaRPr lang="es-AR" sz="6000" kern="1200" dirty="0"/>
-        </a:p>
-        <a:p>
-          <a:pPr marL="285750" lvl="1" indent="-285750" algn="l" defTabSz="2667000">
-            <a:lnSpc>
-              <a:spcPct val="90000"/>
-            </a:lnSpc>
-            <a:spcBef>
-              <a:spcPct val="0"/>
-            </a:spcBef>
-            <a:spcAft>
-              <a:spcPct val="15000"/>
-            </a:spcAft>
-            <a:buChar char="••"/>
-          </a:pPr>
-          <a:endParaRPr lang="es-AR" sz="6000" kern="1200" dirty="0"/>
+          <a:endParaRPr lang="es-AR" sz="11500" kern="1200" dirty="0"/>
         </a:p>
       </dsp:txBody>
       <dsp:txXfrm rot="-5400000">
-        <a:off x="4606525" y="6684037"/>
-        <a:ext cx="40405688" cy="3859867"/>
+        <a:off x="4595426" y="6680676"/>
+        <a:ext cx="40410890" cy="3968895"/>
       </dsp:txXfrm>
     </dsp:sp>
     <dsp:sp modelId="{E889D286-8646-4E13-B090-91A07C289229}">
@@ -5493,8 +5527,8 @@
       </dsp:nvSpPr>
       <dsp:spPr>
         <a:xfrm rot="5400000">
-          <a:off x="-987112" y="13934541"/>
-          <a:ext cx="6580750" cy="4606525"/>
+          <a:off x="-984734" y="13972873"/>
+          <a:ext cx="6564893" cy="4595425"/>
         </a:xfrm>
         <a:prstGeom prst="chevron">
           <a:avLst/>
@@ -5593,8 +5627,8 @@
         </a:p>
       </dsp:txBody>
       <dsp:txXfrm rot="-5400000">
-        <a:off x="1" y="15250692"/>
-        <a:ext cx="4606525" cy="1974225"/>
+        <a:off x="1" y="15285852"/>
+        <a:ext cx="4595425" cy="1969468"/>
       </dsp:txXfrm>
     </dsp:sp>
     <dsp:sp modelId="{54A6382E-ACFD-473E-925E-8456B4F820EF}">
@@ -5604,8 +5638,8 @@
       </dsp:nvSpPr>
       <dsp:spPr>
         <a:xfrm rot="5400000">
-          <a:off x="22775030" y="-5221076"/>
-          <a:ext cx="4277487" cy="40614498"/>
+          <a:off x="22774634" y="-5191069"/>
+          <a:ext cx="4267180" cy="40625598"/>
         </a:xfrm>
         <a:prstGeom prst="round2SameRect">
           <a:avLst/>
@@ -5663,12 +5697,12 @@
         <a:fontRef idx="minor"/>
       </dsp:style>
       <dsp:txBody>
-        <a:bodyPr spcFirstLastPara="0" vert="horz" wrap="square" lIns="426720" tIns="38100" rIns="38100" bIns="38100" numCol="1" spcCol="1270" anchor="ctr" anchorCtr="0">
+        <a:bodyPr spcFirstLastPara="0" vert="horz" wrap="square" lIns="817880" tIns="73025" rIns="73025" bIns="73025" numCol="1" spcCol="1270" anchor="ctr" anchorCtr="0">
           <a:noAutofit/>
         </a:bodyPr>
         <a:lstStyle/>
         <a:p>
-          <a:pPr marL="285750" lvl="1" indent="-285750" algn="l" defTabSz="2667000">
+          <a:pPr marL="285750" lvl="1" indent="-285750" algn="l" defTabSz="5111750">
             <a:lnSpc>
               <a:spcPct val="90000"/>
             </a:lnSpc>
@@ -5681,17 +5715,17 @@
             <a:buChar char="••"/>
           </a:pPr>
           <a:r>
-            <a:rPr lang="es-AR" sz="6000" kern="1200" dirty="0" smtClean="0"/>
-            <a:t> </a:t>
+            <a:rPr lang="es-AR" sz="11500" kern="1200" dirty="0" smtClean="0"/>
+            <a:t>Mejorar </a:t>
           </a:r>
           <a:r>
-            <a:rPr lang="es-AR" sz="6000" kern="1200" dirty="0" smtClean="0"/>
-            <a:t>La institución puede aspirar a mejorar los niveles generales de desempeño de los alumnos.</a:t>
+            <a:rPr lang="es-AR" sz="11500" kern="1200" dirty="0" smtClean="0"/>
+            <a:t>los niveles generales de desempeño de los alumnos.</a:t>
           </a:r>
-          <a:endParaRPr lang="es-AR" sz="6000" kern="1200" dirty="0"/>
+          <a:endParaRPr lang="es-AR" sz="11500" kern="1200" dirty="0"/>
         </a:p>
         <a:p>
-          <a:pPr marL="285750" lvl="1" indent="-285750" algn="l" defTabSz="2667000">
+          <a:pPr marL="285750" lvl="1" indent="-285750" algn="l" defTabSz="5111750">
             <a:lnSpc>
               <a:spcPct val="90000"/>
             </a:lnSpc>
@@ -5704,19 +5738,19 @@
             <a:buChar char="••"/>
           </a:pPr>
           <a:r>
-            <a:rPr lang="es-AR" sz="6000" kern="1200" dirty="0" smtClean="0"/>
-            <a:t> Saber </a:t>
+            <a:rPr lang="es-AR" sz="11500" kern="1200" dirty="0" smtClean="0"/>
+            <a:t>Identificar por donde </a:t>
           </a:r>
           <a:r>
-            <a:rPr lang="es-AR" sz="6000" kern="1200" dirty="0" smtClean="0"/>
-            <a:t>donde atacar para realizar una mejora sustancial.</a:t>
+            <a:rPr lang="es-AR" sz="11500" kern="1200" dirty="0" smtClean="0"/>
+            <a:t>atacar para realizar una mejora sustancial.</a:t>
           </a:r>
-          <a:endParaRPr lang="es-AR" sz="6000" kern="1200" dirty="0"/>
+          <a:endParaRPr lang="es-AR" sz="11500" kern="1200" dirty="0"/>
         </a:p>
       </dsp:txBody>
       <dsp:txXfrm rot="-5400000">
-        <a:off x="4606525" y="13156239"/>
-        <a:ext cx="40405688" cy="3859867"/>
+        <a:off x="4595426" y="13196446"/>
+        <a:ext cx="40417291" cy="3850566"/>
       </dsp:txXfrm>
     </dsp:sp>
     <dsp:sp modelId="{A4BA19CE-3BD7-467C-8E0E-CBBDB0FD238C}">
@@ -5726,8 +5760,8 @@
       </dsp:nvSpPr>
       <dsp:spPr>
         <a:xfrm rot="5400000">
-          <a:off x="-987112" y="20406743"/>
-          <a:ext cx="6580750" cy="4606525"/>
+          <a:off x="-984734" y="20429480"/>
+          <a:ext cx="6564893" cy="4595425"/>
         </a:xfrm>
         <a:prstGeom prst="chevron">
           <a:avLst/>
@@ -5826,8 +5860,8 @@
         </a:p>
       </dsp:txBody>
       <dsp:txXfrm rot="-5400000">
-        <a:off x="1" y="21722894"/>
-        <a:ext cx="4606525" cy="1974225"/>
+        <a:off x="1" y="21742459"/>
+        <a:ext cx="4595425" cy="1969468"/>
       </dsp:txXfrm>
     </dsp:sp>
     <dsp:sp modelId="{A01CBADF-5166-4CFE-A656-91B079593A9B}">
@@ -5837,8 +5871,8 @@
       </dsp:nvSpPr>
       <dsp:spPr>
         <a:xfrm rot="5400000">
-          <a:off x="22775030" y="1251125"/>
-          <a:ext cx="4277487" cy="40614498"/>
+          <a:off x="22774634" y="1265537"/>
+          <a:ext cx="4267180" cy="40625598"/>
         </a:xfrm>
         <a:prstGeom prst="round2SameRect">
           <a:avLst/>
@@ -5896,12 +5930,12 @@
         <a:fontRef idx="minor"/>
       </dsp:style>
       <dsp:txBody>
-        <a:bodyPr spcFirstLastPara="0" vert="horz" wrap="square" lIns="426720" tIns="38100" rIns="38100" bIns="38100" numCol="1" spcCol="1270" anchor="ctr" anchorCtr="0">
+        <a:bodyPr spcFirstLastPara="0" vert="horz" wrap="square" lIns="817880" tIns="73025" rIns="73025" bIns="73025" numCol="1" spcCol="1270" anchor="ctr" anchorCtr="0">
           <a:noAutofit/>
         </a:bodyPr>
         <a:lstStyle/>
         <a:p>
-          <a:pPr marL="285750" lvl="1" indent="-285750" algn="l" defTabSz="2667000">
+          <a:pPr marL="285750" lvl="1" indent="-285750" algn="l" defTabSz="5111750">
             <a:lnSpc>
               <a:spcPct val="90000"/>
             </a:lnSpc>
@@ -5914,13 +5948,17 @@
             <a:buChar char="••"/>
           </a:pPr>
           <a:r>
-            <a:rPr lang="es-AR" sz="6000" kern="1200" dirty="0" smtClean="0"/>
-            <a:t> Reducir las brechas existentes entre los distintos actores.</a:t>
+            <a:rPr lang="es-AR" sz="11500" kern="1200" dirty="0" smtClean="0"/>
+            <a:t>Reducir </a:t>
           </a:r>
-          <a:endParaRPr lang="es-AR" sz="6000" kern="1200" dirty="0"/>
+          <a:r>
+            <a:rPr lang="es-AR" sz="11500" kern="1200" dirty="0" smtClean="0"/>
+            <a:t>las brechas existentes entre los distintos actores.</a:t>
+          </a:r>
+          <a:endParaRPr lang="es-AR" sz="11500" kern="1200" dirty="0"/>
         </a:p>
         <a:p>
-          <a:pPr marL="285750" lvl="1" indent="-285750" algn="l" defTabSz="2667000">
+          <a:pPr marL="285750" lvl="1" indent="-285750" algn="l" defTabSz="5111750">
             <a:lnSpc>
               <a:spcPct val="90000"/>
             </a:lnSpc>
@@ -5933,15 +5971,19 @@
             <a:buChar char="••"/>
           </a:pPr>
           <a:r>
-            <a:rPr lang="es-AR" sz="6000" kern="1200" dirty="0" smtClean="0"/>
-            <a:t> Comunicación en los niveles y direcciones que importan</a:t>
+            <a:rPr lang="es-AR" sz="11500" kern="1200" dirty="0" smtClean="0"/>
+            <a:t>Comunicación </a:t>
           </a:r>
-          <a:endParaRPr lang="es-AR" sz="6000" kern="1200" dirty="0"/>
+          <a:r>
+            <a:rPr lang="es-AR" sz="11500" kern="1200" dirty="0" smtClean="0"/>
+            <a:t>en los niveles y direcciones que importan</a:t>
+          </a:r>
+          <a:endParaRPr lang="es-AR" sz="11500" kern="1200" dirty="0"/>
         </a:p>
       </dsp:txBody>
       <dsp:txXfrm rot="-5400000">
-        <a:off x="4606525" y="19628440"/>
-        <a:ext cx="40405688" cy="3859867"/>
+        <a:off x="4595426" y="19653053"/>
+        <a:ext cx="40417291" cy="3850566"/>
       </dsp:txXfrm>
     </dsp:sp>
     <dsp:sp modelId="{DFB9481B-7C9F-4560-B4B1-8046C628646F}">
@@ -5951,8 +5993,8 @@
       </dsp:nvSpPr>
       <dsp:spPr>
         <a:xfrm rot="5400000">
-          <a:off x="-987112" y="26878945"/>
-          <a:ext cx="6580750" cy="4606525"/>
+          <a:off x="-984734" y="26886086"/>
+          <a:ext cx="6564893" cy="4595425"/>
         </a:xfrm>
         <a:prstGeom prst="chevron">
           <a:avLst/>
@@ -6051,8 +6093,8 @@
         </a:p>
       </dsp:txBody>
       <dsp:txXfrm rot="-5400000">
-        <a:off x="1" y="28195096"/>
-        <a:ext cx="4606525" cy="1974225"/>
+        <a:off x="1" y="28199065"/>
+        <a:ext cx="4595425" cy="1969468"/>
       </dsp:txXfrm>
     </dsp:sp>
     <dsp:sp modelId="{D8D48829-7C5C-400A-9338-38C26ECB83C8}">
@@ -6062,8 +6104,8 @@
       </dsp:nvSpPr>
       <dsp:spPr>
         <a:xfrm rot="5400000">
-          <a:off x="22775030" y="7723327"/>
-          <a:ext cx="4277487" cy="40614498"/>
+          <a:off x="22774634" y="7722144"/>
+          <a:ext cx="4267180" cy="40625598"/>
         </a:xfrm>
         <a:prstGeom prst="round2SameRect">
           <a:avLst/>
@@ -6121,12 +6163,12 @@
         <a:fontRef idx="minor"/>
       </dsp:style>
       <dsp:txBody>
-        <a:bodyPr spcFirstLastPara="0" vert="horz" wrap="square" lIns="426720" tIns="38100" rIns="38100" bIns="38100" numCol="1" spcCol="1270" anchor="ctr" anchorCtr="0">
+        <a:bodyPr spcFirstLastPara="0" vert="horz" wrap="square" lIns="817880" tIns="73025" rIns="73025" bIns="73025" numCol="1" spcCol="1270" anchor="ctr" anchorCtr="0">
           <a:noAutofit/>
         </a:bodyPr>
         <a:lstStyle/>
         <a:p>
-          <a:pPr marL="285750" lvl="1" indent="-285750" algn="l" defTabSz="2667000">
+          <a:pPr marL="285750" lvl="1" indent="-285750" algn="l" defTabSz="5111750">
             <a:lnSpc>
               <a:spcPct val="90000"/>
             </a:lnSpc>
@@ -6139,15 +6181,19 @@
             <a:buChar char="••"/>
           </a:pPr>
           <a:r>
-            <a:rPr lang="es-AR" sz="6000" kern="1200" dirty="0" smtClean="0"/>
-            <a:t> Poder realizar cálculos, brindar información sin necesidad de participación humana en el procesamiento.</a:t>
+            <a:rPr lang="es-AR" sz="11500" kern="1200" dirty="0" smtClean="0"/>
+            <a:t>Realizar cálculos y </a:t>
           </a:r>
-          <a:endParaRPr lang="es-AR" sz="6000" kern="1200" dirty="0"/>
+          <a:r>
+            <a:rPr lang="es-AR" sz="11500" kern="1200" dirty="0" smtClean="0"/>
+            <a:t>brindar información sin necesidad de participación humana en el procesamiento.</a:t>
+          </a:r>
+          <a:endParaRPr lang="es-AR" sz="11500" kern="1200" dirty="0"/>
         </a:p>
       </dsp:txBody>
       <dsp:txXfrm rot="-5400000">
-        <a:off x="4606525" y="26100642"/>
-        <a:ext cx="40405688" cy="3859867"/>
+        <a:off x="4595426" y="26109660"/>
+        <a:ext cx="40417291" cy="3850566"/>
       </dsp:txXfrm>
     </dsp:sp>
   </dsp:spTree>
@@ -7022,8 +7068,8 @@
       </dsp:nvSpPr>
       <dsp:spPr>
         <a:xfrm rot="5400000">
-          <a:off x="-987112" y="990136"/>
-          <a:ext cx="6580750" cy="4606525"/>
+          <a:off x="-986148" y="1005027"/>
+          <a:ext cx="6574324" cy="4602026"/>
         </a:xfrm>
         <a:prstGeom prst="chevron">
           <a:avLst/>
@@ -7098,12 +7144,12 @@
         </a:fontRef>
       </dsp:style>
       <dsp:txBody>
-        <a:bodyPr spcFirstLastPara="0" vert="horz" wrap="square" lIns="39370" tIns="39370" rIns="39370" bIns="39370" numCol="1" spcCol="1270" anchor="ctr" anchorCtr="0">
+        <a:bodyPr spcFirstLastPara="0" vert="horz" wrap="square" lIns="41275" tIns="41275" rIns="41275" bIns="41275" numCol="1" spcCol="1270" anchor="ctr" anchorCtr="0">
           <a:noAutofit/>
         </a:bodyPr>
         <a:lstStyle/>
         <a:p>
-          <a:pPr lvl="0" algn="ctr" defTabSz="2755900">
+          <a:pPr lvl="0" algn="ctr" defTabSz="2889250">
             <a:lnSpc>
               <a:spcPct val="90000"/>
             </a:lnSpc>
@@ -7115,15 +7161,19 @@
             </a:spcAft>
           </a:pPr>
           <a:r>
-            <a:rPr lang="es-AR" sz="6200" kern="1200" dirty="0" smtClean="0"/>
+            <a:rPr lang="es-AR" sz="6500" kern="1200" dirty="0" smtClean="0">
+              <a:latin typeface="+mn-lt"/>
+            </a:rPr>
             <a:t>Manejo del Tiempo</a:t>
           </a:r>
-          <a:endParaRPr lang="es-AR" sz="6200" kern="1200" dirty="0"/>
+          <a:endParaRPr lang="es-AR" sz="6500" kern="1200" dirty="0">
+            <a:latin typeface="+mn-lt"/>
+          </a:endParaRPr>
         </a:p>
       </dsp:txBody>
       <dsp:txXfrm rot="-5400000">
-        <a:off x="1" y="2306287"/>
-        <a:ext cx="4606525" cy="1974225"/>
+        <a:off x="1" y="2319891"/>
+        <a:ext cx="4602026" cy="1972298"/>
       </dsp:txXfrm>
     </dsp:sp>
     <dsp:sp modelId="{491002E8-E7FC-4D12-B1ED-028469E71646}">
@@ -7133,8 +7183,8 @@
       </dsp:nvSpPr>
       <dsp:spPr>
         <a:xfrm rot="5400000">
-          <a:off x="22775030" y="-18165481"/>
-          <a:ext cx="4277487" cy="40614498"/>
+          <a:off x="22774870" y="-18153964"/>
+          <a:ext cx="4273310" cy="40618997"/>
         </a:xfrm>
         <a:prstGeom prst="round2SameRect">
           <a:avLst/>
@@ -7192,12 +7242,12 @@
         <a:fontRef idx="minor"/>
       </dsp:style>
       <dsp:txBody>
-        <a:bodyPr spcFirstLastPara="0" vert="horz" wrap="square" lIns="462280" tIns="41275" rIns="41275" bIns="41275" numCol="1" spcCol="1270" anchor="ctr" anchorCtr="0">
+        <a:bodyPr spcFirstLastPara="0" vert="horz" wrap="square" lIns="682752" tIns="60960" rIns="60960" bIns="60960" numCol="1" spcCol="1270" anchor="ctr" anchorCtr="0">
           <a:noAutofit/>
         </a:bodyPr>
         <a:lstStyle/>
         <a:p>
-          <a:pPr marL="285750" lvl="1" indent="-285750" algn="l" defTabSz="2889250">
+          <a:pPr marL="285750" lvl="1" indent="-285750" algn="l" defTabSz="4267200">
             <a:lnSpc>
               <a:spcPct val="90000"/>
             </a:lnSpc>
@@ -7210,13 +7260,17 @@
             <a:buChar char="••"/>
           </a:pPr>
           <a:r>
-            <a:rPr lang="es-AR" sz="6500" kern="1200" dirty="0" smtClean="0"/>
+            <a:rPr lang="es-AR" sz="9600" kern="1200" dirty="0" smtClean="0">
+              <a:latin typeface="+mn-lt"/>
+            </a:rPr>
             <a:t>Tiempo es un recurso limitado y precioso</a:t>
           </a:r>
-          <a:endParaRPr lang="es-AR" sz="6500" kern="1200" dirty="0"/>
+          <a:endParaRPr lang="es-AR" sz="9600" kern="1200" dirty="0">
+            <a:latin typeface="+mn-lt"/>
+          </a:endParaRPr>
         </a:p>
         <a:p>
-          <a:pPr marL="285750" lvl="1" indent="-285750" algn="l" defTabSz="2889250">
+          <a:pPr marL="285750" lvl="1" indent="-285750" algn="l" defTabSz="4267200">
             <a:lnSpc>
               <a:spcPct val="90000"/>
             </a:lnSpc>
@@ -7229,15 +7283,25 @@
             <a:buChar char="••"/>
           </a:pPr>
           <a:r>
-            <a:rPr lang="es-AR" sz="6500" kern="1200" dirty="0" smtClean="0"/>
-            <a:t>Priorizar se debe convertir en una buena practica</a:t>
+            <a:rPr lang="es-AR" sz="9600" kern="1200" dirty="0" smtClean="0">
+              <a:latin typeface="+mn-lt"/>
+            </a:rPr>
+            <a:t>Priorizar se debe convertir en una buena </a:t>
           </a:r>
-          <a:endParaRPr lang="es-AR" sz="6500" kern="1200" dirty="0"/>
+          <a:r>
+            <a:rPr lang="es-AR" sz="9600" kern="1200" dirty="0" smtClean="0">
+              <a:latin typeface="+mn-lt"/>
+            </a:rPr>
+            <a:t>práctica</a:t>
+          </a:r>
+          <a:endParaRPr lang="es-AR" sz="9600" kern="1200" dirty="0">
+            <a:latin typeface="+mn-lt"/>
+          </a:endParaRPr>
         </a:p>
       </dsp:txBody>
       <dsp:txXfrm rot="-5400000">
-        <a:off x="4606525" y="211834"/>
-        <a:ext cx="40405688" cy="3859867"/>
+        <a:off x="4602027" y="227485"/>
+        <a:ext cx="40410391" cy="3856098"/>
       </dsp:txXfrm>
     </dsp:sp>
     <dsp:sp modelId="{B8AAA0C8-FB9C-44C0-B0AA-0C9B2E5AB49D}">
@@ -7247,8 +7311,8 @@
       </dsp:nvSpPr>
       <dsp:spPr>
         <a:xfrm rot="5400000">
-          <a:off x="-987112" y="7462339"/>
-          <a:ext cx="6580750" cy="4606525"/>
+          <a:off x="-986148" y="7470908"/>
+          <a:ext cx="6574324" cy="4602026"/>
         </a:xfrm>
         <a:prstGeom prst="chevron">
           <a:avLst/>
@@ -7323,12 +7387,12 @@
         </a:fontRef>
       </dsp:style>
       <dsp:txBody>
-        <a:bodyPr spcFirstLastPara="0" vert="horz" wrap="square" lIns="39370" tIns="39370" rIns="39370" bIns="39370" numCol="1" spcCol="1270" anchor="ctr" anchorCtr="0">
+        <a:bodyPr spcFirstLastPara="0" vert="horz" wrap="square" lIns="38100" tIns="38100" rIns="38100" bIns="38100" numCol="1" spcCol="1270" anchor="ctr" anchorCtr="0">
           <a:noAutofit/>
         </a:bodyPr>
         <a:lstStyle/>
         <a:p>
-          <a:pPr lvl="0" algn="ctr" defTabSz="2755900">
+          <a:pPr lvl="0" algn="ctr" defTabSz="2667000">
             <a:lnSpc>
               <a:spcPct val="90000"/>
             </a:lnSpc>
@@ -7340,15 +7404,19 @@
             </a:spcAft>
           </a:pPr>
           <a:r>
-            <a:rPr lang="es-AR" sz="6200" kern="1200" dirty="0" smtClean="0"/>
+            <a:rPr lang="es-AR" sz="6000" kern="1200" dirty="0" smtClean="0">
+              <a:latin typeface="+mn-lt"/>
+            </a:rPr>
             <a:t>Comunicación y Sinergia</a:t>
           </a:r>
-          <a:endParaRPr lang="es-AR" sz="6200" kern="1200" dirty="0"/>
+          <a:endParaRPr lang="es-AR" sz="6000" kern="1200" dirty="0">
+            <a:latin typeface="+mn-lt"/>
+          </a:endParaRPr>
         </a:p>
       </dsp:txBody>
       <dsp:txXfrm rot="-5400000">
-        <a:off x="1" y="8778490"/>
-        <a:ext cx="4606525" cy="1974225"/>
+        <a:off x="1" y="8785772"/>
+        <a:ext cx="4602026" cy="1972298"/>
       </dsp:txXfrm>
     </dsp:sp>
     <dsp:sp modelId="{07F72F97-1B1D-4E34-A13C-D9E2B3849E68}">
@@ -7358,8 +7426,8 @@
       </dsp:nvSpPr>
       <dsp:spPr>
         <a:xfrm rot="5400000">
-          <a:off x="22775030" y="-11693278"/>
-          <a:ext cx="4277487" cy="40614498"/>
+          <a:off x="22774870" y="-11688082"/>
+          <a:ext cx="4273310" cy="40618997"/>
         </a:xfrm>
         <a:prstGeom prst="round2SameRect">
           <a:avLst/>
@@ -7417,12 +7485,12 @@
         <a:fontRef idx="minor"/>
       </dsp:style>
       <dsp:txBody>
-        <a:bodyPr spcFirstLastPara="0" vert="horz" wrap="square" lIns="462280" tIns="41275" rIns="41275" bIns="41275" numCol="1" spcCol="1270" anchor="ctr" anchorCtr="0">
+        <a:bodyPr spcFirstLastPara="0" vert="horz" wrap="square" lIns="682752" tIns="60960" rIns="60960" bIns="60960" numCol="1" spcCol="1270" anchor="ctr" anchorCtr="0">
           <a:noAutofit/>
         </a:bodyPr>
         <a:lstStyle/>
         <a:p>
-          <a:pPr marL="285750" lvl="1" indent="-285750" algn="l" defTabSz="2889250">
+          <a:pPr marL="285750" lvl="1" indent="-285750" algn="l" defTabSz="4267200">
             <a:lnSpc>
               <a:spcPct val="90000"/>
             </a:lnSpc>
@@ -7435,17 +7503,17 @@
             <a:buChar char="••"/>
           </a:pPr>
           <a:r>
-            <a:rPr lang="es-AR" sz="6500" kern="1200" dirty="0" smtClean="0"/>
-            <a:t>Saber </a:t>
+            <a:rPr lang="es-AR" sz="9600" kern="1200" dirty="0" smtClean="0">
+              <a:latin typeface="+mn-lt"/>
+            </a:rPr>
+            <a:t>Saber que esta haciendo cada integrante en cada momento</a:t>
           </a:r>
-          <a:r>
-            <a:rPr lang="es-AR" sz="6500" kern="1200" dirty="0" smtClean="0"/>
-            <a:t>que esta haciendo cada integrante en cada momento</a:t>
-          </a:r>
-          <a:endParaRPr lang="es-AR" sz="6500" kern="1200" dirty="0"/>
+          <a:endParaRPr lang="es-AR" sz="9600" kern="1200" dirty="0">
+            <a:latin typeface="+mn-lt"/>
+          </a:endParaRPr>
         </a:p>
         <a:p>
-          <a:pPr marL="285750" lvl="1" indent="-285750" algn="l" defTabSz="2889250">
+          <a:pPr marL="285750" lvl="1" indent="-285750" algn="l" defTabSz="4267200">
             <a:lnSpc>
               <a:spcPct val="90000"/>
             </a:lnSpc>
@@ -7458,15 +7526,19 @@
             <a:buChar char="••"/>
           </a:pPr>
           <a:r>
-            <a:rPr lang="es-AR" sz="6500" kern="1200" dirty="0" smtClean="0"/>
+            <a:rPr lang="es-AR" sz="9600" kern="1200" dirty="0" smtClean="0">
+              <a:latin typeface="+mn-lt"/>
+            </a:rPr>
             <a:t>Cuando haya un impedimento, todo el equipo responde y no solo el individuo</a:t>
           </a:r>
-          <a:endParaRPr lang="es-AR" sz="6500" kern="1200" dirty="0"/>
+          <a:endParaRPr lang="es-AR" sz="9600" kern="1200" dirty="0">
+            <a:latin typeface="+mn-lt"/>
+          </a:endParaRPr>
         </a:p>
       </dsp:txBody>
       <dsp:txXfrm rot="-5400000">
-        <a:off x="4606525" y="6684037"/>
-        <a:ext cx="40405688" cy="3859867"/>
+        <a:off x="4602027" y="6693367"/>
+        <a:ext cx="40410391" cy="3856098"/>
       </dsp:txXfrm>
     </dsp:sp>
     <dsp:sp modelId="{E889D286-8646-4E13-B090-91A07C289229}">
@@ -7476,8 +7548,8 @@
       </dsp:nvSpPr>
       <dsp:spPr>
         <a:xfrm rot="5400000">
-          <a:off x="-987112" y="13934541"/>
-          <a:ext cx="6580750" cy="4606525"/>
+          <a:off x="-986148" y="13936790"/>
+          <a:ext cx="6574324" cy="4602026"/>
         </a:xfrm>
         <a:prstGeom prst="chevron">
           <a:avLst/>
@@ -7552,12 +7624,12 @@
         </a:fontRef>
       </dsp:style>
       <dsp:txBody>
-        <a:bodyPr spcFirstLastPara="0" vert="horz" wrap="square" lIns="39370" tIns="39370" rIns="39370" bIns="39370" numCol="1" spcCol="1270" anchor="ctr" anchorCtr="0">
+        <a:bodyPr spcFirstLastPara="0" vert="horz" wrap="square" lIns="41910" tIns="41910" rIns="41910" bIns="41910" numCol="1" spcCol="1270" anchor="ctr" anchorCtr="0">
           <a:noAutofit/>
         </a:bodyPr>
         <a:lstStyle/>
         <a:p>
-          <a:pPr lvl="0" algn="ctr" defTabSz="2755900">
+          <a:pPr lvl="0" algn="ctr" defTabSz="2933700">
             <a:lnSpc>
               <a:spcPct val="90000"/>
             </a:lnSpc>
@@ -7569,15 +7641,25 @@
             </a:spcAft>
           </a:pPr>
           <a:r>
-            <a:rPr lang="es-AR" sz="6200" kern="1200" dirty="0" smtClean="0"/>
-            <a:t>Potencial individuales</a:t>
+            <a:rPr lang="es-AR" sz="6600" kern="1200" dirty="0" smtClean="0">
+              <a:latin typeface="+mn-lt"/>
+            </a:rPr>
+            <a:t>Potencial </a:t>
           </a:r>
-          <a:endParaRPr lang="es-AR" sz="6200" kern="1200" dirty="0"/>
+          <a:r>
+            <a:rPr lang="es-AR" sz="6600" kern="1200" dirty="0" smtClean="0">
+              <a:latin typeface="+mn-lt"/>
+            </a:rPr>
+            <a:t>individual</a:t>
+          </a:r>
+          <a:endParaRPr lang="es-AR" sz="6600" kern="1200" dirty="0">
+            <a:latin typeface="+mn-lt"/>
+          </a:endParaRPr>
         </a:p>
       </dsp:txBody>
       <dsp:txXfrm rot="-5400000">
-        <a:off x="1" y="15250692"/>
-        <a:ext cx="4606525" cy="1974225"/>
+        <a:off x="1" y="15251654"/>
+        <a:ext cx="4602026" cy="1972298"/>
       </dsp:txXfrm>
     </dsp:sp>
     <dsp:sp modelId="{54A6382E-ACFD-473E-925E-8456B4F820EF}">
@@ -7587,8 +7669,8 @@
       </dsp:nvSpPr>
       <dsp:spPr>
         <a:xfrm rot="5400000">
-          <a:off x="22775030" y="-5221076"/>
-          <a:ext cx="4277487" cy="40614498"/>
+          <a:off x="22774870" y="-5222201"/>
+          <a:ext cx="4273310" cy="40618997"/>
         </a:xfrm>
         <a:prstGeom prst="round2SameRect">
           <a:avLst/>
@@ -7646,12 +7728,12 @@
         <a:fontRef idx="minor"/>
       </dsp:style>
       <dsp:txBody>
-        <a:bodyPr spcFirstLastPara="0" vert="horz" wrap="square" lIns="462280" tIns="41275" rIns="41275" bIns="41275" numCol="1" spcCol="1270" anchor="ctr" anchorCtr="0">
+        <a:bodyPr spcFirstLastPara="0" vert="horz" wrap="square" lIns="625856" tIns="55880" rIns="55880" bIns="55880" numCol="1" spcCol="1270" anchor="ctr" anchorCtr="0">
           <a:noAutofit/>
         </a:bodyPr>
         <a:lstStyle/>
         <a:p>
-          <a:pPr marL="285750" lvl="1" indent="-285750" algn="l" defTabSz="2889250">
+          <a:pPr marL="285750" lvl="1" indent="-285750" algn="l" defTabSz="3911600">
             <a:lnSpc>
               <a:spcPct val="90000"/>
             </a:lnSpc>
@@ -7664,13 +7746,17 @@
             <a:buChar char="••"/>
           </a:pPr>
           <a:r>
-            <a:rPr lang="es-AR" sz="6500" kern="1200" dirty="0" smtClean="0"/>
+            <a:rPr lang="es-AR" sz="8800" kern="1200" dirty="0" smtClean="0">
+              <a:latin typeface="+mn-lt"/>
+            </a:rPr>
             <a:t> Cada persona tiene un carácter y estilo diferenciador</a:t>
           </a:r>
-          <a:endParaRPr lang="es-AR" sz="6500" kern="1200" dirty="0"/>
+          <a:endParaRPr lang="es-AR" sz="8800" kern="1200" dirty="0">
+            <a:latin typeface="+mn-lt"/>
+          </a:endParaRPr>
         </a:p>
         <a:p>
-          <a:pPr marL="285750" lvl="1" indent="-285750" algn="l" defTabSz="2889250">
+          <a:pPr marL="285750" lvl="1" indent="-285750" algn="l" defTabSz="3911600">
             <a:lnSpc>
               <a:spcPct val="90000"/>
             </a:lnSpc>
@@ -7683,15 +7769,19 @@
             <a:buChar char="••"/>
           </a:pPr>
           <a:r>
-            <a:rPr lang="es-AR" sz="6500" kern="1200" dirty="0" smtClean="0"/>
+            <a:rPr lang="es-AR" sz="8800" kern="1200" dirty="0" smtClean="0">
+              <a:latin typeface="+mn-lt"/>
+            </a:rPr>
             <a:t> Saber que tareas puede asumir cada integrante y como puedo ir tomando nuevas responsabilidades</a:t>
           </a:r>
-          <a:endParaRPr lang="es-AR" sz="6500" kern="1200" dirty="0"/>
+          <a:endParaRPr lang="es-AR" sz="8800" kern="1200" dirty="0">
+            <a:latin typeface="+mn-lt"/>
+          </a:endParaRPr>
         </a:p>
       </dsp:txBody>
       <dsp:txXfrm rot="-5400000">
-        <a:off x="4606525" y="13156239"/>
-        <a:ext cx="40405688" cy="3859867"/>
+        <a:off x="4602027" y="13159248"/>
+        <a:ext cx="40410391" cy="3856098"/>
       </dsp:txXfrm>
     </dsp:sp>
     <dsp:sp modelId="{A4BA19CE-3BD7-467C-8E0E-CBBDB0FD238C}">
@@ -7701,8 +7791,8 @@
       </dsp:nvSpPr>
       <dsp:spPr>
         <a:xfrm rot="5400000">
-          <a:off x="-987112" y="20406743"/>
-          <a:ext cx="6580750" cy="4606525"/>
+          <a:off x="-986148" y="20402672"/>
+          <a:ext cx="6574324" cy="4602026"/>
         </a:xfrm>
         <a:prstGeom prst="chevron">
           <a:avLst/>
@@ -7777,12 +7867,12 @@
         </a:fontRef>
       </dsp:style>
       <dsp:txBody>
-        <a:bodyPr spcFirstLastPara="0" vert="horz" wrap="square" lIns="39370" tIns="39370" rIns="39370" bIns="39370" numCol="1" spcCol="1270" anchor="ctr" anchorCtr="0">
+        <a:bodyPr spcFirstLastPara="0" vert="horz" wrap="square" lIns="41910" tIns="41910" rIns="41910" bIns="41910" numCol="1" spcCol="1270" anchor="ctr" anchorCtr="0">
           <a:noAutofit/>
         </a:bodyPr>
         <a:lstStyle/>
         <a:p>
-          <a:pPr lvl="0" algn="ctr" defTabSz="2755900">
+          <a:pPr lvl="0" algn="ctr" defTabSz="2933700">
             <a:lnSpc>
               <a:spcPct val="90000"/>
             </a:lnSpc>
@@ -7794,15 +7884,19 @@
             </a:spcAft>
           </a:pPr>
           <a:r>
-            <a:rPr lang="es-AR" sz="6200" kern="1200" dirty="0" smtClean="0"/>
+            <a:rPr lang="es-AR" sz="6600" kern="1200" dirty="0" smtClean="0">
+              <a:latin typeface="+mn-lt"/>
+            </a:rPr>
             <a:t>Madurez en Planificación</a:t>
           </a:r>
-          <a:endParaRPr lang="es-AR" sz="6200" kern="1200" dirty="0"/>
+          <a:endParaRPr lang="es-AR" sz="6600" kern="1200" dirty="0">
+            <a:latin typeface="+mn-lt"/>
+          </a:endParaRPr>
         </a:p>
       </dsp:txBody>
       <dsp:txXfrm rot="-5400000">
-        <a:off x="1" y="21722894"/>
-        <a:ext cx="4606525" cy="1974225"/>
+        <a:off x="1" y="21717536"/>
+        <a:ext cx="4602026" cy="1972298"/>
       </dsp:txXfrm>
     </dsp:sp>
     <dsp:sp modelId="{A01CBADF-5166-4CFE-A656-91B079593A9B}">
@@ -7812,8 +7906,8 @@
       </dsp:nvSpPr>
       <dsp:spPr>
         <a:xfrm rot="5400000">
-          <a:off x="22775030" y="1251125"/>
-          <a:ext cx="4277487" cy="40614498"/>
+          <a:off x="22774870" y="1243680"/>
+          <a:ext cx="4273310" cy="40618997"/>
         </a:xfrm>
         <a:prstGeom prst="round2SameRect">
           <a:avLst/>
@@ -7871,12 +7965,12 @@
         <a:fontRef idx="minor"/>
       </dsp:style>
       <dsp:txBody>
-        <a:bodyPr spcFirstLastPara="0" vert="horz" wrap="square" lIns="462280" tIns="41275" rIns="41275" bIns="41275" numCol="1" spcCol="1270" anchor="ctr" anchorCtr="0">
+        <a:bodyPr spcFirstLastPara="0" vert="horz" wrap="square" lIns="568960" tIns="50800" rIns="50800" bIns="50800" numCol="1" spcCol="1270" anchor="ctr" anchorCtr="0">
           <a:noAutofit/>
         </a:bodyPr>
         <a:lstStyle/>
         <a:p>
-          <a:pPr marL="285750" lvl="1" indent="-285750" algn="l" defTabSz="2889250">
+          <a:pPr marL="285750" lvl="1" indent="-285750" algn="l" defTabSz="3556000">
             <a:lnSpc>
               <a:spcPct val="90000"/>
             </a:lnSpc>
@@ -7889,13 +7983,17 @@
             <a:buChar char="••"/>
           </a:pPr>
           <a:r>
-            <a:rPr lang="es-AR" sz="6500" kern="1200" dirty="0" smtClean="0"/>
+            <a:rPr lang="es-AR" sz="8000" kern="1200" dirty="0" smtClean="0">
+              <a:latin typeface="+mn-lt"/>
+            </a:rPr>
             <a:t>El mayor conocimiento del dominio, del producto y la tecnología permiten mejorar estimaciones de tiempo y esfuerzo.</a:t>
           </a:r>
-          <a:endParaRPr lang="es-AR" sz="6500" kern="1200" dirty="0"/>
+          <a:endParaRPr lang="es-AR" sz="8000" kern="1200" dirty="0">
+            <a:latin typeface="+mn-lt"/>
+          </a:endParaRPr>
         </a:p>
         <a:p>
-          <a:pPr marL="285750" lvl="1" indent="-285750" algn="l" defTabSz="2889250">
+          <a:pPr marL="285750" lvl="1" indent="-285750" algn="l" defTabSz="3556000">
             <a:lnSpc>
               <a:spcPct val="90000"/>
             </a:lnSpc>
@@ -7908,15 +8006,19 @@
             <a:buChar char="••"/>
           </a:pPr>
           <a:r>
-            <a:rPr lang="es-AR" sz="6500" kern="1200" dirty="0" smtClean="0"/>
+            <a:rPr lang="es-AR" sz="8000" kern="1200" dirty="0" smtClean="0">
+              <a:latin typeface="+mn-lt"/>
+            </a:rPr>
             <a:t>También el mismo histórico del Producto sirve como entrada para estimaciones.</a:t>
           </a:r>
-          <a:endParaRPr lang="es-AR" sz="6500" kern="1200" dirty="0"/>
+          <a:endParaRPr lang="es-AR" sz="8000" kern="1200" dirty="0">
+            <a:latin typeface="+mn-lt"/>
+          </a:endParaRPr>
         </a:p>
       </dsp:txBody>
       <dsp:txXfrm rot="-5400000">
-        <a:off x="4606525" y="19628440"/>
-        <a:ext cx="40405688" cy="3859867"/>
+        <a:off x="4602027" y="19625129"/>
+        <a:ext cx="40410391" cy="3856098"/>
       </dsp:txXfrm>
     </dsp:sp>
     <dsp:sp modelId="{DFB9481B-7C9F-4560-B4B1-8046C628646F}">
@@ -7926,8 +8028,8 @@
       </dsp:nvSpPr>
       <dsp:spPr>
         <a:xfrm rot="5400000">
-          <a:off x="-987112" y="26878945"/>
-          <a:ext cx="6580750" cy="4606525"/>
+          <a:off x="-986148" y="26868553"/>
+          <a:ext cx="6574324" cy="4602026"/>
         </a:xfrm>
         <a:prstGeom prst="chevron">
           <a:avLst/>
@@ -8002,12 +8104,12 @@
         </a:fontRef>
       </dsp:style>
       <dsp:txBody>
-        <a:bodyPr spcFirstLastPara="0" vert="horz" wrap="square" lIns="39370" tIns="39370" rIns="39370" bIns="39370" numCol="1" spcCol="1270" anchor="ctr" anchorCtr="0">
+        <a:bodyPr spcFirstLastPara="0" vert="horz" wrap="square" lIns="45720" tIns="45720" rIns="45720" bIns="45720" numCol="1" spcCol="1270" anchor="ctr" anchorCtr="0">
           <a:noAutofit/>
         </a:bodyPr>
         <a:lstStyle/>
         <a:p>
-          <a:pPr lvl="0" algn="ctr" defTabSz="2755900">
+          <a:pPr lvl="0" algn="ctr" defTabSz="3200400">
             <a:lnSpc>
               <a:spcPct val="90000"/>
             </a:lnSpc>
@@ -8019,15 +8121,19 @@
             </a:spcAft>
           </a:pPr>
           <a:r>
-            <a:rPr lang="es-AR" sz="6200" kern="1200" dirty="0" smtClean="0"/>
+            <a:rPr lang="es-AR" sz="7200" kern="1200" dirty="0" smtClean="0">
+              <a:latin typeface="+mn-lt"/>
+            </a:rPr>
             <a:t>Valor para el Cliente</a:t>
           </a:r>
-          <a:endParaRPr lang="es-AR" sz="6200" kern="1200" dirty="0"/>
+          <a:endParaRPr lang="es-AR" sz="7200" kern="1200" dirty="0">
+            <a:latin typeface="+mn-lt"/>
+          </a:endParaRPr>
         </a:p>
       </dsp:txBody>
       <dsp:txXfrm rot="-5400000">
-        <a:off x="1" y="28195096"/>
-        <a:ext cx="4606525" cy="1974225"/>
+        <a:off x="1" y="28183417"/>
+        <a:ext cx="4602026" cy="1972298"/>
       </dsp:txXfrm>
     </dsp:sp>
     <dsp:sp modelId="{D8D48829-7C5C-400A-9338-38C26ECB83C8}">
@@ -8037,8 +8143,8 @@
       </dsp:nvSpPr>
       <dsp:spPr>
         <a:xfrm rot="5400000">
-          <a:off x="22775030" y="7723327"/>
-          <a:ext cx="4277487" cy="40614498"/>
+          <a:off x="22773746" y="7710685"/>
+          <a:ext cx="4275557" cy="40618997"/>
         </a:xfrm>
         <a:prstGeom prst="round2SameRect">
           <a:avLst/>
@@ -8096,12 +8202,12 @@
         <a:fontRef idx="minor"/>
       </dsp:style>
       <dsp:txBody>
-        <a:bodyPr spcFirstLastPara="0" vert="horz" wrap="square" lIns="462280" tIns="41275" rIns="41275" bIns="41275" numCol="1" spcCol="1270" anchor="ctr" anchorCtr="0">
+        <a:bodyPr spcFirstLastPara="0" vert="horz" wrap="square" lIns="568960" tIns="50800" rIns="50800" bIns="50800" numCol="1" spcCol="1270" anchor="ctr" anchorCtr="0">
           <a:noAutofit/>
         </a:bodyPr>
         <a:lstStyle/>
         <a:p>
-          <a:pPr marL="285750" lvl="1" indent="-285750" algn="l" defTabSz="2889250">
+          <a:pPr marL="285750" lvl="1" indent="-285750" algn="l" defTabSz="3556000">
             <a:lnSpc>
               <a:spcPct val="90000"/>
             </a:lnSpc>
@@ -8114,13 +8220,17 @@
             <a:buChar char="••"/>
           </a:pPr>
           <a:r>
-            <a:rPr lang="es-AR" sz="6500" kern="1200" dirty="0" smtClean="0"/>
+            <a:rPr lang="es-AR" sz="8000" kern="1200" dirty="0" smtClean="0">
+              <a:latin typeface="+mn-lt"/>
+            </a:rPr>
             <a:t>QUE necesita el Cliente?</a:t>
           </a:r>
-          <a:endParaRPr lang="es-AR" sz="6500" kern="1200" dirty="0"/>
+          <a:endParaRPr lang="es-AR" sz="8000" kern="1200" dirty="0">
+            <a:latin typeface="+mn-lt"/>
+          </a:endParaRPr>
         </a:p>
         <a:p>
-          <a:pPr marL="285750" lvl="1" indent="-285750" algn="l" defTabSz="2889250">
+          <a:pPr marL="285750" lvl="1" indent="-285750" algn="l" defTabSz="3556000">
             <a:lnSpc>
               <a:spcPct val="90000"/>
             </a:lnSpc>
@@ -8133,13 +8243,17 @@
             <a:buChar char="••"/>
           </a:pPr>
           <a:r>
-            <a:rPr lang="es-AR" sz="6500" kern="1200" dirty="0" smtClean="0"/>
+            <a:rPr lang="es-AR" sz="8000" kern="1200" dirty="0" smtClean="0">
+              <a:latin typeface="+mn-lt"/>
+            </a:rPr>
             <a:t>COMO lo necesita?</a:t>
           </a:r>
-          <a:endParaRPr lang="es-AR" sz="6500" kern="1200" dirty="0"/>
+          <a:endParaRPr lang="es-AR" sz="8000" kern="1200" dirty="0">
+            <a:latin typeface="+mn-lt"/>
+          </a:endParaRPr>
         </a:p>
         <a:p>
-          <a:pPr marL="285750" lvl="1" indent="-285750" algn="l" defTabSz="2889250">
+          <a:pPr marL="285750" lvl="1" indent="-285750" algn="l" defTabSz="3556000">
             <a:lnSpc>
               <a:spcPct val="90000"/>
             </a:lnSpc>
@@ -8152,15 +8266,19 @@
             <a:buChar char="••"/>
           </a:pPr>
           <a:r>
-            <a:rPr lang="es-AR" sz="6500" kern="1200" dirty="0" smtClean="0"/>
+            <a:rPr lang="es-AR" sz="8000" kern="1200" dirty="0" smtClean="0">
+              <a:latin typeface="+mn-lt"/>
+            </a:rPr>
             <a:t>Casos de uso validos para el Cliente.</a:t>
           </a:r>
-          <a:endParaRPr lang="es-AR" sz="6500" kern="1200" dirty="0"/>
+          <a:endParaRPr lang="es-AR" sz="8000" kern="1200" dirty="0">
+            <a:latin typeface="+mn-lt"/>
+          </a:endParaRPr>
         </a:p>
       </dsp:txBody>
       <dsp:txXfrm rot="-5400000">
-        <a:off x="4606525" y="26100642"/>
-        <a:ext cx="40405688" cy="3859867"/>
+        <a:off x="4602027" y="26091120"/>
+        <a:ext cx="40410282" cy="3858127"/>
       </dsp:txXfrm>
     </dsp:sp>
   </dsp:spTree>
@@ -12757,7 +12875,7 @@
             <a:fld id="{BAB75FFF-D2AC-4637-A3CB-1990827108E3}" type="datetimeFigureOut">
               <a:rPr lang="es-AR" smtClean="0"/>
               <a:pPr/>
-              <a:t>25/10/2011</a:t>
+              <a:t>30/10/2011</a:t>
             </a:fld>
             <a:endParaRPr lang="es-AR" dirty="0"/>
           </a:p>
@@ -13716,7 +13834,7 @@
           <a:bodyPr/>
           <a:lstStyle/>
           <a:p>
-            <a:endParaRPr lang="es-ES"/>
+            <a:endParaRPr lang="es-ES" dirty="0"/>
           </a:p>
         </p:txBody>
       </p:sp>
@@ -13740,7 +13858,7 @@
               <a:pPr/>
               <a:t>13</a:t>
             </a:fld>
-            <a:endParaRPr lang="es-ES"/>
+            <a:endParaRPr lang="es-ES" dirty="0"/>
           </a:p>
         </p:txBody>
       </p:sp>
@@ -13856,56 +13974,128 @@
       </p:grpSpPr>
       <p:sp>
         <p:nvSpPr>
-          <p:cNvPr id="2" name="Slide Image Placeholder 1"/>
+          <p:cNvPr id="41986" name="Rectangle 23"/>
           <p:cNvSpPr>
-            <a:spLocks noGrp="1" noRot="1" noChangeAspect="1"/>
+            <a:spLocks noGrp="1" noChangeArrowheads="1"/>
+          </p:cNvSpPr>
+          <p:nvPr>
+            <p:ph type="hdr" sz="quarter"/>
+          </p:nvPr>
+        </p:nvSpPr>
+        <p:spPr>
+          <a:noFill/>
+        </p:spPr>
+        <p:txBody>
+          <a:bodyPr/>
+          <a:lstStyle/>
+          <a:p>
+            <a:r>
+              <a:rPr lang="es-ES" dirty="0" smtClean="0"/>
+              <a:t>Microsoft </a:t>
+            </a:r>
+            <a:r>
+              <a:rPr lang="es-ES" b="1" dirty="0" smtClean="0"/>
+              <a:t>Excelencia en ingeniería</a:t>
+            </a:r>
+            <a:endParaRPr lang="es-ES" dirty="0" smtClean="0"/>
+          </a:p>
+        </p:txBody>
+      </p:sp>
+      <p:sp>
+        <p:nvSpPr>
+          <p:cNvPr id="41987" name="Rectangle 25"/>
+          <p:cNvSpPr>
+            <a:spLocks noGrp="1" noChangeArrowheads="1"/>
+          </p:cNvSpPr>
+          <p:nvPr>
+            <p:ph type="ftr" sz="quarter" idx="4"/>
+          </p:nvPr>
+        </p:nvSpPr>
+        <p:spPr>
+          <a:noFill/>
+        </p:spPr>
+        <p:txBody>
+          <a:bodyPr/>
+          <a:lstStyle/>
+          <a:p>
+            <a:r>
+              <a:rPr lang="es-ES" dirty="0" smtClean="0"/>
+              <a:t>Información confidencial de Microsoft</a:t>
+            </a:r>
+          </a:p>
+        </p:txBody>
+      </p:sp>
+      <p:sp>
+        <p:nvSpPr>
+          <p:cNvPr id="41988" name="Rectangle 26"/>
+          <p:cNvSpPr>
+            <a:spLocks noGrp="1" noChangeArrowheads="1"/>
+          </p:cNvSpPr>
+          <p:nvPr>
+            <p:ph type="sldNum" sz="quarter" idx="5"/>
+          </p:nvPr>
+        </p:nvSpPr>
+        <p:spPr>
+          <a:noFill/>
+        </p:spPr>
+        <p:txBody>
+          <a:bodyPr/>
+          <a:lstStyle/>
+          <a:p>
+            <a:fld id="{B2B44A5F-6CE4-493C-A0D7-6834FF76660C}" type="slidenum">
+              <a:rPr lang="es-ES" smtClean="0"/>
+              <a:pPr/>
+              <a:t>15</a:t>
+            </a:fld>
+            <a:endParaRPr lang="es-ES" dirty="0" smtClean="0"/>
+          </a:p>
+        </p:txBody>
+      </p:sp>
+      <p:sp>
+        <p:nvSpPr>
+          <p:cNvPr id="41989" name="Rectangle 2"/>
+          <p:cNvSpPr>
+            <a:spLocks noGrp="1" noRot="1" noChangeAspect="1" noChangeArrowheads="1" noTextEdit="1"/>
           </p:cNvSpPr>
           <p:nvPr>
             <p:ph type="sldImg"/>
           </p:nvPr>
         </p:nvSpPr>
-        <p:spPr/>
+        <p:spPr>
+          <a:xfrm>
+            <a:off x="1143000" y="450850"/>
+            <a:ext cx="4572000" cy="3429000"/>
+          </a:xfrm>
+          <a:ln/>
+        </p:spPr>
       </p:sp>
       <p:sp>
         <p:nvSpPr>
-          <p:cNvPr id="3" name="Notes Placeholder 2"/>
+          <p:cNvPr id="41990" name="Rectangle 3"/>
           <p:cNvSpPr>
-            <a:spLocks noGrp="1"/>
+            <a:spLocks noGrp="1" noChangeArrowheads="1"/>
           </p:cNvSpPr>
           <p:nvPr>
             <p:ph type="body" idx="1"/>
           </p:nvPr>
         </p:nvSpPr>
-        <p:spPr/>
+        <p:spPr>
+          <a:xfrm>
+            <a:off x="307492" y="4130104"/>
+            <a:ext cx="6261652" cy="4554823"/>
+          </a:xfrm>
+          <a:noFill/>
+          <a:ln/>
+        </p:spPr>
         <p:txBody>
           <a:bodyPr/>
           <a:lstStyle/>
           <a:p>
-            <a:endParaRPr lang="es-ES"/>
-          </a:p>
-        </p:txBody>
-      </p:sp>
-      <p:sp>
-        <p:nvSpPr>
-          <p:cNvPr id="4" name="Slide Number Placeholder 3"/>
-          <p:cNvSpPr>
-            <a:spLocks noGrp="1"/>
-          </p:cNvSpPr>
-          <p:nvPr>
-            <p:ph type="sldNum" sz="quarter" idx="10"/>
-          </p:nvPr>
-        </p:nvSpPr>
-        <p:spPr/>
-        <p:txBody>
-          <a:bodyPr/>
-          <a:lstStyle/>
-          <a:p>
-            <a:fld id="{75693FD4-8F83-4EF7-AC3F-0DC0388986B0}" type="slidenum">
-              <a:rPr lang="es-ES" smtClean="0"/>
-              <a:pPr/>
-              <a:t>15</a:t>
-            </a:fld>
-            <a:endParaRPr lang="es-ES"/>
+            <a:pPr>
+              <a:buFontTx/>
+              <a:buNone/>
+            </a:pPr>
+            <a:endParaRPr lang="es-ES" dirty="0" smtClean="0"/>
           </a:p>
         </p:txBody>
       </p:sp>
@@ -13936,7 +14126,7 @@
       </p:grpSpPr>
       <p:sp>
         <p:nvSpPr>
-          <p:cNvPr id="2" name="1 Marcador de imagen de diapositiva"/>
+          <p:cNvPr id="2" name="Slide Image Placeholder 1"/>
           <p:cNvSpPr>
             <a:spLocks noGrp="1" noRot="1" noChangeAspect="1"/>
           </p:cNvSpPr>
@@ -13948,7 +14138,7 @@
       </p:sp>
       <p:sp>
         <p:nvSpPr>
-          <p:cNvPr id="3" name="2 Marcador de notas"/>
+          <p:cNvPr id="3" name="Notes Placeholder 2"/>
           <p:cNvSpPr>
             <a:spLocks noGrp="1"/>
           </p:cNvSpPr>
@@ -13961,13 +14151,13 @@
           <a:bodyPr/>
           <a:lstStyle/>
           <a:p>
-            <a:endParaRPr lang="es-AR" dirty="0"/>
+            <a:endParaRPr lang="es-ES" dirty="0"/>
           </a:p>
         </p:txBody>
       </p:sp>
       <p:sp>
         <p:nvSpPr>
-          <p:cNvPr id="4" name="3 Marcador de número de diapositiva"/>
+          <p:cNvPr id="4" name="Slide Number Placeholder 3"/>
           <p:cNvSpPr>
             <a:spLocks noGrp="1"/>
           </p:cNvSpPr>
@@ -13981,20 +14171,15 @@
           <a:lstStyle/>
           <a:p>
             <a:fld id="{75693FD4-8F83-4EF7-AC3F-0DC0388986B0}" type="slidenum">
-              <a:rPr lang="es-AR" smtClean="0"/>
+              <a:rPr lang="es-ES" smtClean="0"/>
               <a:pPr/>
               <a:t>16</a:t>
             </a:fld>
-            <a:endParaRPr lang="es-AR"/>
+            <a:endParaRPr lang="es-ES" dirty="0"/>
           </a:p>
         </p:txBody>
       </p:sp>
     </p:spTree>
-    <p:extLst>
-      <p:ext uri="{BB962C8B-B14F-4D97-AF65-F5344CB8AC3E}">
-        <p14:creationId xmlns:p14="http://schemas.microsoft.com/office/powerpoint/2010/main" val="14713586"/>
-      </p:ext>
-    </p:extLst>
   </p:cSld>
   <p:clrMapOvr>
     <a:masterClrMapping/>
@@ -14106,132 +14291,65 @@
       </p:grpSpPr>
       <p:sp>
         <p:nvSpPr>
-          <p:cNvPr id="41986" name="Rectangle 23"/>
+          <p:cNvPr id="2" name="1 Marcador de imagen de diapositiva"/>
           <p:cNvSpPr>
-            <a:spLocks noGrp="1" noChangeArrowheads="1"/>
-          </p:cNvSpPr>
-          <p:nvPr>
-            <p:ph type="hdr" sz="quarter"/>
-          </p:nvPr>
-        </p:nvSpPr>
-        <p:spPr>
-          <a:noFill/>
-        </p:spPr>
-        <p:txBody>
-          <a:bodyPr/>
-          <a:lstStyle/>
-          <a:p>
-            <a:r>
-              <a:rPr lang="es-ES" dirty="0" smtClean="0"/>
-              <a:t>Microsoft </a:t>
-            </a:r>
-            <a:r>
-              <a:rPr lang="es-ES" b="1" dirty="0" smtClean="0"/>
-              <a:t>Excelencia en ingeniería</a:t>
-            </a:r>
-            <a:endParaRPr lang="es-ES" dirty="0" smtClean="0"/>
-          </a:p>
-        </p:txBody>
-      </p:sp>
-      <p:sp>
-        <p:nvSpPr>
-          <p:cNvPr id="41987" name="Rectangle 25"/>
-          <p:cNvSpPr>
-            <a:spLocks noGrp="1" noChangeArrowheads="1"/>
-          </p:cNvSpPr>
-          <p:nvPr>
-            <p:ph type="ftr" sz="quarter" idx="4"/>
-          </p:nvPr>
-        </p:nvSpPr>
-        <p:spPr>
-          <a:noFill/>
-        </p:spPr>
-        <p:txBody>
-          <a:bodyPr/>
-          <a:lstStyle/>
-          <a:p>
-            <a:r>
-              <a:rPr lang="es-ES" dirty="0" smtClean="0"/>
-              <a:t>Información confidencial de Microsoft</a:t>
-            </a:r>
-          </a:p>
-        </p:txBody>
-      </p:sp>
-      <p:sp>
-        <p:nvSpPr>
-          <p:cNvPr id="41988" name="Rectangle 26"/>
-          <p:cNvSpPr>
-            <a:spLocks noGrp="1" noChangeArrowheads="1"/>
-          </p:cNvSpPr>
-          <p:nvPr>
-            <p:ph type="sldNum" sz="quarter" idx="5"/>
-          </p:nvPr>
-        </p:nvSpPr>
-        <p:spPr>
-          <a:noFill/>
-        </p:spPr>
-        <p:txBody>
-          <a:bodyPr/>
-          <a:lstStyle/>
-          <a:p>
-            <a:fld id="{B2B44A5F-6CE4-493C-A0D7-6834FF76660C}" type="slidenum">
-              <a:rPr lang="es-ES" smtClean="0"/>
-              <a:pPr/>
-              <a:t>18</a:t>
-            </a:fld>
-            <a:endParaRPr lang="es-ES" dirty="0" smtClean="0"/>
-          </a:p>
-        </p:txBody>
-      </p:sp>
-      <p:sp>
-        <p:nvSpPr>
-          <p:cNvPr id="41989" name="Rectangle 2"/>
-          <p:cNvSpPr>
-            <a:spLocks noGrp="1" noRot="1" noChangeAspect="1" noChangeArrowheads="1" noTextEdit="1"/>
+            <a:spLocks noGrp="1" noRot="1" noChangeAspect="1"/>
           </p:cNvSpPr>
           <p:nvPr>
             <p:ph type="sldImg"/>
           </p:nvPr>
         </p:nvSpPr>
-        <p:spPr>
-          <a:xfrm>
-            <a:off x="1143000" y="450850"/>
-            <a:ext cx="4572000" cy="3429000"/>
-          </a:xfrm>
-          <a:ln/>
-        </p:spPr>
+        <p:spPr/>
       </p:sp>
       <p:sp>
         <p:nvSpPr>
-          <p:cNvPr id="41990" name="Rectangle 3"/>
+          <p:cNvPr id="3" name="2 Marcador de notas"/>
           <p:cNvSpPr>
-            <a:spLocks noGrp="1" noChangeArrowheads="1"/>
+            <a:spLocks noGrp="1"/>
           </p:cNvSpPr>
           <p:nvPr>
             <p:ph type="body" idx="1"/>
           </p:nvPr>
         </p:nvSpPr>
-        <p:spPr>
-          <a:xfrm>
-            <a:off x="307492" y="4130104"/>
-            <a:ext cx="6261652" cy="4554823"/>
-          </a:xfrm>
-          <a:noFill/>
-          <a:ln/>
-        </p:spPr>
+        <p:spPr/>
         <p:txBody>
           <a:bodyPr/>
           <a:lstStyle/>
           <a:p>
-            <a:pPr>
-              <a:buFontTx/>
-              <a:buNone/>
-            </a:pPr>
-            <a:endParaRPr lang="es-ES" dirty="0" smtClean="0"/>
+            <a:endParaRPr lang="es-AR" dirty="0"/>
+          </a:p>
+        </p:txBody>
+      </p:sp>
+      <p:sp>
+        <p:nvSpPr>
+          <p:cNvPr id="4" name="3 Marcador de número de diapositiva"/>
+          <p:cNvSpPr>
+            <a:spLocks noGrp="1"/>
+          </p:cNvSpPr>
+          <p:nvPr>
+            <p:ph type="sldNum" sz="quarter" idx="10"/>
+          </p:nvPr>
+        </p:nvSpPr>
+        <p:spPr/>
+        <p:txBody>
+          <a:bodyPr/>
+          <a:lstStyle/>
+          <a:p>
+            <a:fld id="{75693FD4-8F83-4EF7-AC3F-0DC0388986B0}" type="slidenum">
+              <a:rPr lang="es-AR" smtClean="0"/>
+              <a:pPr/>
+              <a:t>18</a:t>
+            </a:fld>
+            <a:endParaRPr lang="es-AR" dirty="0"/>
           </a:p>
         </p:txBody>
       </p:sp>
     </p:spTree>
+    <p:extLst>
+      <p:ext uri="{BB962C8B-B14F-4D97-AF65-F5344CB8AC3E}">
+        <p14:creationId xmlns:p14="http://schemas.microsoft.com/office/powerpoint/2010/main" val="14713586"/>
+      </p:ext>
+    </p:extLst>
   </p:cSld>
   <p:clrMapOvr>
     <a:masterClrMapping/>
@@ -15096,7 +15214,7 @@
           <a:bodyPr/>
           <a:lstStyle/>
           <a:p>
-            <a:endParaRPr lang="es-ES"/>
+            <a:endParaRPr lang="es-ES" dirty="0"/>
           </a:p>
         </p:txBody>
       </p:sp>
@@ -15120,7 +15238,7 @@
               <a:pPr/>
               <a:t>7</a:t>
             </a:fld>
-            <a:endParaRPr lang="es-ES"/>
+            <a:endParaRPr lang="es-ES" dirty="0"/>
           </a:p>
         </p:txBody>
       </p:sp>
@@ -15586,7 +15704,7 @@
             <a:fld id="{F938E335-1C9D-42D4-948D-286329016120}" type="datetimeFigureOut">
               <a:rPr lang="es-AR" smtClean="0"/>
               <a:pPr/>
-              <a:t>25/10/2011</a:t>
+              <a:t>30/10/2011</a:t>
             </a:fld>
             <a:endParaRPr lang="es-AR" dirty="0"/>
           </a:p>
@@ -15758,7 +15876,7 @@
             <a:fld id="{F938E335-1C9D-42D4-948D-286329016120}" type="datetimeFigureOut">
               <a:rPr lang="es-AR" smtClean="0"/>
               <a:pPr/>
-              <a:t>25/10/2011</a:t>
+              <a:t>30/10/2011</a:t>
             </a:fld>
             <a:endParaRPr lang="es-AR" dirty="0"/>
           </a:p>
@@ -15940,7 +16058,7 @@
             <a:fld id="{F938E335-1C9D-42D4-948D-286329016120}" type="datetimeFigureOut">
               <a:rPr lang="es-AR" smtClean="0"/>
               <a:pPr/>
-              <a:t>25/10/2011</a:t>
+              <a:t>30/10/2011</a:t>
             </a:fld>
             <a:endParaRPr lang="es-AR" dirty="0"/>
           </a:p>
@@ -19049,7 +19167,7 @@
             <a:fld id="{F938E335-1C9D-42D4-948D-286329016120}" type="datetimeFigureOut">
               <a:rPr lang="es-AR" smtClean="0"/>
               <a:pPr/>
-              <a:t>25/10/2011</a:t>
+              <a:t>30/10/2011</a:t>
             </a:fld>
             <a:endParaRPr lang="es-AR" dirty="0"/>
           </a:p>
@@ -21444,7 +21562,7 @@
             <a:fld id="{F938E335-1C9D-42D4-948D-286329016120}" type="datetimeFigureOut">
               <a:rPr lang="es-AR" smtClean="0"/>
               <a:pPr/>
-              <a:t>25/10/2011</a:t>
+              <a:t>30/10/2011</a:t>
             </a:fld>
             <a:endParaRPr lang="es-AR" dirty="0"/>
           </a:p>
@@ -21734,7 +21852,7 @@
             <a:fld id="{F938E335-1C9D-42D4-948D-286329016120}" type="datetimeFigureOut">
               <a:rPr lang="es-AR" smtClean="0"/>
               <a:pPr/>
-              <a:t>25/10/2011</a:t>
+              <a:t>30/10/2011</a:t>
             </a:fld>
             <a:endParaRPr lang="es-AR" dirty="0"/>
           </a:p>
@@ -22158,7 +22276,7 @@
             <a:fld id="{F938E335-1C9D-42D4-948D-286329016120}" type="datetimeFigureOut">
               <a:rPr lang="es-AR" smtClean="0"/>
               <a:pPr/>
-              <a:t>25/10/2011</a:t>
+              <a:t>30/10/2011</a:t>
             </a:fld>
             <a:endParaRPr lang="es-AR" dirty="0"/>
           </a:p>
@@ -22278,7 +22396,7 @@
             <a:fld id="{F938E335-1C9D-42D4-948D-286329016120}" type="datetimeFigureOut">
               <a:rPr lang="es-AR" smtClean="0"/>
               <a:pPr/>
-              <a:t>25/10/2011</a:t>
+              <a:t>30/10/2011</a:t>
             </a:fld>
             <a:endParaRPr lang="es-AR" dirty="0"/>
           </a:p>
@@ -22375,7 +22493,7 @@
             <a:fld id="{F938E335-1C9D-42D4-948D-286329016120}" type="datetimeFigureOut">
               <a:rPr lang="es-AR" smtClean="0"/>
               <a:pPr/>
-              <a:t>25/10/2011</a:t>
+              <a:t>30/10/2011</a:t>
             </a:fld>
             <a:endParaRPr lang="es-AR" dirty="0"/>
           </a:p>
@@ -22654,7 +22772,7 @@
             <a:fld id="{F938E335-1C9D-42D4-948D-286329016120}" type="datetimeFigureOut">
               <a:rPr lang="es-AR" smtClean="0"/>
               <a:pPr/>
-              <a:t>25/10/2011</a:t>
+              <a:t>30/10/2011</a:t>
             </a:fld>
             <a:endParaRPr lang="es-AR" dirty="0"/>
           </a:p>
@@ -22909,7 +23027,7 @@
             <a:fld id="{F938E335-1C9D-42D4-948D-286329016120}" type="datetimeFigureOut">
               <a:rPr lang="es-AR" smtClean="0"/>
               <a:pPr/>
-              <a:t>25/10/2011</a:t>
+              <a:t>30/10/2011</a:t>
             </a:fld>
             <a:endParaRPr lang="es-AR" dirty="0"/>
           </a:p>
@@ -23124,7 +23242,7 @@
             <a:fld id="{F938E335-1C9D-42D4-948D-286329016120}" type="datetimeFigureOut">
               <a:rPr lang="es-AR" smtClean="0"/>
               <a:pPr/>
-              <a:t>25/10/2011</a:t>
+              <a:t>30/10/2011</a:t>
             </a:fld>
             <a:endParaRPr lang="es-AR" dirty="0"/>
           </a:p>
@@ -24132,18 +24250,18 @@
         </p:nvSpPr>
         <p:spPr>
           <a:xfrm>
-            <a:off x="31148298" y="12575122"/>
-            <a:ext cx="17098425" cy="4307005"/>
+            <a:off x="24933152" y="12575122"/>
+            <a:ext cx="23313572" cy="7943737"/>
           </a:xfrm>
         </p:spPr>
         <p:txBody>
           <a:bodyPr>
-            <a:normAutofit/>
+            <a:noAutofit/>
           </a:bodyPr>
           <a:lstStyle/>
           <a:p>
             <a:r>
-              <a:rPr lang="es-ES" dirty="0" smtClean="0">
+              <a:rPr lang="es-ES" sz="34800" dirty="0" smtClean="0">
                 <a:solidFill>
                   <a:schemeClr val="tx1"/>
                 </a:solidFill>
@@ -24151,7 +24269,7 @@
               <a:t>EDU</a:t>
             </a:r>
             <a:r>
-              <a:rPr lang="es-ES" dirty="0">
+              <a:rPr lang="es-ES" sz="34800" dirty="0">
                 <a:solidFill>
                   <a:schemeClr val="tx2"/>
                 </a:solidFill>
@@ -24159,7 +24277,7 @@
               <a:t>@</a:t>
             </a:r>
             <a:r>
-              <a:rPr lang="es-ES" dirty="0" smtClean="0">
+              <a:rPr lang="es-ES" sz="34800" dirty="0" smtClean="0">
                 <a:solidFill>
                   <a:schemeClr val="tx2"/>
                 </a:solidFill>
@@ -24167,7 +24285,7 @@
               <a:t>R</a:t>
             </a:r>
             <a:r>
-              <a:rPr lang="es-ES" dirty="0" smtClean="0">
+              <a:rPr lang="es-ES" sz="34800" dirty="0" smtClean="0">
                 <a:solidFill>
                   <a:schemeClr val="tx1"/>
                 </a:solidFill>
@@ -24175,14 +24293,14 @@
               <a:t> </a:t>
             </a:r>
             <a:r>
-              <a:rPr lang="es-ES" dirty="0" smtClean="0">
+              <a:rPr lang="es-ES" sz="34800" dirty="0" smtClean="0">
                 <a:solidFill>
                   <a:schemeClr val="tx2"/>
                 </a:solidFill>
               </a:rPr>
               <a:t>2.0</a:t>
             </a:r>
-            <a:endParaRPr lang="es-ES" dirty="0">
+            <a:endParaRPr lang="es-ES" sz="34800" dirty="0">
               <a:solidFill>
                 <a:schemeClr val="tx2"/>
               </a:solidFill>
@@ -24205,18 +24323,18 @@
         </p:nvSpPr>
         <p:spPr>
           <a:xfrm>
-            <a:off x="21795952" y="22216040"/>
+            <a:off x="21908815" y="21742995"/>
             <a:ext cx="26252218" cy="10114398"/>
           </a:xfrm>
         </p:spPr>
         <p:txBody>
           <a:bodyPr>
-            <a:normAutofit/>
+            <a:normAutofit fontScale="92500" lnSpcReduction="10000"/>
           </a:bodyPr>
           <a:lstStyle/>
           <a:p>
             <a:r>
-              <a:rPr lang="es-AR" sz="13200" dirty="0">
+              <a:rPr lang="es-AR" sz="19000" dirty="0">
                 <a:latin typeface="+mn-lt"/>
               </a:rPr>
               <a:t>Sistema de Explotación de Información Educativa</a:t>
@@ -24232,13 +24350,7 @@
               <a:rPr lang="es-AR" sz="13200" dirty="0" smtClean="0">
                 <a:latin typeface="+mn-lt"/>
               </a:rPr>
-              <a:t>25</a:t>
-            </a:r>
-            <a:r>
-              <a:rPr lang="es-AR" sz="13200" dirty="0" smtClean="0">
-                <a:latin typeface="+mn-lt"/>
-              </a:rPr>
-              <a:t>/10/2011</a:t>
+              <a:t>01/11/2011</a:t>
             </a:r>
             <a:endParaRPr lang="es-AR" sz="13200" dirty="0">
               <a:latin typeface="+mn-lt"/>
@@ -24274,7 +24386,7 @@
         </p:blipFill>
         <p:spPr bwMode="auto">
           <a:xfrm>
-            <a:off x="29262105" y="11732696"/>
+            <a:off x="23200440" y="13246051"/>
             <a:ext cx="3772376" cy="5501614"/>
           </a:xfrm>
           <a:prstGeom prst="rect">
@@ -24371,7 +24483,12 @@
             </p:custDataLst>
           </p:nvPr>
         </p:nvSpPr>
-        <p:spPr/>
+        <p:spPr>
+          <a:xfrm>
+            <a:off x="4191529" y="1483226"/>
+            <a:ext cx="44430209" cy="4129977"/>
+          </a:xfrm>
+        </p:spPr>
         <p:txBody>
           <a:bodyPr>
             <a:normAutofit fontScale="90000"/>
@@ -24383,7 +24500,6 @@
                 <a:solidFill>
                   <a:srgbClr val="0070C0"/>
                 </a:solidFill>
-                <a:latin typeface="Arial" charset="0"/>
               </a:rPr>
               <a:t>Tecnología </a:t>
             </a:r>
@@ -24392,27 +24508,17 @@
                 <a:solidFill>
                   <a:srgbClr val="0070C0"/>
                 </a:solidFill>
-                <a:latin typeface="Arial" charset="0"/>
               </a:rPr>
-              <a:t>e Infraestructura</a:t>
-            </a:r>
-            <a:r>
-              <a:rPr lang="es-AR" b="1" dirty="0">
+              <a:t>e </a:t>
+            </a:r>
+            <a:r>
+              <a:rPr lang="es-AR" b="1" dirty="0" smtClean="0">
                 <a:solidFill>
-                  <a:srgbClr val="C00000"/>
+                  <a:srgbClr val="0070C0"/>
                 </a:solidFill>
-                <a:latin typeface="Arial" charset="0"/>
               </a:rPr>
-              <a:t/>
-            </a:r>
-            <a:br>
-              <a:rPr lang="es-AR" b="1" dirty="0">
-                <a:solidFill>
-                  <a:srgbClr val="C00000"/>
-                </a:solidFill>
-                <a:latin typeface="Arial" charset="0"/>
-              </a:rPr>
-            </a:br>
+              <a:t>Infraestructura</a:t>
+            </a:r>
             <a:endParaRPr lang="es-ES" dirty="0"/>
           </a:p>
         </p:txBody>
@@ -24433,50 +24539,64 @@
         <p:spPr>
           <a:xfrm>
             <a:off x="4194847" y="6045251"/>
-            <a:ext cx="44430209" cy="27650853"/>
+            <a:ext cx="44430209" cy="30819424"/>
           </a:xfrm>
         </p:spPr>
         <p:txBody>
           <a:bodyPr>
-            <a:normAutofit fontScale="70000" lnSpcReduction="20000"/>
+            <a:normAutofit fontScale="62500" lnSpcReduction="20000"/>
           </a:bodyPr>
           <a:lstStyle/>
           <a:p>
             <a:pPr marL="0" indent="0" fontAlgn="base">
               <a:buNone/>
             </a:pPr>
+            <a:r>
+              <a:rPr lang="pt-BR" sz="27100" b="1" dirty="0">
+                <a:solidFill>
+                  <a:schemeClr val="tx2"/>
+                </a:solidFill>
+              </a:rPr>
+              <a:t>Requisitos</a:t>
+            </a:r>
             <a:r>
               <a:rPr lang="pt-BR" sz="21200" b="1" dirty="0">
                 <a:solidFill>
                   <a:srgbClr val="C00000"/>
                 </a:solidFill>
               </a:rPr>
-              <a:t>Requisitos </a:t>
-            </a:r>
-            <a:r>
-              <a:rPr lang="pt-BR" sz="21200" b="1" dirty="0" smtClean="0">
+              <a:t> </a:t>
+            </a:r>
+            <a:r>
+              <a:rPr lang="pt-BR" sz="27100" b="1" dirty="0">
                 <a:solidFill>
-                  <a:srgbClr val="C00000"/>
+                  <a:schemeClr val="tx2"/>
                 </a:solidFill>
               </a:rPr>
               <a:t>mínimos</a:t>
             </a:r>
           </a:p>
           <a:p>
-            <a:pPr fontAlgn="base"/>
-            <a:r>
-              <a:rPr lang="pt-BR" dirty="0" smtClean="0"/>
+            <a:pPr fontAlgn="base">
+              <a:buFont typeface="Wingdings" pitchFamily="2" charset="2"/>
+              <a:buChar char="ü"/>
+            </a:pPr>
+            <a:r>
+              <a:rPr lang="pt-BR" sz="21100" dirty="0" smtClean="0"/>
               <a:t>IIS </a:t>
             </a:r>
             <a:r>
-              <a:rPr lang="pt-BR" dirty="0"/>
+              <a:rPr lang="pt-BR" sz="21100" dirty="0"/>
               <a:t>5.1, Windows XP Professional SP3</a:t>
             </a:r>
           </a:p>
           <a:p>
-            <a:pPr fontAlgn="base"/>
-            <a:r>
-              <a:rPr lang="pt-BR" dirty="0"/>
+            <a:pPr fontAlgn="base">
+              <a:buFont typeface="Wingdings" pitchFamily="2" charset="2"/>
+              <a:buChar char="ü"/>
+            </a:pPr>
+            <a:r>
+              <a:rPr lang="pt-BR" sz="21100" dirty="0"/>
               <a:t>Memoria RAM: 1GB</a:t>
             </a:r>
           </a:p>
@@ -24490,7 +24610,6 @@
               <a:solidFill>
                 <a:srgbClr val="000000"/>
               </a:solidFill>
-              <a:latin typeface="Arial" charset="0"/>
             </a:endParaRPr>
           </a:p>
           <a:p>
@@ -24501,57 +24620,39 @@
               <a:buNone/>
             </a:pPr>
             <a:r>
-              <a:rPr lang="es-AR" sz="21200" b="1" dirty="0">
+              <a:rPr lang="es-AR" sz="27100" b="1" dirty="0">
                 <a:solidFill>
-                  <a:srgbClr val="00B050"/>
+                  <a:schemeClr val="tx2"/>
                 </a:solidFill>
               </a:rPr>
-              <a:t>Configura</a:t>
-            </a:r>
-            <a:r>
-              <a:rPr lang="es-AR" sz="21100" b="1" dirty="0">
-                <a:solidFill>
-                  <a:srgbClr val="00B050"/>
-                </a:solidFill>
-              </a:rPr>
-              <a:t>ción</a:t>
-            </a:r>
-            <a:r>
-              <a:rPr lang="es-AR" sz="21200" b="1" dirty="0">
-                <a:solidFill>
-                  <a:srgbClr val="00B050"/>
-                </a:solidFill>
-              </a:rPr>
-              <a:t> </a:t>
-            </a:r>
-            <a:r>
-              <a:rPr lang="es-AR" sz="21200" b="1" dirty="0">
-                <a:solidFill>
-                  <a:srgbClr val="00B050"/>
-                </a:solidFill>
-              </a:rPr>
-              <a:t>recomendada</a:t>
-            </a:r>
-          </a:p>
-          <a:p>
-            <a:pPr fontAlgn="base"/>
-            <a:r>
-              <a:rPr lang="en-US" dirty="0"/>
+              <a:t>Configuración recomendada</a:t>
+            </a:r>
+          </a:p>
+          <a:p>
+            <a:pPr fontAlgn="base">
+              <a:buFont typeface="Wingdings" pitchFamily="2" charset="2"/>
+              <a:buChar char="ü"/>
+            </a:pPr>
+            <a:r>
+              <a:rPr lang="en-US" sz="21100" dirty="0"/>
               <a:t>IIS 7.5, Windows 7 y Windows Server 2008 R2</a:t>
             </a:r>
           </a:p>
           <a:p>
-            <a:pPr fontAlgn="base"/>
-            <a:r>
-              <a:rPr lang="en-US" dirty="0" err="1"/>
+            <a:pPr fontAlgn="base">
+              <a:buFont typeface="Wingdings" pitchFamily="2" charset="2"/>
+              <a:buChar char="ü"/>
+            </a:pPr>
+            <a:r>
+              <a:rPr lang="en-US" sz="21100" dirty="0"/>
               <a:t>Memoria</a:t>
             </a:r>
             <a:r>
-              <a:rPr lang="en-US" dirty="0"/>
+              <a:rPr lang="en-US" sz="21100" dirty="0"/>
               <a:t> RAM: </a:t>
             </a:r>
             <a:r>
-              <a:rPr lang="en-US" dirty="0" smtClean="0"/>
+              <a:rPr lang="en-US" sz="21100" dirty="0" smtClean="0"/>
               <a:t>4GB</a:t>
             </a:r>
           </a:p>
@@ -24560,78 +24661,110 @@
             <a:endParaRPr lang="en-US" dirty="0"/>
           </a:p>
           <a:p>
-            <a:pPr fontAlgn="base"/>
-            <a:r>
-              <a:rPr lang="es-AR" sz="21100" b="1" dirty="0" smtClean="0">
+            <a:pPr marL="0" indent="0" fontAlgn="base">
+              <a:buNone/>
+            </a:pPr>
+            <a:r>
+              <a:rPr lang="es-AR" sz="27100" b="1" dirty="0">
                 <a:solidFill>
-                  <a:srgbClr val="7030A0"/>
+                  <a:schemeClr val="tx2"/>
                 </a:solidFill>
               </a:rPr>
               <a:t>Otros</a:t>
             </a:r>
-            <a:endParaRPr lang="es-AR" sz="21100" b="1" dirty="0">
+            <a:endParaRPr lang="es-AR" sz="27100" b="1" dirty="0">
               <a:solidFill>
-                <a:srgbClr val="7030A0"/>
+                <a:schemeClr val="tx2"/>
               </a:solidFill>
             </a:endParaRPr>
           </a:p>
           <a:p>
-            <a:pPr lvl="1" fontAlgn="base"/>
-            <a:r>
-              <a:rPr lang="es-AR" dirty="0" smtClean="0"/>
+            <a:pPr fontAlgn="base">
+              <a:buFont typeface="Wingdings" pitchFamily="2" charset="2"/>
+              <a:buChar char="ü"/>
+            </a:pPr>
+            <a:r>
+              <a:rPr lang="es-AR" sz="21100" dirty="0" smtClean="0"/>
               <a:t>Servidor </a:t>
             </a:r>
             <a:r>
-              <a:rPr lang="es-AR" dirty="0"/>
-              <a:t>de Base de Datos: SQL SERVER 2008 R2</a:t>
-            </a:r>
-            <a:br>
-              <a:rPr lang="es-AR" dirty="0"/>
-            </a:br>
-            <a:r>
-              <a:rPr lang="es-AR" dirty="0"/>
-              <a:t>.NET Framework </a:t>
-            </a:r>
-            <a:r>
-              <a:rPr lang="es-AR" dirty="0" smtClean="0"/>
+              <a:rPr lang="es-AR" sz="21100" dirty="0"/>
+              <a:t>de Base de Datos: </a:t>
+            </a:r>
+            <a:endParaRPr lang="es-AR" sz="21100" dirty="0" smtClean="0"/>
+          </a:p>
+          <a:p>
+            <a:pPr lvl="1" fontAlgn="base">
+              <a:buFont typeface="Wingdings" pitchFamily="2" charset="2"/>
+              <a:buChar char="ü"/>
+            </a:pPr>
+            <a:r>
+              <a:rPr lang="es-AR" sz="18600" dirty="0" smtClean="0"/>
+              <a:t>SQL </a:t>
+            </a:r>
+            <a:r>
+              <a:rPr lang="es-AR" sz="18600" dirty="0"/>
+              <a:t>SERVER 2008 </a:t>
+            </a:r>
+            <a:r>
+              <a:rPr lang="es-AR" sz="18600" dirty="0" smtClean="0"/>
+              <a:t>R2</a:t>
+            </a:r>
+          </a:p>
+          <a:p>
+            <a:pPr lvl="1" fontAlgn="base">
+              <a:buFont typeface="Wingdings" pitchFamily="2" charset="2"/>
+              <a:buChar char="ü"/>
+            </a:pPr>
+            <a:r>
+              <a:rPr lang="es-AR" sz="18600" dirty="0" smtClean="0"/>
+              <a:t>.NET </a:t>
+            </a:r>
+            <a:r>
+              <a:rPr lang="es-AR" sz="18600" dirty="0"/>
+              <a:t>Framework </a:t>
+            </a:r>
+            <a:r>
+              <a:rPr lang="es-AR" sz="18600" dirty="0" smtClean="0"/>
               <a:t>4</a:t>
             </a:r>
           </a:p>
           <a:p>
-            <a:pPr lvl="1" fontAlgn="base"/>
-            <a:r>
-              <a:rPr lang="es-AR" dirty="0" smtClean="0"/>
+            <a:pPr fontAlgn="base">
+              <a:buFont typeface="Wingdings" pitchFamily="2" charset="2"/>
+              <a:buChar char="ü"/>
+            </a:pPr>
+            <a:r>
+              <a:rPr lang="es-AR" sz="21100" dirty="0" smtClean="0"/>
               <a:t>Espacio </a:t>
             </a:r>
             <a:r>
-              <a:rPr lang="es-AR" dirty="0"/>
+              <a:rPr lang="es-AR" sz="21100" dirty="0"/>
               <a:t>en disco -versión actual-: 50 </a:t>
             </a:r>
             <a:r>
-              <a:rPr lang="es-AR" dirty="0" smtClean="0"/>
+              <a:rPr lang="es-AR" sz="21100" dirty="0" smtClean="0"/>
               <a:t>MB</a:t>
             </a:r>
           </a:p>
           <a:p>
-            <a:pPr marL="2510195" lvl="1" indent="0" fontAlgn="base">
-              <a:buNone/>
+            <a:pPr fontAlgn="base">
+              <a:buFont typeface="Wingdings" pitchFamily="2" charset="2"/>
+              <a:buChar char="ü"/>
             </a:pPr>
-            <a:endParaRPr lang="es-AR" dirty="0" smtClean="0"/>
-          </a:p>
-          <a:p>
-            <a:pPr lvl="1" fontAlgn="base"/>
-            <a:r>
-              <a:rPr lang="es-AR" dirty="0" smtClean="0"/>
+            <a:r>
+              <a:rPr lang="es-AR" sz="21100" dirty="0" smtClean="0"/>
               <a:t>Navegador </a:t>
             </a:r>
             <a:r>
-              <a:rPr lang="es-AR" dirty="0"/>
-              <a:t>Web: Mozilla Firefox 6.02 o superior</a:t>
-            </a:r>
-          </a:p>
-          <a:p>
-            <a:pPr fontAlgn="base"/>
-            <a:endParaRPr lang="en-US" dirty="0"/>
+              <a:rPr lang="es-AR" sz="21100" dirty="0"/>
+              <a:t>Web: Mozilla Firefox 6.02 o </a:t>
+            </a:r>
+            <a:r>
+              <a:rPr lang="es-AR" sz="21100" dirty="0" smtClean="0"/>
+              <a:t>superior</a:t>
+            </a:r>
+            <a:endParaRPr lang="en-US" sz="21100" dirty="0"/>
           </a:p>
         </p:txBody>
       </p:sp>
@@ -24691,7 +24824,12 @@
             </p:custDataLst>
           </p:nvPr>
         </p:nvSpPr>
-        <p:spPr/>
+        <p:spPr>
+          <a:xfrm>
+            <a:off x="4194847" y="2228827"/>
+            <a:ext cx="44430209" cy="6287558"/>
+          </a:xfrm>
+        </p:spPr>
         <p:txBody>
           <a:bodyPr>
             <a:normAutofit fontScale="90000"/>
@@ -24733,46 +24871,33 @@
               </a:rPr>
             </a:br>
             <a:r>
-              <a:rPr lang="es-AR" sz="21100" b="1" dirty="0" smtClean="0">
+              <a:rPr lang="es-AR" b="1" dirty="0">
                 <a:solidFill>
                   <a:srgbClr val="0070C0"/>
                 </a:solidFill>
-                <a:latin typeface="Arial" charset="0"/>
               </a:rPr>
               <a:t>Lo que se viene a Futuro...</a:t>
             </a:r>
             <a:br>
-              <a:rPr lang="es-AR" sz="21100" b="1" dirty="0" smtClean="0">
+              <a:rPr lang="es-AR" b="1" dirty="0">
                 <a:solidFill>
                   <a:srgbClr val="0070C0"/>
                 </a:solidFill>
-                <a:latin typeface="Arial" charset="0"/>
               </a:rPr>
             </a:br>
             <a:r>
-              <a:rPr lang="es-AR" sz="21100" b="1" dirty="0" smtClean="0">
+              <a:rPr lang="es-AR" b="1" dirty="0">
                 <a:solidFill>
                   <a:srgbClr val="0070C0"/>
                 </a:solidFill>
-                <a:latin typeface="Arial" charset="0"/>
               </a:rPr>
               <a:t>… cercano</a:t>
             </a:r>
-            <a:r>
-              <a:rPr lang="es-AR" b="1" dirty="0" smtClean="0">
+            <a:br>
+              <a:rPr lang="es-AR" b="1" dirty="0">
                 <a:solidFill>
                   <a:srgbClr val="0070C0"/>
                 </a:solidFill>
-                <a:latin typeface="Arial" charset="0"/>
-              </a:rPr>
-              <a:t/>
-            </a:r>
-            <a:br>
-              <a:rPr lang="es-AR" b="1" dirty="0" smtClean="0">
-                <a:solidFill>
-                  <a:srgbClr val="0070C0"/>
-                </a:solidFill>
-                <a:latin typeface="Arial" charset="0"/>
               </a:rPr>
             </a:br>
             <a:r>
@@ -24811,112 +24936,88 @@
         </p:nvSpPr>
         <p:spPr>
           <a:xfrm>
-            <a:off x="4194847" y="6045251"/>
-            <a:ext cx="44430209" cy="27650853"/>
+            <a:off x="4266855" y="9573643"/>
+            <a:ext cx="44430209" cy="26786976"/>
           </a:xfrm>
         </p:spPr>
         <p:txBody>
           <a:bodyPr>
-            <a:normAutofit lnSpcReduction="10000"/>
+            <a:normAutofit/>
           </a:bodyPr>
           <a:lstStyle/>
           <a:p>
-            <a:pPr marL="0" indent="0" fontAlgn="base">
-              <a:buNone/>
+            <a:pPr fontAlgn="base">
+              <a:buFont typeface="Wingdings" pitchFamily="2" charset="2"/>
+              <a:buChar char="ü"/>
             </a:pPr>
-            <a:endParaRPr lang="pt-BR" sz="21200" b="1" dirty="0" smtClean="0">
-              <a:solidFill>
-                <a:srgbClr val="C00000"/>
-              </a:solidFill>
-            </a:endParaRPr>
-          </a:p>
-          <a:p>
-            <a:pPr fontAlgn="base"/>
-            <a:r>
-              <a:rPr lang="es-AR" sz="21200" b="1" dirty="0" smtClean="0">
-                <a:solidFill>
-                  <a:srgbClr val="C00000"/>
-                </a:solidFill>
-              </a:rPr>
-              <a:t>Servicio de </a:t>
-            </a:r>
-            <a:r>
-              <a:rPr lang="es-AR" sz="21200" b="1" dirty="0">
-                <a:solidFill>
-                  <a:srgbClr val="C00000"/>
-                </a:solidFill>
-              </a:rPr>
-              <a:t>novedades áulicas, que involucrará al rol de psicopedagogo </a:t>
-            </a:r>
-            <a:endParaRPr lang="es-AR" sz="21200" b="1" dirty="0" smtClean="0">
-              <a:solidFill>
-                <a:srgbClr val="C00000"/>
-              </a:solidFill>
-            </a:endParaRPr>
-          </a:p>
-          <a:p>
-            <a:pPr marL="0" indent="0" fontAlgn="base">
-              <a:buNone/>
+            <a:r>
+              <a:rPr lang="es-AR" sz="21200" b="1" dirty="0" smtClean="0"/>
+              <a:t>Servicio </a:t>
+            </a:r>
+            <a:r>
+              <a:rPr lang="es-AR" sz="21200" b="1" dirty="0" smtClean="0"/>
+              <a:t>de </a:t>
+            </a:r>
+            <a:r>
+              <a:rPr lang="es-AR" sz="21200" b="1" dirty="0"/>
+              <a:t>novedades áulicas, que involucrará al </a:t>
+            </a:r>
+            <a:r>
+              <a:rPr lang="es-AR" sz="21200" b="1" dirty="0" smtClean="0"/>
+              <a:t>psicopedagogo </a:t>
+            </a:r>
+          </a:p>
+          <a:p>
+            <a:pPr fontAlgn="base">
+              <a:buFont typeface="Wingdings" pitchFamily="2" charset="2"/>
+              <a:buChar char="ü"/>
             </a:pPr>
-            <a:endParaRPr lang="es-AR" sz="21200" b="1" dirty="0" smtClean="0">
-              <a:solidFill>
-                <a:srgbClr val="C00000"/>
-              </a:solidFill>
-            </a:endParaRPr>
-          </a:p>
-          <a:p>
-            <a:pPr fontAlgn="base"/>
-            <a:r>
-              <a:rPr lang="es-AR" sz="21200" b="1" dirty="0">
-                <a:solidFill>
-                  <a:srgbClr val="7030A0"/>
-                </a:solidFill>
-              </a:rPr>
-              <a:t>Control y planificación de clases =&gt; </a:t>
-            </a:r>
-            <a:r>
-              <a:rPr lang="es-AR" sz="21200" b="1" dirty="0" smtClean="0">
-                <a:solidFill>
-                  <a:srgbClr val="7030A0"/>
-                </a:solidFill>
-              </a:rPr>
+            <a:endParaRPr lang="es-AR" sz="21200" b="1" dirty="0" smtClean="0"/>
+          </a:p>
+          <a:p>
+            <a:pPr fontAlgn="base">
+              <a:buFont typeface="Wingdings" pitchFamily="2" charset="2"/>
+              <a:buChar char="ü"/>
+            </a:pPr>
+            <a:r>
+              <a:rPr lang="es-AR" sz="21200" b="1" dirty="0" smtClean="0"/>
+              <a:t>Control </a:t>
+            </a:r>
+            <a:r>
+              <a:rPr lang="es-AR" sz="21200" b="1" dirty="0"/>
+              <a:t>y planificación de clases =&gt; </a:t>
+            </a:r>
+            <a:r>
+              <a:rPr lang="es-AR" sz="21200" b="1" dirty="0" smtClean="0"/>
               <a:t>Contenidos </a:t>
             </a:r>
             <a:r>
-              <a:rPr lang="es-AR" sz="21200" b="1" dirty="0">
-                <a:solidFill>
-                  <a:srgbClr val="7030A0"/>
-                </a:solidFill>
-              </a:rPr>
-              <a:t>mínimos exigidos</a:t>
-            </a:r>
-          </a:p>
-          <a:p>
-            <a:pPr marL="0" indent="0" fontAlgn="base">
-              <a:buNone/>
+              <a:rPr lang="es-AR" sz="21200" b="1" dirty="0"/>
+              <a:t>mínimos </a:t>
+            </a:r>
+            <a:r>
+              <a:rPr lang="es-AR" sz="21200" b="1" dirty="0" smtClean="0"/>
+              <a:t>exigidos</a:t>
+            </a:r>
+          </a:p>
+          <a:p>
+            <a:pPr fontAlgn="base">
+              <a:buFont typeface="Wingdings" pitchFamily="2" charset="2"/>
+              <a:buChar char="ü"/>
             </a:pPr>
-            <a:endParaRPr lang="es-AR" sz="21200" b="1" dirty="0" smtClean="0">
-              <a:solidFill>
-                <a:srgbClr val="C00000"/>
-              </a:solidFill>
-            </a:endParaRPr>
-          </a:p>
-          <a:p>
-            <a:pPr fontAlgn="base"/>
-            <a:r>
-              <a:rPr lang="es-AR" sz="21200" b="1" dirty="0" smtClean="0">
-                <a:solidFill>
-                  <a:srgbClr val="FFC000"/>
-                </a:solidFill>
-              </a:rPr>
+            <a:endParaRPr lang="es-AR" sz="21200" b="1" dirty="0"/>
+          </a:p>
+          <a:p>
+            <a:pPr fontAlgn="base">
+              <a:buFont typeface="Wingdings" pitchFamily="2" charset="2"/>
+              <a:buChar char="ü"/>
+            </a:pPr>
+            <a:r>
+              <a:rPr lang="es-AR" sz="21200" b="1" dirty="0" smtClean="0"/>
               <a:t>Foro </a:t>
             </a:r>
             <a:r>
-              <a:rPr lang="es-AR" sz="21200" b="1" dirty="0">
-                <a:solidFill>
-                  <a:srgbClr val="FFC000"/>
-                </a:solidFill>
-              </a:rPr>
+              <a:rPr lang="es-AR" sz="21200" b="1" dirty="0"/>
               <a:t>Interno integrado al sistema</a:t>
             </a:r>
           </a:p>
@@ -24988,7 +25089,12 @@
             </p:custDataLst>
           </p:nvPr>
         </p:nvSpPr>
-        <p:spPr/>
+        <p:spPr>
+          <a:xfrm>
+            <a:off x="4194847" y="1724771"/>
+            <a:ext cx="44430209" cy="6578249"/>
+          </a:xfrm>
+        </p:spPr>
         <p:txBody>
           <a:bodyPr>
             <a:normAutofit fontScale="90000"/>
@@ -24996,66 +25102,33 @@
           <a:lstStyle/>
           <a:p>
             <a:r>
-              <a:rPr lang="es-AR" sz="21100" b="1" dirty="0" smtClean="0">
+              <a:rPr lang="es-AR" b="1" dirty="0">
                 <a:solidFill>
                   <a:srgbClr val="0070C0"/>
                 </a:solidFill>
-                <a:latin typeface="Arial" charset="0"/>
               </a:rPr>
-              <a:t/>
+              <a:t>Lo que se viene a Futuro...</a:t>
             </a:r>
             <a:br>
-              <a:rPr lang="es-AR" sz="21100" b="1" dirty="0" smtClean="0">
+              <a:rPr lang="es-AR" b="1" dirty="0">
                 <a:solidFill>
                   <a:srgbClr val="0070C0"/>
                 </a:solidFill>
-                <a:latin typeface="Arial" charset="0"/>
               </a:rPr>
             </a:br>
             <a:r>
-              <a:rPr lang="es-AR" sz="21100" b="1" dirty="0" smtClean="0">
+              <a:rPr lang="es-AR" b="1" dirty="0">
                 <a:solidFill>
                   <a:srgbClr val="0070C0"/>
                 </a:solidFill>
-                <a:latin typeface="Arial" charset="0"/>
               </a:rPr>
-              <a:t>Lo que se viene a Futuro (Próximo)</a:t>
-            </a:r>
-            <a:r>
-              <a:rPr lang="es-AR" b="1" dirty="0" smtClean="0">
-                <a:solidFill>
-                  <a:srgbClr val="0070C0"/>
-                </a:solidFill>
-                <a:latin typeface="Arial" charset="0"/>
-              </a:rPr>
-              <a:t/>
-            </a:r>
-            <a:br>
-              <a:rPr lang="es-AR" b="1" dirty="0" smtClean="0">
-                <a:solidFill>
-                  <a:srgbClr val="0070C0"/>
-                </a:solidFill>
-                <a:latin typeface="Arial" charset="0"/>
-              </a:rPr>
-            </a:br>
-            <a:r>
-              <a:rPr lang="es-AR" b="1" dirty="0">
-                <a:solidFill>
-                  <a:srgbClr val="C00000"/>
-                </a:solidFill>
-                <a:latin typeface="Arial" charset="0"/>
-              </a:rPr>
-              <a:t/>
-            </a:r>
-            <a:br>
-              <a:rPr lang="es-AR" b="1" dirty="0">
-                <a:solidFill>
-                  <a:srgbClr val="C00000"/>
-                </a:solidFill>
-                <a:latin typeface="Arial" charset="0"/>
-              </a:rPr>
-            </a:br>
-            <a:endParaRPr lang="es-ES" dirty="0"/>
+              <a:t>… cercano</a:t>
+            </a:r>
+            <a:endParaRPr lang="es-ES" b="1" dirty="0">
+              <a:solidFill>
+                <a:srgbClr val="0070C0"/>
+              </a:solidFill>
+            </a:endParaRPr>
           </a:p>
         </p:txBody>
       </p:sp>
@@ -25074,8 +25147,8 @@
         </p:nvSpPr>
         <p:spPr>
           <a:xfrm>
-            <a:off x="4194847" y="6045251"/>
-            <a:ext cx="44430209" cy="27650853"/>
+            <a:off x="4266855" y="8781555"/>
+            <a:ext cx="44430209" cy="21530392"/>
           </a:xfrm>
         </p:spPr>
         <p:txBody>
@@ -25083,27 +25156,6 @@
             <a:normAutofit/>
           </a:bodyPr>
           <a:lstStyle/>
-          <a:p>
-            <a:pPr marL="0" indent="0" fontAlgn="base">
-              <a:buNone/>
-            </a:pPr>
-            <a:r>
-              <a:rPr lang="es-AR" sz="21200" b="1" dirty="0" err="1" smtClean="0">
-                <a:solidFill>
-                  <a:srgbClr val="C00000"/>
-                </a:solidFill>
-              </a:rPr>
-              <a:t>Ademas</a:t>
-            </a:r>
-            <a:r>
-              <a:rPr lang="pt-BR" sz="21200" b="1" dirty="0" smtClean="0">
-                <a:solidFill>
-                  <a:srgbClr val="C00000"/>
-                </a:solidFill>
-              </a:rPr>
-              <a:t>!</a:t>
-            </a:r>
-          </a:p>
           <a:p>
             <a:pPr marL="0" indent="0" fontAlgn="base">
               <a:buNone/>
@@ -25115,117 +25167,55 @@
             </a:endParaRPr>
           </a:p>
           <a:p>
-            <a:pPr fontAlgn="base"/>
-            <a:r>
-              <a:rPr lang="es-AR" sz="21200" b="1" dirty="0" smtClean="0">
-                <a:solidFill>
-                  <a:srgbClr val="00B0F0"/>
-                </a:solidFill>
-              </a:rPr>
+            <a:pPr fontAlgn="base">
+              <a:buFont typeface="Wingdings" pitchFamily="2" charset="2"/>
+              <a:buChar char="ü"/>
+            </a:pPr>
+            <a:r>
+              <a:rPr lang="es-AR" sz="21200" b="1" dirty="0"/>
               <a:t>Sistema </a:t>
             </a:r>
             <a:r>
-              <a:rPr lang="es-AR" sz="21200" b="1" dirty="0">
-                <a:solidFill>
-                  <a:srgbClr val="00B0F0"/>
-                </a:solidFill>
-              </a:rPr>
-              <a:t>de Encuestas</a:t>
-            </a:r>
-          </a:p>
-          <a:p>
-            <a:pPr fontAlgn="base"/>
-            <a:endParaRPr lang="es-AR" sz="21200" b="1" dirty="0" smtClean="0">
-              <a:solidFill>
-                <a:srgbClr val="C00000"/>
-              </a:solidFill>
-            </a:endParaRPr>
-          </a:p>
-          <a:p>
-            <a:pPr fontAlgn="base"/>
-            <a:r>
-              <a:rPr lang="es-AR" sz="21200" b="1" dirty="0" smtClean="0">
-                <a:solidFill>
-                  <a:schemeClr val="accent6">
-                    <a:lumMod val="75000"/>
-                  </a:schemeClr>
-                </a:solidFill>
-              </a:rPr>
-              <a:t>Mejoras </a:t>
-            </a:r>
-            <a:r>
-              <a:rPr lang="es-AR" sz="21200" b="1" dirty="0">
-                <a:solidFill>
-                  <a:schemeClr val="accent6">
-                    <a:lumMod val="75000"/>
-                  </a:schemeClr>
-                </a:solidFill>
-              </a:rPr>
-              <a:t>en el </a:t>
-            </a:r>
-            <a:r>
-              <a:rPr lang="es-AR" sz="21200" b="1" dirty="0" smtClean="0">
-                <a:solidFill>
-                  <a:schemeClr val="accent6">
-                    <a:lumMod val="75000"/>
-                  </a:schemeClr>
-                </a:solidFill>
-              </a:rPr>
-              <a:t>diseño</a:t>
-            </a:r>
-          </a:p>
-          <a:p>
-            <a:pPr fontAlgn="base"/>
-            <a:endParaRPr lang="es-AR" sz="21200" b="1" dirty="0">
-              <a:solidFill>
-                <a:srgbClr val="C00000"/>
-              </a:solidFill>
-            </a:endParaRPr>
-          </a:p>
-          <a:p>
-            <a:pPr fontAlgn="base"/>
-            <a:r>
-              <a:rPr lang="es-AR" sz="21200" b="1" dirty="0" smtClean="0">
-                <a:solidFill>
-                  <a:srgbClr val="002060"/>
-                </a:solidFill>
-              </a:rPr>
-              <a:t>Integración </a:t>
-            </a:r>
-            <a:r>
-              <a:rPr lang="es-AR" sz="21200" b="1" dirty="0">
-                <a:solidFill>
-                  <a:srgbClr val="002060"/>
-                </a:solidFill>
-              </a:rPr>
-              <a:t>de la ayuda </a:t>
-            </a:r>
-            <a:r>
-              <a:rPr lang="es-AR" sz="21200" b="1" dirty="0" smtClean="0">
-                <a:solidFill>
-                  <a:srgbClr val="002060"/>
-                </a:solidFill>
-              </a:rPr>
-              <a:t>en </a:t>
-            </a:r>
-            <a:r>
-              <a:rPr lang="es-AR" sz="21200" b="1" dirty="0">
-                <a:solidFill>
-                  <a:srgbClr val="002060"/>
-                </a:solidFill>
-              </a:rPr>
-              <a:t>el sitio</a:t>
+              <a:rPr lang="es-AR" sz="21200" b="1" dirty="0"/>
+              <a:t>de </a:t>
+            </a:r>
+            <a:r>
+              <a:rPr lang="es-AR" sz="21200" b="1" dirty="0" smtClean="0"/>
+              <a:t>Encuestas</a:t>
             </a:r>
           </a:p>
           <a:p>
             <a:pPr marL="0" indent="0" fontAlgn="base">
               <a:buNone/>
             </a:pPr>
-            <a:endParaRPr lang="es-AR" sz="21200" b="1" dirty="0" smtClean="0">
-              <a:solidFill>
-                <a:srgbClr val="C00000"/>
-              </a:solidFill>
-            </a:endParaRPr>
+            <a:endParaRPr lang="es-AR" sz="21200" b="1" dirty="0"/>
+          </a:p>
+          <a:p>
+            <a:pPr fontAlgn="base">
+              <a:buFont typeface="Wingdings" pitchFamily="2" charset="2"/>
+              <a:buChar char="ü"/>
+            </a:pPr>
+            <a:r>
+              <a:rPr lang="es-AR" sz="21200" b="1" dirty="0"/>
+              <a:t>Integración </a:t>
+            </a:r>
+            <a:r>
+              <a:rPr lang="es-AR" sz="21200" b="1" dirty="0"/>
+              <a:t>de la ayuda </a:t>
+            </a:r>
+            <a:r>
+              <a:rPr lang="es-AR" sz="21200" b="1" dirty="0"/>
+              <a:t>en </a:t>
+            </a:r>
+            <a:r>
+              <a:rPr lang="es-AR" sz="21200" b="1" dirty="0"/>
+              <a:t>el </a:t>
+            </a:r>
+            <a:r>
+              <a:rPr lang="es-AR" sz="21200" b="1" dirty="0" smtClean="0"/>
+              <a:t>sitio</a:t>
+            </a:r>
+            <a:endParaRPr lang="es-AR" sz="21200" b="1" dirty="0"/>
           </a:p>
         </p:txBody>
       </p:sp>
@@ -25309,7 +25299,12 @@
             <p:ph type="ctrTitle"/>
           </p:nvPr>
         </p:nvSpPr>
-        <p:spPr/>
+        <p:spPr>
+          <a:xfrm>
+            <a:off x="14251199" y="12575152"/>
+            <a:ext cx="33995524" cy="13272299"/>
+          </a:xfrm>
+        </p:spPr>
         <p:txBody>
           <a:bodyPr>
             <a:noAutofit/>
@@ -25326,9 +25321,20 @@
                 <a:ea typeface="+mn-ea"/>
                 <a:cs typeface="+mn-cs"/>
               </a:rPr>
-              <a:t>Conclusión</a:t>
-            </a:r>
-            <a:br>
+              <a:t>¿Porqué Elegir EDU</a:t>
+            </a:r>
+            <a:r>
+              <a:rPr lang="es-ES" sz="39600" dirty="0" smtClean="0">
+                <a:solidFill>
+                  <a:schemeClr val="tx2"/>
+                </a:solidFill>
+                <a:latin typeface="+mn-lt"/>
+                <a:ea typeface="+mn-ea"/>
+                <a:cs typeface="+mn-cs"/>
+              </a:rPr>
+              <a:t>@R</a:t>
+            </a:r>
+            <a:r>
               <a:rPr lang="es-ES" sz="39600" dirty="0" smtClean="0">
                 <a:solidFill>
                   <a:schemeClr val="tx1"/>
@@ -25337,9 +25343,32 @@
                 <a:ea typeface="+mn-ea"/>
                 <a:cs typeface="+mn-cs"/>
               </a:rPr>
-            </a:br>
-            <a:r>
-              <a:rPr lang="es-ES" sz="39600" dirty="0">
+              <a:t> </a:t>
+            </a:r>
+            <a:r>
+              <a:rPr lang="es-ES" sz="39600" dirty="0" smtClean="0">
+                <a:solidFill>
+                  <a:schemeClr val="tx2"/>
+                </a:solidFill>
+                <a:latin typeface="+mn-lt"/>
+                <a:ea typeface="+mn-ea"/>
+                <a:cs typeface="+mn-cs"/>
+              </a:rPr>
+              <a:t>2.0</a:t>
+            </a:r>
+            <a:r>
+              <a:rPr lang="es-ES" sz="39600" dirty="0" smtClean="0">
+                <a:solidFill>
+                  <a:schemeClr val="tx1"/>
+                </a:solidFill>
+                <a:latin typeface="+mn-lt"/>
+                <a:ea typeface="+mn-ea"/>
+                <a:cs typeface="+mn-cs"/>
+              </a:rPr>
+              <a:t>?</a:t>
+            </a:r>
+            <a:r>
+              <a:rPr lang="es-ES" sz="39600" dirty="0" smtClean="0">
                 <a:solidFill>
                   <a:schemeClr val="tx1"/>
                 </a:solidFill>
@@ -25350,50 +25379,7 @@
               <a:t/>
             </a:r>
             <a:br>
-              <a:rPr lang="es-ES" sz="39600" dirty="0">
-                <a:solidFill>
-                  <a:schemeClr val="tx1"/>
-                </a:solidFill>
-                <a:latin typeface="+mn-lt"/>
-                <a:ea typeface="+mn-ea"/>
-                <a:cs typeface="+mn-cs"/>
-              </a:rPr>
-            </a:br>
-            <a:r>
               <a:rPr lang="es-ES" sz="39600" dirty="0" smtClean="0">
-                <a:solidFill>
-                  <a:schemeClr val="tx1"/>
-                </a:solidFill>
-                <a:latin typeface="+mn-lt"/>
-                <a:ea typeface="+mn-ea"/>
-                <a:cs typeface="+mn-cs"/>
-              </a:rPr>
-              <a:t>Sobre el </a:t>
-            </a:r>
-            <a:r>
-              <a:rPr lang="es-ES" sz="39600" dirty="0" smtClean="0">
-                <a:solidFill>
-                  <a:srgbClr val="FF0000"/>
-                </a:solidFill>
-                <a:latin typeface="+mn-lt"/>
-                <a:ea typeface="+mn-ea"/>
-                <a:cs typeface="+mn-cs"/>
-              </a:rPr>
-              <a:t>PRODUCTO</a:t>
-            </a:r>
-            <a:r>
-              <a:rPr lang="es-ES" sz="39600" dirty="0">
-                <a:solidFill>
-                  <a:schemeClr val="tx1"/>
-                </a:solidFill>
-                <a:latin typeface="+mn-lt"/>
-                <a:ea typeface="+mn-ea"/>
-                <a:cs typeface="+mn-cs"/>
-              </a:rPr>
-              <a:t/>
-            </a:r>
-            <a:br>
-              <a:rPr lang="es-ES" sz="39600" dirty="0">
                 <a:solidFill>
                   <a:schemeClr val="tx1"/>
                 </a:solidFill>
@@ -25496,7 +25482,11 @@
           <a:p>
             <a:r>
               <a:rPr lang="es-AR" b="1" dirty="0" smtClean="0"/>
-              <a:t>Porque elegir </a:t>
+              <a:t>¿Porque </a:t>
+            </a:r>
+            <a:r>
+              <a:rPr lang="es-AR" b="1" dirty="0" smtClean="0"/>
+              <a:t>elegir </a:t>
             </a:r>
             <a:r>
               <a:rPr lang="es-ES" b="1" dirty="0"/>
@@ -25533,13 +25523,13 @@
           <p:nvPr>
             <p:extLst>
               <p:ext uri="{D42A27DB-BD31-4B8C-83A1-F6EECF244321}">
-                <p14:modId xmlns:p14="http://schemas.microsoft.com/office/powerpoint/2010/main" val="873755652"/>
+                <p14:modId xmlns:p14="http://schemas.microsoft.com/office/powerpoint/2010/main" val="3306915060"/>
               </p:ext>
             </p:extLst>
           </p:nvPr>
         </p:nvGraphicFramePr>
         <p:xfrm>
-          <a:off x="3618783" y="3740995"/>
+          <a:off x="3618783" y="5249742"/>
           <a:ext cx="45221024" cy="32475608"/>
         </p:xfrm>
         <a:graphic>
@@ -25590,6 +25580,104 @@
       </p:grpSpPr>
       <p:sp>
         <p:nvSpPr>
+          <p:cNvPr id="620546" name="Rectangle 2"/>
+          <p:cNvSpPr>
+            <a:spLocks noGrp="1" noChangeArrowheads="1"/>
+          </p:cNvSpPr>
+          <p:nvPr>
+            <p:ph type="title"/>
+            <p:custDataLst>
+              <p:tags r:id="rId2"/>
+            </p:custDataLst>
+          </p:nvPr>
+        </p:nvSpPr>
+        <p:spPr/>
+        <p:txBody>
+          <a:bodyPr>
+            <a:normAutofit/>
+          </a:bodyPr>
+          <a:lstStyle/>
+          <a:p>
+            <a:pPr>
+              <a:defRPr lang="es-ES"/>
+            </a:pPr>
+            <a:r>
+              <a:rPr lang="es-ES" sz="31700" dirty="0"/>
+              <a:t>¿Preguntas?</a:t>
+            </a:r>
+          </a:p>
+        </p:txBody>
+      </p:sp>
+      <p:pic>
+        <p:nvPicPr>
+          <p:cNvPr id="2" name="1 Imagen"/>
+          <p:cNvPicPr>
+            <a:picLocks noChangeAspect="1"/>
+          </p:cNvPicPr>
+          <p:nvPr/>
+        </p:nvPicPr>
+        <p:blipFill>
+          <a:blip r:embed="rId5" cstate="print">
+            <a:extLst>
+              <a:ext uri="{28A0092B-C50C-407E-A947-70E740481C1C}">
+                <a14:useLocalDpi xmlns:a14="http://schemas.microsoft.com/office/drawing/2010/main" val="0"/>
+              </a:ext>
+            </a:extLst>
+          </a:blip>
+          <a:stretch>
+            <a:fillRect/>
+          </a:stretch>
+        </p:blipFill>
+        <p:spPr>
+          <a:xfrm>
+            <a:off x="8909321" y="12919599"/>
+            <a:ext cx="22973452" cy="22872316"/>
+          </a:xfrm>
+          <a:prstGeom prst="rect">
+            <a:avLst/>
+          </a:prstGeom>
+        </p:spPr>
+      </p:pic>
+    </p:spTree>
+    <p:custDataLst>
+      <p:tags r:id="rId1"/>
+    </p:custDataLst>
+  </p:cSld>
+  <p:clrMapOvr>
+    <a:masterClrMapping/>
+  </p:clrMapOvr>
+  <p:transition>
+    <p:fade/>
+  </p:transition>
+  <p:timing>
+    <p:tnLst>
+      <p:par>
+        <p:cTn id="1" dur="indefinite" restart="never" nodeType="tmRoot"/>
+      </p:par>
+    </p:tnLst>
+  </p:timing>
+</p:sld>
+</file>
+
+<file path=ppt/slides/slide16.xml><?xml version="1.0" encoding="utf-8"?>
+<p:sld xmlns:a="http://schemas.openxmlformats.org/drawingml/2006/main" xmlns:r="http://schemas.openxmlformats.org/officeDocument/2006/relationships" xmlns:p="http://schemas.openxmlformats.org/presentationml/2006/main">
+  <p:cSld>
+    <p:spTree>
+      <p:nvGrpSpPr>
+        <p:cNvPr id="1" name=""/>
+        <p:cNvGrpSpPr/>
+        <p:nvPr/>
+      </p:nvGrpSpPr>
+      <p:grpSpPr>
+        <a:xfrm>
+          <a:off x="0" y="0"/>
+          <a:ext cx="0" cy="0"/>
+          <a:chOff x="0" y="0"/>
+          <a:chExt cx="0" cy="0"/>
+        </a:xfrm>
+      </p:grpSpPr>
+      <p:sp>
+        <p:nvSpPr>
           <p:cNvPr id="7" name="TextBox 6"/>
           <p:cNvSpPr txBox="1"/>
           <p:nvPr/>
@@ -25773,7 +25861,7 @@
 </p:sld>
 </file>
 
-<file path=ppt/slides/slide16.xml><?xml version="1.0" encoding="utf-8"?>
+<file path=ppt/slides/slide17.xml><?xml version="1.0" encoding="utf-8"?>
 <p:sld xmlns:a="http://schemas.openxmlformats.org/drawingml/2006/main" xmlns:r="http://schemas.openxmlformats.org/officeDocument/2006/relationships" xmlns:p="http://schemas.openxmlformats.org/presentationml/2006/main">
   <p:cSld>
     <p:spTree>
@@ -25829,7 +25917,7 @@
         </p:blipFill>
         <p:spPr bwMode="auto">
           <a:xfrm>
-            <a:off x="52487099" y="-712613"/>
+            <a:off x="33718127" y="3865874"/>
             <a:ext cx="7045896" cy="7045896"/>
           </a:xfrm>
           <a:prstGeom prst="rect">
@@ -25854,7 +25942,12 @@
             <p:ph type="title"/>
           </p:nvPr>
         </p:nvSpPr>
-        <p:spPr/>
+        <p:spPr>
+          <a:xfrm>
+            <a:off x="5446094" y="722095"/>
+            <a:ext cx="44430209" cy="5323156"/>
+          </a:xfrm>
+        </p:spPr>
         <p:txBody>
           <a:bodyPr/>
           <a:lstStyle/>
@@ -25889,7 +25982,7 @@
         </p:blipFill>
         <p:spPr>
           <a:xfrm>
-            <a:off x="55991358" y="26629254"/>
+            <a:off x="5418983" y="4240923"/>
             <a:ext cx="15657358" cy="11091099"/>
           </a:xfrm>
           <a:prstGeom prst="rect">
@@ -25914,8 +26007,8 @@
         </p:blipFill>
         <p:spPr bwMode="auto">
           <a:xfrm>
-            <a:off x="53664343" y="11301835"/>
-            <a:ext cx="11737304" cy="8802978"/>
+            <a:off x="39406759" y="22535083"/>
+            <a:ext cx="9791376" cy="7343532"/>
           </a:xfrm>
           <a:prstGeom prst="rect">
             <a:avLst/>
@@ -25933,96 +26026,6 @@
     <p:extLst>
       <p:ext uri="{BB962C8B-B14F-4D97-AF65-F5344CB8AC3E}">
         <p14:creationId xmlns:p14="http://schemas.microsoft.com/office/powerpoint/2010/main" val="951474684"/>
-      </p:ext>
-    </p:extLst>
-  </p:cSld>
-  <p:clrMapOvr>
-    <a:masterClrMapping/>
-  </p:clrMapOvr>
-  <p:transition spd="slow">
-    <p:wipe dir="d"/>
-  </p:transition>
-  <p:timing>
-    <p:tnLst>
-      <p:par>
-        <p:cTn id="1" dur="indefinite" restart="never" nodeType="tmRoot"/>
-      </p:par>
-    </p:tnLst>
-  </p:timing>
-</p:sld>
-</file>
-
-<file path=ppt/slides/slide17.xml><?xml version="1.0" encoding="utf-8"?>
-<p:sld xmlns:a="http://schemas.openxmlformats.org/drawingml/2006/main" xmlns:r="http://schemas.openxmlformats.org/officeDocument/2006/relationships" xmlns:p="http://schemas.openxmlformats.org/presentationml/2006/main">
-  <p:cSld>
-    <p:spTree>
-      <p:nvGrpSpPr>
-        <p:cNvPr id="1" name=""/>
-        <p:cNvGrpSpPr/>
-        <p:nvPr/>
-      </p:nvGrpSpPr>
-      <p:grpSpPr>
-        <a:xfrm>
-          <a:off x="0" y="0"/>
-          <a:ext cx="0" cy="0"/>
-          <a:chOff x="0" y="0"/>
-          <a:chExt cx="0" cy="0"/>
-        </a:xfrm>
-      </p:grpSpPr>
-      <p:sp>
-        <p:nvSpPr>
-          <p:cNvPr id="2" name="1 Título"/>
-          <p:cNvSpPr>
-            <a:spLocks noGrp="1"/>
-          </p:cNvSpPr>
-          <p:nvPr>
-            <p:ph type="title"/>
-          </p:nvPr>
-        </p:nvSpPr>
-        <p:spPr>
-          <a:xfrm>
-            <a:off x="4194847" y="-867517"/>
-            <a:ext cx="44430209" cy="6287558"/>
-          </a:xfrm>
-        </p:spPr>
-        <p:txBody>
-          <a:bodyPr/>
-          <a:lstStyle/>
-          <a:p>
-            <a:r>
-              <a:rPr lang="es-AR" b="1" dirty="0" smtClean="0"/>
-              <a:t>Lecciones Aprendidas</a:t>
-            </a:r>
-            <a:endParaRPr lang="es-AR" b="1" dirty="0"/>
-          </a:p>
-        </p:txBody>
-      </p:sp>
-      <p:graphicFrame>
-        <p:nvGraphicFramePr>
-          <p:cNvPr id="7" name="6 Diagrama"/>
-          <p:cNvGraphicFramePr/>
-          <p:nvPr>
-            <p:extLst>
-              <p:ext uri="{D42A27DB-BD31-4B8C-83A1-F6EECF244321}">
-                <p14:modId xmlns:p14="http://schemas.microsoft.com/office/powerpoint/2010/main" val="329345695"/>
-              </p:ext>
-            </p:extLst>
-          </p:nvPr>
-        </p:nvGraphicFramePr>
-        <p:xfrm>
-          <a:off x="3618783" y="3668987"/>
-          <a:ext cx="45221024" cy="32475608"/>
-        </p:xfrm>
-        <a:graphic>
-          <a:graphicData uri="http://schemas.openxmlformats.org/drawingml/2006/diagram">
-            <dgm:relIds xmlns:dgm="http://schemas.openxmlformats.org/drawingml/2006/diagram" xmlns:r="http://schemas.openxmlformats.org/officeDocument/2006/relationships" r:dm="rId3" r:lo="rId4" r:qs="rId5" r:cs="rId6"/>
-          </a:graphicData>
-        </a:graphic>
-      </p:graphicFrame>
-    </p:spTree>
-    <p:extLst>
-      <p:ext uri="{BB962C8B-B14F-4D97-AF65-F5344CB8AC3E}">
-        <p14:creationId xmlns:p14="http://schemas.microsoft.com/office/powerpoint/2010/main" val="3171965505"/>
       </p:ext>
     </p:extLst>
   </p:cSld>
@@ -26061,74 +26064,66 @@
       </p:grpSpPr>
       <p:sp>
         <p:nvSpPr>
-          <p:cNvPr id="620546" name="Rectangle 2"/>
+          <p:cNvPr id="2" name="1 Título"/>
           <p:cNvSpPr>
-            <a:spLocks noGrp="1" noChangeArrowheads="1"/>
+            <a:spLocks noGrp="1"/>
           </p:cNvSpPr>
           <p:nvPr>
             <p:ph type="title"/>
-            <p:custDataLst>
-              <p:tags r:id="rId2"/>
-            </p:custDataLst>
           </p:nvPr>
         </p:nvSpPr>
-        <p:spPr/>
+        <p:spPr>
+          <a:xfrm>
+            <a:off x="4194847" y="-867517"/>
+            <a:ext cx="44430209" cy="6287558"/>
+          </a:xfrm>
+        </p:spPr>
         <p:txBody>
-          <a:bodyPr>
-            <a:normAutofit/>
-          </a:bodyPr>
+          <a:bodyPr/>
           <a:lstStyle/>
           <a:p>
-            <a:pPr>
-              <a:defRPr lang="es-ES"/>
-            </a:pPr>
-            <a:r>
-              <a:rPr lang="es-ES" dirty="0"/>
-              <a:t>¿Preguntas?</a:t>
-            </a:r>
+            <a:r>
+              <a:rPr lang="es-AR" b="1" dirty="0" smtClean="0"/>
+              <a:t>Lecciones Aprendidas</a:t>
+            </a:r>
+            <a:endParaRPr lang="es-AR" b="1" dirty="0"/>
           </a:p>
         </p:txBody>
       </p:sp>
-      <p:pic>
-        <p:nvPicPr>
-          <p:cNvPr id="2" name="1 Imagen"/>
-          <p:cNvPicPr>
-            <a:picLocks noChangeAspect="1"/>
-          </p:cNvPicPr>
-          <p:nvPr/>
-        </p:nvPicPr>
-        <p:blipFill>
-          <a:blip r:embed="rId5" cstate="print">
-            <a:extLst>
-              <a:ext uri="{28A0092B-C50C-407E-A947-70E740481C1C}">
-                <a14:useLocalDpi xmlns:a14="http://schemas.microsoft.com/office/drawing/2010/main" val="0"/>
-              </a:ext>
-            </a:extLst>
-          </a:blip>
-          <a:stretch>
-            <a:fillRect/>
-          </a:stretch>
-        </p:blipFill>
-        <p:spPr>
-          <a:xfrm>
-            <a:off x="8909321" y="12919599"/>
-            <a:ext cx="22973452" cy="22872316"/>
-          </a:xfrm>
-          <a:prstGeom prst="rect">
-            <a:avLst/>
-          </a:prstGeom>
-        </p:spPr>
-      </p:pic>
+      <p:graphicFrame>
+        <p:nvGraphicFramePr>
+          <p:cNvPr id="7" name="6 Diagrama"/>
+          <p:cNvGraphicFramePr/>
+          <p:nvPr>
+            <p:extLst>
+              <p:ext uri="{D42A27DB-BD31-4B8C-83A1-F6EECF244321}">
+                <p14:modId xmlns:p14="http://schemas.microsoft.com/office/powerpoint/2010/main" val="2852526979"/>
+              </p:ext>
+            </p:extLst>
+          </p:nvPr>
+        </p:nvGraphicFramePr>
+        <p:xfrm>
+          <a:off x="3618783" y="3668987"/>
+          <a:ext cx="45221024" cy="32475608"/>
+        </p:xfrm>
+        <a:graphic>
+          <a:graphicData uri="http://schemas.openxmlformats.org/drawingml/2006/diagram">
+            <dgm:relIds xmlns:dgm="http://schemas.openxmlformats.org/drawingml/2006/diagram" xmlns:r="http://schemas.openxmlformats.org/officeDocument/2006/relationships" r:dm="rId3" r:lo="rId4" r:qs="rId5" r:cs="rId6"/>
+          </a:graphicData>
+        </a:graphic>
+      </p:graphicFrame>
     </p:spTree>
-    <p:custDataLst>
-      <p:tags r:id="rId1"/>
-    </p:custDataLst>
+    <p:extLst>
+      <p:ext uri="{BB962C8B-B14F-4D97-AF65-F5344CB8AC3E}">
+        <p14:creationId xmlns:p14="http://schemas.microsoft.com/office/powerpoint/2010/main" val="3171965505"/>
+      </p:ext>
+    </p:extLst>
   </p:cSld>
   <p:clrMapOvr>
     <a:masterClrMapping/>
   </p:clrMapOvr>
-  <p:transition>
-    <p:fade/>
+  <p:transition spd="slow">
+    <p:wipe dir="d"/>
   </p:transition>
   <p:timing>
     <p:tnLst>
@@ -26170,7 +26165,12 @@
             </p:custDataLst>
           </p:nvPr>
         </p:nvSpPr>
-        <p:spPr/>
+        <p:spPr>
+          <a:xfrm>
+            <a:off x="25653231" y="18142595"/>
+            <a:ext cx="23891716" cy="4820776"/>
+          </a:xfrm>
+        </p:spPr>
         <p:txBody>
           <a:bodyPr/>
           <a:lstStyle/>
@@ -29602,10 +29602,18 @@
           <a:lstStyle/>
           <a:p>
             <a:r>
-              <a:rPr lang="es-ES" dirty="0" smtClean="0"/>
+              <a:rPr lang="es-ES" sz="21800" b="1" dirty="0">
+                <a:solidFill>
+                  <a:srgbClr val="0070C0"/>
+                </a:solidFill>
+              </a:rPr>
               <a:t>AGENDA</a:t>
             </a:r>
-            <a:endParaRPr lang="es-ES" dirty="0"/>
+            <a:endParaRPr lang="es-ES" sz="21800" b="1" dirty="0">
+              <a:solidFill>
+                <a:srgbClr val="0070C0"/>
+              </a:solidFill>
+            </a:endParaRPr>
           </a:p>
         </p:txBody>
       </p:sp>
@@ -29624,32 +29632,15 @@
         </p:nvSpPr>
         <p:spPr>
           <a:xfrm>
-            <a:off x="4191529" y="8781773"/>
-            <a:ext cx="44430209" cy="27650853"/>
+            <a:off x="4191529" y="8781774"/>
+            <a:ext cx="44430209" cy="24626518"/>
           </a:xfrm>
         </p:spPr>
         <p:txBody>
           <a:bodyPr>
-            <a:normAutofit fontScale="92500" lnSpcReduction="10000"/>
+            <a:normAutofit/>
           </a:bodyPr>
           <a:lstStyle/>
-          <a:p>
-            <a:pPr marL="0" indent="0">
-              <a:lnSpc>
-                <a:spcPct val="95000"/>
-              </a:lnSpc>
-              <a:buNone/>
-            </a:pPr>
-            <a:r>
-              <a:rPr lang="es-AR" b="1" dirty="0" smtClean="0">
-                <a:solidFill>
-                  <a:srgbClr val="C00000"/>
-                </a:solidFill>
-                <a:latin typeface="Arial" charset="0"/>
-              </a:rPr>
-              <a:t>PRODUCTO</a:t>
-            </a:r>
-          </a:p>
           <a:p>
             <a:pPr>
               <a:lnSpc>
@@ -29657,15 +29648,14 @@
               </a:lnSpc>
             </a:pPr>
             <a:r>
-              <a:rPr lang="es-AR" dirty="0" smtClean="0">
+              <a:rPr lang="es-AR" b="1" dirty="0" smtClean="0">
                 <a:solidFill>
                   <a:srgbClr val="000000"/>
                 </a:solidFill>
-                <a:latin typeface="Arial" charset="0"/>
               </a:rPr>
               <a:t>Introducción </a:t>
             </a:r>
-            <a:endParaRPr lang="es-AR" dirty="0" smtClean="0"/>
+            <a:endParaRPr lang="es-AR" b="1" dirty="0" smtClean="0"/>
           </a:p>
           <a:p>
             <a:pPr>
@@ -29674,15 +29664,14 @@
               </a:lnSpc>
             </a:pPr>
             <a:r>
-              <a:rPr lang="es-AR" dirty="0" smtClean="0">
+              <a:rPr lang="es-AR" b="1" dirty="0" smtClean="0">
                 <a:solidFill>
                   <a:srgbClr val="000000"/>
                 </a:solidFill>
-                <a:latin typeface="Arial" charset="0"/>
               </a:rPr>
               <a:t>Demostración</a:t>
             </a:r>
-            <a:endParaRPr lang="es-AR" dirty="0" smtClean="0"/>
+            <a:endParaRPr lang="es-AR" b="1" dirty="0" smtClean="0"/>
           </a:p>
           <a:p>
             <a:pPr>
@@ -29691,20 +29680,13 @@
               </a:lnSpc>
             </a:pPr>
             <a:r>
-              <a:rPr lang="es-AR" dirty="0" smtClean="0">
+              <a:rPr lang="es-AR" b="1" dirty="0" smtClean="0">
                 <a:solidFill>
                   <a:srgbClr val="000000"/>
                 </a:solidFill>
-                <a:latin typeface="Arial" charset="0"/>
               </a:rPr>
               <a:t>Tecnología e Infraestructura</a:t>
             </a:r>
-            <a:endParaRPr lang="es-AR" dirty="0" smtClean="0">
-              <a:solidFill>
-                <a:srgbClr val="000000"/>
-              </a:solidFill>
-              <a:latin typeface="Arial" charset="0"/>
-            </a:endParaRPr>
           </a:p>
           <a:p>
             <a:pPr>
@@ -29713,11 +29695,10 @@
               </a:lnSpc>
             </a:pPr>
             <a:r>
-              <a:rPr lang="es-AR" dirty="0" smtClean="0">
+              <a:rPr lang="es-AR" b="1" dirty="0" smtClean="0">
                 <a:solidFill>
                   <a:srgbClr val="000000"/>
                 </a:solidFill>
-                <a:latin typeface="Arial" charset="0"/>
               </a:rPr>
               <a:t>Lo que viene a Futuro</a:t>
             </a:r>
@@ -29729,19 +29710,17 @@
               </a:lnSpc>
             </a:pPr>
             <a:r>
-              <a:rPr lang="es-AR" dirty="0" smtClean="0">
+              <a:rPr lang="es-AR" b="1" dirty="0" smtClean="0">
                 <a:solidFill>
                   <a:srgbClr val="000000"/>
                 </a:solidFill>
-                <a:latin typeface="Arial" charset="0"/>
               </a:rPr>
-              <a:t>Conclusión </a:t>
-            </a:r>
-            <a:endParaRPr lang="es-AR" dirty="0" smtClean="0">
+              <a:t>¿Porqué EDU@R 2.0?</a:t>
+            </a:r>
+            <a:endParaRPr lang="es-AR" b="1" dirty="0" smtClean="0">
               <a:solidFill>
                 <a:srgbClr val="000000"/>
               </a:solidFill>
-              <a:latin typeface="Arial" charset="0"/>
             </a:endParaRPr>
           </a:p>
           <a:p>
@@ -29751,11 +29730,10 @@
               </a:lnSpc>
             </a:pPr>
             <a:r>
-              <a:rPr lang="es-AR" dirty="0" smtClean="0">
+              <a:rPr lang="es-AR" b="1" dirty="0" smtClean="0">
                 <a:solidFill>
                   <a:srgbClr val="000000"/>
                 </a:solidFill>
-                <a:latin typeface="Arial" charset="0"/>
               </a:rPr>
               <a:t>Preguntas</a:t>
             </a:r>
@@ -29766,51 +29744,6 @@
                 <a:spcPct val="95000"/>
               </a:lnSpc>
             </a:pPr>
-            <a:endParaRPr lang="es-AR" dirty="0">
-              <a:solidFill>
-                <a:srgbClr val="000000"/>
-              </a:solidFill>
-              <a:latin typeface="Arial" charset="0"/>
-            </a:endParaRPr>
-          </a:p>
-          <a:p>
-            <a:pPr marL="0" indent="0">
-              <a:lnSpc>
-                <a:spcPct val="95000"/>
-              </a:lnSpc>
-              <a:buNone/>
-            </a:pPr>
-            <a:r>
-              <a:rPr lang="es-AR" b="1" dirty="0" smtClean="0">
-                <a:solidFill>
-                  <a:srgbClr val="C00000"/>
-                </a:solidFill>
-                <a:latin typeface="Arial" charset="0"/>
-              </a:rPr>
-              <a:t>PROYECTO</a:t>
-            </a:r>
-            <a:endParaRPr lang="es-AR" b="1" dirty="0">
-              <a:solidFill>
-                <a:srgbClr val="C00000"/>
-              </a:solidFill>
-              <a:latin typeface="Arial" charset="0"/>
-            </a:endParaRPr>
-          </a:p>
-          <a:p>
-            <a:pPr>
-              <a:lnSpc>
-                <a:spcPct val="95000"/>
-              </a:lnSpc>
-            </a:pPr>
-            <a:r>
-              <a:rPr lang="es-AR" dirty="0" smtClean="0">
-                <a:solidFill>
-                  <a:srgbClr val="000000"/>
-                </a:solidFill>
-                <a:latin typeface="Arial" charset="0"/>
-              </a:rPr>
-              <a:t>Lecciones Aprendidas</a:t>
-            </a:r>
             <a:endParaRPr lang="es-AR" dirty="0">
               <a:solidFill>
                 <a:srgbClr val="000000"/>
@@ -30061,10 +29994,18 @@
           <a:lstStyle/>
           <a:p>
             <a:r>
-              <a:rPr lang="es-ES" dirty="0" smtClean="0"/>
-              <a:t>INTRODUCCION</a:t>
-            </a:r>
-            <a:endParaRPr lang="es-ES" dirty="0"/>
+              <a:rPr lang="es-ES" sz="21800" b="1" dirty="0">
+                <a:solidFill>
+                  <a:srgbClr val="0070C0"/>
+                </a:solidFill>
+              </a:rPr>
+              <a:t>INTRODUCCIÓN</a:t>
+            </a:r>
+            <a:endParaRPr lang="es-ES" sz="21800" b="1" dirty="0">
+              <a:solidFill>
+                <a:srgbClr val="0070C0"/>
+              </a:solidFill>
+            </a:endParaRPr>
           </a:p>
         </p:txBody>
       </p:sp>
@@ -30081,7 +30022,12 @@
             </p:custDataLst>
           </p:nvPr>
         </p:nvSpPr>
-        <p:spPr/>
+        <p:spPr>
+          <a:xfrm>
+            <a:off x="4191529" y="8781773"/>
+            <a:ext cx="44430209" cy="24410493"/>
+          </a:xfrm>
+        </p:spPr>
         <p:txBody>
           <a:bodyPr>
             <a:normAutofit lnSpcReduction="10000"/>
@@ -30094,14 +30040,26 @@
               </a:lnSpc>
             </a:pPr>
             <a:r>
-              <a:rPr lang="es-AR" dirty="0" smtClean="0">
+              <a:rPr lang="es-AR" b="1" dirty="0" smtClean="0">
                 <a:solidFill>
-                  <a:srgbClr val="FF0000"/>
+                  <a:schemeClr val="tx2"/>
                 </a:solidFill>
-                <a:latin typeface="Arial" charset="0"/>
               </a:rPr>
-              <a:t>Nos enfocamos en </a:t>
-            </a:r>
+              <a:t>Nos enfocamos </a:t>
+            </a:r>
+            <a:r>
+              <a:rPr lang="es-AR" b="1" dirty="0" smtClean="0">
+                <a:solidFill>
+                  <a:schemeClr val="tx2"/>
+                </a:solidFill>
+              </a:rPr>
+              <a:t>en: </a:t>
+            </a:r>
+            <a:endParaRPr lang="es-AR" b="1" dirty="0" smtClean="0">
+              <a:solidFill>
+                <a:schemeClr val="tx2"/>
+              </a:solidFill>
+            </a:endParaRPr>
           </a:p>
           <a:p>
             <a:pPr lvl="1">
@@ -30114,7 +30072,6 @@
                 <a:solidFill>
                   <a:srgbClr val="000000"/>
                 </a:solidFill>
-                <a:latin typeface="Arial" charset="0"/>
               </a:rPr>
               <a:t>Comunicación</a:t>
             </a:r>
@@ -30122,7 +30079,6 @@
               <a:solidFill>
                 <a:srgbClr val="000000"/>
               </a:solidFill>
-              <a:latin typeface="Arial" charset="0"/>
             </a:endParaRPr>
           </a:p>
           <a:p>
@@ -30136,7 +30092,6 @@
                 <a:solidFill>
                   <a:srgbClr val="000000"/>
                 </a:solidFill>
-                <a:latin typeface="Arial" charset="0"/>
               </a:rPr>
               <a:t>Utilización </a:t>
             </a:r>
@@ -30145,7 +30100,6 @@
                 <a:solidFill>
                   <a:srgbClr val="000000"/>
                 </a:solidFill>
-                <a:latin typeface="Arial" charset="0"/>
               </a:rPr>
               <a:t>de la Información</a:t>
             </a:r>
@@ -30154,7 +30108,6 @@
                 <a:solidFill>
                   <a:srgbClr val="000000"/>
                 </a:solidFill>
-                <a:latin typeface="Arial" charset="0"/>
               </a:rPr>
               <a:t>.</a:t>
             </a:r>
@@ -30169,7 +30122,6 @@
               <a:solidFill>
                 <a:srgbClr val="000000"/>
               </a:solidFill>
-              <a:latin typeface="Arial" charset="0"/>
             </a:endParaRPr>
           </a:p>
           <a:p>
@@ -30179,14 +30131,18 @@
               </a:lnSpc>
             </a:pPr>
             <a:r>
-              <a:rPr lang="es-AR" dirty="0" smtClean="0">
+              <a:rPr lang="es-AR" b="1" dirty="0" smtClean="0">
                 <a:solidFill>
-                  <a:srgbClr val="00B050"/>
+                  <a:schemeClr val="tx2"/>
                 </a:solidFill>
-                <a:latin typeface="Arial" charset="0"/>
               </a:rPr>
-              <a:t>Proponemos</a:t>
-            </a:r>
+              <a:t>Proponemos:</a:t>
+            </a:r>
+            <a:endParaRPr lang="es-AR" b="1" dirty="0">
+              <a:solidFill>
+                <a:schemeClr val="tx2"/>
+              </a:solidFill>
+            </a:endParaRPr>
           </a:p>
           <a:p>
             <a:pPr lvl="1">
@@ -30195,22 +30151,12 @@
               </a:lnSpc>
             </a:pPr>
             <a:r>
-              <a:rPr lang="es-AR" dirty="0" smtClean="0">
-                <a:solidFill>
-                  <a:srgbClr val="000000"/>
-                </a:solidFill>
-                <a:latin typeface="Arial" charset="0"/>
-              </a:rPr>
-              <a:t>Mejorar </a:t>
-            </a:r>
-            <a:r>
               <a:rPr lang="es-AR" dirty="0">
                 <a:solidFill>
                   <a:srgbClr val="000000"/>
                 </a:solidFill>
-                <a:latin typeface="Arial" charset="0"/>
               </a:rPr>
-              <a:t>Gestión.</a:t>
+              <a:t>Mejorar la Comunicación.</a:t>
             </a:r>
           </a:p>
           <a:p>
@@ -30220,13 +30166,20 @@
               </a:lnSpc>
             </a:pPr>
             <a:r>
+              <a:rPr lang="es-AR" dirty="0" smtClean="0">
+                <a:solidFill>
+                  <a:srgbClr val="000000"/>
+                </a:solidFill>
+              </a:rPr>
+              <a:t>Mejorar la </a:t>
+            </a:r>
+            <a:r>
               <a:rPr lang="es-AR" dirty="0">
                 <a:solidFill>
                   <a:srgbClr val="000000"/>
                 </a:solidFill>
-                <a:latin typeface="Arial" charset="0"/>
               </a:rPr>
-              <a:t>Mejorar la comunicación</a:t>
+              <a:t>Gestión.</a:t>
             </a:r>
           </a:p>
           <a:p>
@@ -30236,19 +30189,41 @@
               </a:lnSpc>
             </a:pPr>
             <a:r>
+              <a:rPr lang="es-AR" dirty="0" smtClean="0">
+                <a:solidFill>
+                  <a:srgbClr val="000000"/>
+                </a:solidFill>
+              </a:rPr>
+              <a:t>Utilización </a:t>
+            </a:r>
+            <a:r>
               <a:rPr lang="es-AR" dirty="0">
                 <a:solidFill>
                   <a:srgbClr val="000000"/>
                 </a:solidFill>
-                <a:latin typeface="Arial" charset="0"/>
               </a:rPr>
-              <a:t>Utilización de información pos de la mejora educativa.</a:t>
+              <a:t>de </a:t>
+            </a:r>
+            <a:r>
+              <a:rPr lang="es-AR" dirty="0" smtClean="0">
+                <a:solidFill>
+                  <a:srgbClr val="000000"/>
+                </a:solidFill>
+              </a:rPr>
+              <a:t>información en </a:t>
+            </a:r>
+            <a:r>
+              <a:rPr lang="es-AR" dirty="0">
+                <a:solidFill>
+                  <a:srgbClr val="000000"/>
+                </a:solidFill>
+              </a:rPr>
+              <a:t>pos de la mejora educativa.</a:t>
             </a:r>
             <a:endParaRPr lang="es-AR" dirty="0" smtClean="0">
               <a:solidFill>
                 <a:srgbClr val="000000"/>
               </a:solidFill>
-              <a:latin typeface="Arial" charset="0"/>
             </a:endParaRPr>
           </a:p>
         </p:txBody>
@@ -30317,10 +30292,18 @@
           <a:lstStyle/>
           <a:p>
             <a:r>
-              <a:rPr lang="es-ES" dirty="0" smtClean="0"/>
-              <a:t>INTRODUCCION</a:t>
-            </a:r>
-            <a:endParaRPr lang="es-ES" dirty="0"/>
+              <a:rPr lang="es-ES" sz="21800" b="1" dirty="0" smtClean="0">
+                <a:solidFill>
+                  <a:srgbClr val="0070C0"/>
+                </a:solidFill>
+              </a:rPr>
+              <a:t>INTRODUCCIÓN (continuación)</a:t>
+            </a:r>
+            <a:endParaRPr lang="es-ES" sz="21800" b="1" dirty="0">
+              <a:solidFill>
+                <a:srgbClr val="0070C0"/>
+              </a:solidFill>
+            </a:endParaRPr>
           </a:p>
         </p:txBody>
       </p:sp>
@@ -30337,233 +30320,264 @@
             </p:custDataLst>
           </p:nvPr>
         </p:nvSpPr>
-        <p:spPr/>
+        <p:spPr>
+          <a:xfrm>
+            <a:off x="4191529" y="8781773"/>
+            <a:ext cx="44430209" cy="27650853"/>
+          </a:xfrm>
+        </p:spPr>
         <p:txBody>
           <a:bodyPr>
-            <a:normAutofit fontScale="85000" lnSpcReduction="20000"/>
+            <a:normAutofit/>
           </a:bodyPr>
           <a:lstStyle/>
           <a:p>
             <a:r>
-              <a:rPr lang="es-AR" dirty="0"/>
+              <a:rPr lang="es-AR" sz="19000" b="1" dirty="0">
+                <a:solidFill>
+                  <a:schemeClr val="tx2"/>
+                </a:solidFill>
+              </a:rPr>
               <a:t>Surge </a:t>
             </a:r>
             <a:r>
-              <a:rPr lang="es-AR" u="sng" dirty="0" smtClean="0">
-                <a:hlinkClick r:id="rId6"/>
+              <a:rPr lang="es-ES" sz="19000" b="1" dirty="0"/>
+              <a:t>EDU</a:t>
+            </a:r>
+            <a:r>
+              <a:rPr lang="es-ES" sz="19000" b="1" dirty="0">
+                <a:solidFill>
+                  <a:schemeClr val="tx2"/>
+                </a:solidFill>
               </a:rPr>
-              <a:t>Edu@r2.0</a:t>
-            </a:r>
-            <a:endParaRPr lang="es-AR" dirty="0" smtClean="0">
+              <a:t>@R 2.0:</a:t>
+            </a:r>
+            <a:endParaRPr lang="es-AR" sz="19000" b="1" dirty="0">
               <a:solidFill>
-                <a:srgbClr val="000000"/>
+                <a:schemeClr val="tx2"/>
               </a:solidFill>
-              <a:latin typeface="Arial" charset="0"/>
             </a:endParaRPr>
-          </a:p>
-          <a:p>
-            <a:pPr>
-              <a:lnSpc>
-                <a:spcPct val="95000"/>
-              </a:lnSpc>
-            </a:pPr>
-            <a:r>
-              <a:rPr lang="es-AR" dirty="0" smtClean="0">
-                <a:solidFill>
-                  <a:srgbClr val="00B050"/>
-                </a:solidFill>
-                <a:latin typeface="Arial" charset="0"/>
-              </a:rPr>
-              <a:t>Contiene</a:t>
-            </a:r>
           </a:p>
           <a:p>
             <a:pPr lvl="1">
               <a:lnSpc>
                 <a:spcPct val="95000"/>
               </a:lnSpc>
+              <a:buFont typeface="Wingdings" pitchFamily="2" charset="2"/>
+              <a:buChar char="ü"/>
             </a:pPr>
             <a:r>
               <a:rPr lang="es-AR" dirty="0" smtClean="0">
                 <a:solidFill>
                   <a:srgbClr val="000000"/>
                 </a:solidFill>
-                <a:latin typeface="Arial" charset="0"/>
               </a:rPr>
-              <a:t>Módulos </a:t>
-            </a:r>
+              <a:t>Módulos: </a:t>
+            </a:r>
+          </a:p>
+          <a:p>
+            <a:pPr lvl="2">
+              <a:lnSpc>
+                <a:spcPct val="95000"/>
+              </a:lnSpc>
+              <a:buFont typeface="Wingdings" pitchFamily="2" charset="2"/>
+              <a:buChar char="ü"/>
+            </a:pPr>
             <a:r>
               <a:rPr lang="es-AR" dirty="0">
                 <a:solidFill>
                   <a:srgbClr val="000000"/>
                 </a:solidFill>
-                <a:latin typeface="Arial" charset="0"/>
               </a:rPr>
-              <a:t>de Gestión de Usuarios</a:t>
-            </a:r>
-          </a:p>
-          <a:p>
-            <a:pPr lvl="1">
+              <a:t>Agenda de </a:t>
+            </a:r>
+            <a:r>
+              <a:rPr lang="es-AR" dirty="0" smtClean="0">
+                <a:solidFill>
+                  <a:srgbClr val="000000"/>
+                </a:solidFill>
+              </a:rPr>
+              <a:t>Actividades</a:t>
+            </a:r>
+          </a:p>
+          <a:p>
+            <a:pPr lvl="2">
               <a:lnSpc>
                 <a:spcPct val="95000"/>
               </a:lnSpc>
+              <a:buFont typeface="Wingdings" pitchFamily="2" charset="2"/>
+              <a:buChar char="ü"/>
+            </a:pPr>
+            <a:r>
+              <a:rPr lang="es-AR" dirty="0" smtClean="0">
+                <a:solidFill>
+                  <a:srgbClr val="000000"/>
+                </a:solidFill>
+              </a:rPr>
+              <a:t>Comunicación</a:t>
+            </a:r>
+          </a:p>
+          <a:p>
+            <a:pPr lvl="2">
+              <a:lnSpc>
+                <a:spcPct val="95000"/>
+              </a:lnSpc>
+              <a:buFont typeface="Wingdings" pitchFamily="2" charset="2"/>
+              <a:buChar char="ü"/>
             </a:pPr>
             <a:r>
               <a:rPr lang="es-AR" dirty="0">
                 <a:solidFill>
                   <a:srgbClr val="000000"/>
                 </a:solidFill>
-                <a:latin typeface="Arial" charset="0"/>
               </a:rPr>
-              <a:t>Modulo Web</a:t>
-            </a:r>
-          </a:p>
-          <a:p>
-            <a:pPr lvl="1">
+              <a:t>Foro Privado y Novedades </a:t>
+            </a:r>
+            <a:r>
+              <a:rPr lang="es-AR" dirty="0" smtClean="0">
+                <a:solidFill>
+                  <a:srgbClr val="000000"/>
+                </a:solidFill>
+              </a:rPr>
+              <a:t>Áulicas</a:t>
+            </a:r>
+            <a:endParaRPr lang="es-AR" dirty="0">
+              <a:solidFill>
+                <a:srgbClr val="000000"/>
+              </a:solidFill>
+            </a:endParaRPr>
+          </a:p>
+          <a:p>
+            <a:pPr lvl="2">
               <a:lnSpc>
                 <a:spcPct val="95000"/>
               </a:lnSpc>
+              <a:buFont typeface="Wingdings" pitchFamily="2" charset="2"/>
+              <a:buChar char="ü"/>
             </a:pPr>
+            <a:r>
+              <a:rPr lang="es-AR" dirty="0" smtClean="0">
+                <a:solidFill>
+                  <a:srgbClr val="000000"/>
+                </a:solidFill>
+              </a:rPr>
+              <a:t>Gestión </a:t>
+            </a:r>
             <a:r>
               <a:rPr lang="es-AR" dirty="0">
                 <a:solidFill>
                   <a:srgbClr val="000000"/>
                 </a:solidFill>
-                <a:latin typeface="Arial" charset="0"/>
               </a:rPr>
-              <a:t>Modulo de importación de Datos</a:t>
-            </a:r>
-          </a:p>
-          <a:p>
-            <a:pPr lvl="1">
+              <a:t>de Usuarios</a:t>
+            </a:r>
+          </a:p>
+          <a:p>
+            <a:pPr lvl="2">
               <a:lnSpc>
                 <a:spcPct val="95000"/>
               </a:lnSpc>
+              <a:buFont typeface="Wingdings" pitchFamily="2" charset="2"/>
+              <a:buChar char="ü"/>
             </a:pPr>
             <a:r>
               <a:rPr lang="es-AR" dirty="0">
                 <a:solidFill>
                   <a:srgbClr val="000000"/>
                 </a:solidFill>
-                <a:latin typeface="Arial" charset="0"/>
               </a:rPr>
-              <a:t>Modulo Plantificación</a:t>
-            </a:r>
-          </a:p>
-          <a:p>
-            <a:pPr lvl="1">
+              <a:t>Importación de </a:t>
+            </a:r>
+            <a:r>
+              <a:rPr lang="es-AR" dirty="0" smtClean="0">
+                <a:solidFill>
+                  <a:srgbClr val="000000"/>
+                </a:solidFill>
+              </a:rPr>
+              <a:t>Datos</a:t>
+            </a:r>
+          </a:p>
+          <a:p>
+            <a:pPr lvl="2">
               <a:lnSpc>
                 <a:spcPct val="95000"/>
               </a:lnSpc>
+              <a:buFont typeface="Wingdings" pitchFamily="2" charset="2"/>
+              <a:buChar char="ü"/>
             </a:pPr>
             <a:r>
-              <a:rPr lang="es-AR" dirty="0">
+              <a:rPr lang="es-AR" dirty="0" smtClean="0">
                 <a:solidFill>
                   <a:srgbClr val="000000"/>
                 </a:solidFill>
-                <a:latin typeface="Arial" charset="0"/>
               </a:rPr>
-              <a:t>Modulo de Reportes</a:t>
-            </a:r>
-          </a:p>
-          <a:p>
-            <a:pPr lvl="1">
-              <a:lnSpc>
-                <a:spcPct val="95000"/>
-              </a:lnSpc>
-            </a:pPr>
-            <a:r>
-              <a:rPr lang="es-AR" dirty="0">
-                <a:solidFill>
-                  <a:srgbClr val="000000"/>
-                </a:solidFill>
-                <a:latin typeface="Arial" charset="0"/>
-              </a:rPr>
-              <a:t>Modulo de Gestión de Agenda de Actividades</a:t>
-            </a:r>
-          </a:p>
-          <a:p>
-            <a:pPr lvl="1">
-              <a:lnSpc>
-                <a:spcPct val="95000"/>
-              </a:lnSpc>
-            </a:pPr>
-            <a:r>
-              <a:rPr lang="es-AR" dirty="0">
-                <a:solidFill>
-                  <a:srgbClr val="000000"/>
-                </a:solidFill>
-                <a:latin typeface="Arial" charset="0"/>
-              </a:rPr>
-              <a:t>Modulo de Gestión de </a:t>
-            </a:r>
-            <a:r>
-              <a:rPr lang="es-AR" dirty="0" err="1">
-                <a:solidFill>
-                  <a:srgbClr val="000000"/>
-                </a:solidFill>
-                <a:latin typeface="Arial" charset="0"/>
-              </a:rPr>
-              <a:t>comunicacion</a:t>
+              <a:t>Información Académica de Alumnos</a:t>
             </a:r>
             <a:endParaRPr lang="es-AR" dirty="0">
               <a:solidFill>
                 <a:srgbClr val="000000"/>
               </a:solidFill>
-              <a:latin typeface="Arial" charset="0"/>
             </a:endParaRPr>
           </a:p>
           <a:p>
-            <a:pPr lvl="1">
+            <a:pPr lvl="2">
               <a:lnSpc>
                 <a:spcPct val="95000"/>
               </a:lnSpc>
+              <a:buFont typeface="Wingdings" pitchFamily="2" charset="2"/>
+              <a:buChar char="ü"/>
             </a:pPr>
             <a:r>
-              <a:rPr lang="es-AR" dirty="0">
+              <a:rPr lang="es-AR" dirty="0" smtClean="0">
                 <a:solidFill>
                   <a:srgbClr val="000000"/>
                 </a:solidFill>
-                <a:latin typeface="Arial" charset="0"/>
               </a:rPr>
-              <a:t>Modulo de Gestión de Foro y novedades </a:t>
-            </a:r>
-            <a:r>
-              <a:rPr lang="es-AR" dirty="0" err="1">
-                <a:solidFill>
-                  <a:srgbClr val="000000"/>
-                </a:solidFill>
-                <a:latin typeface="Arial" charset="0"/>
-              </a:rPr>
-              <a:t>aulicas</a:t>
+              <a:t>Planificación de Clases</a:t>
             </a:r>
             <a:endParaRPr lang="es-AR" dirty="0">
               <a:solidFill>
                 <a:srgbClr val="000000"/>
               </a:solidFill>
-              <a:latin typeface="Arial" charset="0"/>
             </a:endParaRPr>
           </a:p>
           <a:p>
-            <a:pPr lvl="1">
+            <a:pPr lvl="2">
               <a:lnSpc>
                 <a:spcPct val="95000"/>
               </a:lnSpc>
+              <a:buFont typeface="Wingdings" pitchFamily="2" charset="2"/>
+              <a:buChar char="ü"/>
             </a:pPr>
             <a:r>
-              <a:rPr lang="es-AR" dirty="0">
+              <a:rPr lang="es-AR" dirty="0" smtClean="0">
                 <a:solidFill>
                   <a:srgbClr val="000000"/>
                 </a:solidFill>
-                <a:latin typeface="Arial" charset="0"/>
               </a:rPr>
-              <a:t>Modulo de Gestión de Información de alumnos</a:t>
-            </a:r>
-            <a:endParaRPr lang="es-AR" dirty="0" smtClean="0">
+              <a:t>Reportes</a:t>
+            </a:r>
+          </a:p>
+          <a:p>
+            <a:pPr lvl="2">
+              <a:lnSpc>
+                <a:spcPct val="95000"/>
+              </a:lnSpc>
+              <a:buFont typeface="Wingdings" pitchFamily="2" charset="2"/>
+              <a:buChar char="ü"/>
+            </a:pPr>
+            <a:r>
+              <a:rPr lang="es-AR" dirty="0" smtClean="0">
+                <a:solidFill>
+                  <a:srgbClr val="000000"/>
+                </a:solidFill>
+              </a:rPr>
+              <a:t>Web</a:t>
+            </a:r>
+            <a:endParaRPr lang="es-AR" dirty="0">
               <a:solidFill>
                 <a:srgbClr val="000000"/>
               </a:solidFill>
-              <a:latin typeface="Arial" charset="0"/>
             </a:endParaRPr>
           </a:p>
         </p:txBody>
@@ -30781,10 +30795,18 @@
           <a:lstStyle/>
           <a:p>
             <a:r>
-              <a:rPr lang="es-ES" dirty="0" smtClean="0"/>
+              <a:rPr lang="es-ES" sz="21800" b="1" dirty="0">
+                <a:solidFill>
+                  <a:srgbClr val="0070C0"/>
+                </a:solidFill>
+              </a:rPr>
               <a:t>DEMO</a:t>
             </a:r>
-            <a:endParaRPr lang="es-ES" dirty="0"/>
+            <a:endParaRPr lang="es-ES" sz="21800" b="1" dirty="0">
+              <a:solidFill>
+                <a:srgbClr val="0070C0"/>
+              </a:solidFill>
+            </a:endParaRPr>
           </a:p>
         </p:txBody>
       </p:sp>
@@ -30801,10 +30823,15 @@
             </p:custDataLst>
           </p:nvPr>
         </p:nvSpPr>
-        <p:spPr/>
+        <p:spPr>
+          <a:xfrm>
+            <a:off x="4191529" y="6549307"/>
+            <a:ext cx="44430209" cy="30027335"/>
+          </a:xfrm>
+        </p:spPr>
         <p:txBody>
           <a:bodyPr>
-            <a:normAutofit fontScale="92500" lnSpcReduction="20000"/>
+            <a:normAutofit lnSpcReduction="10000"/>
           </a:bodyPr>
           <a:lstStyle/>
           <a:p>
@@ -30814,11 +30841,10 @@
               </a:lnSpc>
             </a:pPr>
             <a:r>
-              <a:rPr lang="es-AR" dirty="0" smtClean="0">
+              <a:rPr lang="es-AR" sz="19000" b="1" dirty="0">
                 <a:solidFill>
-                  <a:srgbClr val="FF0000"/>
+                  <a:schemeClr val="tx2"/>
                 </a:solidFill>
-                <a:latin typeface="Arial" charset="0"/>
               </a:rPr>
               <a:t>Docente</a:t>
             </a:r>
@@ -30828,13 +30854,14 @@
               <a:lnSpc>
                 <a:spcPct val="95000"/>
               </a:lnSpc>
+              <a:buFont typeface="Wingdings" pitchFamily="2" charset="2"/>
+              <a:buChar char="ü"/>
             </a:pPr>
             <a:r>
-              <a:rPr lang="es-AR" dirty="0" smtClean="0">
+              <a:rPr lang="es-AR" sz="16600" dirty="0">
                 <a:solidFill>
                   <a:srgbClr val="000000"/>
                 </a:solidFill>
-                <a:latin typeface="Arial" charset="0"/>
               </a:rPr>
               <a:t>Agenda de Actividades (Evaluación)</a:t>
             </a:r>
@@ -30844,13 +30871,14 @@
               <a:lnSpc>
                 <a:spcPct val="95000"/>
               </a:lnSpc>
+              <a:buFont typeface="Wingdings" pitchFamily="2" charset="2"/>
+              <a:buChar char="ü"/>
             </a:pPr>
             <a:r>
-              <a:rPr lang="es-AR" dirty="0" smtClean="0">
+              <a:rPr lang="es-AR" sz="16600" dirty="0">
                 <a:solidFill>
                   <a:srgbClr val="000000"/>
                 </a:solidFill>
-                <a:latin typeface="Arial" charset="0"/>
               </a:rPr>
               <a:t>Citaciones</a:t>
             </a:r>
@@ -30860,17 +30888,25 @@
               <a:lnSpc>
                 <a:spcPct val="95000"/>
               </a:lnSpc>
+              <a:buFont typeface="Wingdings" pitchFamily="2" charset="2"/>
+              <a:buChar char="ü"/>
             </a:pPr>
             <a:r>
-              <a:rPr lang="es-AR" dirty="0" smtClean="0">
+              <a:rPr lang="es-AR" sz="16600" dirty="0">
                 <a:solidFill>
                   <a:srgbClr val="000000"/>
                 </a:solidFill>
-                <a:latin typeface="Arial" charset="0"/>
               </a:rPr>
-              <a:t>Reportes</a:t>
-            </a:r>
-            <a:endParaRPr lang="es-AR" dirty="0" smtClean="0"/>
+              <a:t>Report</a:t>
+            </a:r>
+            <a:r>
+              <a:rPr lang="es-AR" sz="16600" dirty="0">
+                <a:solidFill>
+                  <a:srgbClr val="000000"/>
+                </a:solidFill>
+              </a:rPr>
+              <a:t>es</a:t>
+            </a:r>
           </a:p>
           <a:p>
             <a:pPr>
@@ -30879,13 +30915,10 @@
               </a:lnSpc>
             </a:pPr>
             <a:r>
-              <a:rPr lang="es-AR" dirty="0" smtClean="0">
+              <a:rPr lang="es-AR" sz="19000" b="1" dirty="0">
                 <a:solidFill>
-                  <a:schemeClr val="accent4">
-                    <a:lumMod val="75000"/>
-                  </a:schemeClr>
+                  <a:schemeClr val="tx2"/>
                 </a:solidFill>
-                <a:latin typeface="Arial" charset="0"/>
               </a:rPr>
               <a:t>Tutor</a:t>
             </a:r>
@@ -30895,33 +30928,48 @@
               <a:lnSpc>
                 <a:spcPct val="95000"/>
               </a:lnSpc>
+              <a:buFont typeface="Wingdings" pitchFamily="2" charset="2"/>
+              <a:buChar char="ü"/>
             </a:pPr>
             <a:r>
-              <a:rPr lang="es-AR" dirty="0" smtClean="0">
+              <a:rPr lang="es-AR" sz="17900" dirty="0">
                 <a:solidFill>
                   <a:srgbClr val="000000"/>
                 </a:solidFill>
-                <a:latin typeface="Arial" charset="0"/>
               </a:rPr>
-              <a:t>Citaciones</a:t>
-            </a:r>
+              <a:t>Boletín </a:t>
+            </a:r>
+            <a:r>
+              <a:rPr lang="es-AR" sz="15300" dirty="0" smtClean="0">
+                <a:solidFill>
+                  <a:srgbClr val="000000"/>
+                </a:solidFill>
+              </a:rPr>
+              <a:t>Académico</a:t>
+            </a:r>
+            <a:endParaRPr lang="es-AR" sz="15300" dirty="0"/>
           </a:p>
           <a:p>
             <a:pPr lvl="1">
               <a:lnSpc>
                 <a:spcPct val="95000"/>
               </a:lnSpc>
+              <a:buFont typeface="Wingdings" pitchFamily="2" charset="2"/>
+              <a:buChar char="ü"/>
             </a:pPr>
             <a:r>
-              <a:rPr lang="es-AR" dirty="0" smtClean="0">
+              <a:rPr lang="es-AR" sz="16600" dirty="0" smtClean="0">
                 <a:solidFill>
                   <a:srgbClr val="000000"/>
                 </a:solidFill>
-                <a:latin typeface="Arial" charset="0"/>
               </a:rPr>
-              <a:t>Boletín de Desempeño</a:t>
-            </a:r>
-            <a:endParaRPr lang="es-AR" dirty="0" smtClean="0"/>
+              <a:t>Citaciones</a:t>
+            </a:r>
+            <a:endParaRPr lang="es-AR" sz="16600" dirty="0">
+              <a:solidFill>
+                <a:srgbClr val="000000"/>
+              </a:solidFill>
+            </a:endParaRPr>
           </a:p>
           <a:p>
             <a:pPr>
@@ -30930,51 +30978,56 @@
               </a:lnSpc>
             </a:pPr>
             <a:r>
-              <a:rPr lang="es-AR" dirty="0" smtClean="0">
+              <a:rPr lang="es-AR" sz="19000" b="1" dirty="0" smtClean="0">
                 <a:solidFill>
-                  <a:srgbClr val="00B050"/>
+                  <a:schemeClr val="tx2"/>
                 </a:solidFill>
-                <a:latin typeface="Arial" charset="0"/>
               </a:rPr>
               <a:t>Alumno</a:t>
             </a:r>
+            <a:endParaRPr lang="es-AR" sz="19000" b="1" dirty="0">
+              <a:solidFill>
+                <a:schemeClr val="tx2"/>
+              </a:solidFill>
+            </a:endParaRPr>
           </a:p>
           <a:p>
             <a:pPr lvl="1">
               <a:lnSpc>
                 <a:spcPct val="95000"/>
               </a:lnSpc>
+              <a:buFont typeface="Wingdings" pitchFamily="2" charset="2"/>
+              <a:buChar char="ü"/>
+            </a:pPr>
+            <a:r>
+              <a:rPr lang="es-AR" dirty="0">
+                <a:solidFill>
+                  <a:srgbClr val="000000"/>
+                </a:solidFill>
+              </a:rPr>
+              <a:t>Boletín de Desempeño</a:t>
+            </a:r>
+          </a:p>
+          <a:p>
+            <a:pPr lvl="1">
+              <a:lnSpc>
+                <a:spcPct val="95000"/>
+              </a:lnSpc>
+              <a:buFont typeface="Wingdings" pitchFamily="2" charset="2"/>
+              <a:buChar char="ü"/>
             </a:pPr>
             <a:r>
               <a:rPr lang="es-AR" dirty="0" smtClean="0">
                 <a:solidFill>
                   <a:srgbClr val="000000"/>
                 </a:solidFill>
-                <a:latin typeface="Arial" charset="0"/>
               </a:rPr>
               <a:t>Mensajería</a:t>
-            </a:r>
-          </a:p>
-          <a:p>
-            <a:pPr lvl="1">
-              <a:lnSpc>
-                <a:spcPct val="95000"/>
-              </a:lnSpc>
-            </a:pPr>
-            <a:r>
-              <a:rPr lang="es-AR" dirty="0" smtClean="0">
-                <a:solidFill>
-                  <a:srgbClr val="000000"/>
-                </a:solidFill>
-                <a:latin typeface="Arial" charset="0"/>
-              </a:rPr>
-              <a:t>Boletín de Desempeño</a:t>
             </a:r>
             <a:endParaRPr lang="es-AR" dirty="0" smtClean="0">
               <a:solidFill>
                 <a:srgbClr val="000000"/>
               </a:solidFill>
-              <a:latin typeface="Arial" charset="0"/>
             </a:endParaRPr>
           </a:p>
         </p:txBody>
@@ -31052,18 +31105,6 @@
           <a:chExt cx="0" cy="0"/>
         </a:xfrm>
       </p:grpSpPr>
-      <p:sp>
-        <p:nvSpPr>
-          <p:cNvPr id="4" name="3 Marcador de posición de imagen"/>
-          <p:cNvSpPr>
-            <a:spLocks noGrp="1"/>
-          </p:cNvSpPr>
-          <p:nvPr>
-            <p:ph type="pic" sz="quarter" idx="13"/>
-          </p:nvPr>
-        </p:nvSpPr>
-        <p:spPr/>
-      </p:sp>
       <p:pic>
         <p:nvPicPr>
           <p:cNvPr id="1026" name="Picture 2"/>
@@ -31087,7 +31128,7 @@
         </p:blipFill>
         <p:spPr bwMode="auto">
           <a:xfrm>
-            <a:off x="3999872" y="14614203"/>
+            <a:off x="2178623" y="12180838"/>
             <a:ext cx="46298478" cy="21170352"/>
           </a:xfrm>
           <a:prstGeom prst="rect">

--- a/trunk/Docs/07-Implementacion/PresentacionRegularizacion.pptx
+++ b/trunk/Docs/07-Implementacion/PresentacionRegularizacion.pptx
@@ -2864,11 +2864,7 @@
         <a:p>
           <a:r>
             <a:rPr lang="es-AR" sz="11500" dirty="0" smtClean="0"/>
-            <a:t>Detectar </a:t>
-          </a:r>
-          <a:r>
-            <a:rPr lang="es-AR" sz="11500" dirty="0" smtClean="0"/>
-            <a:t>desviaciones en fases tempranas</a:t>
+            <a:t>Detectar desviaciones en fases tempranas</a:t>
           </a:r>
           <a:endParaRPr lang="es-AR" sz="11500" dirty="0"/>
         </a:p>
@@ -3016,11 +3012,7 @@
         <a:p>
           <a:r>
             <a:rPr lang="es-AR" sz="11500" dirty="0" smtClean="0"/>
-            <a:t>Mejorar </a:t>
-          </a:r>
-          <a:r>
-            <a:rPr lang="es-AR" sz="11500" dirty="0" smtClean="0"/>
-            <a:t>los niveles generales de desempeño de los alumnos.</a:t>
+            <a:t>Mejorar los niveles generales de desempeño de los alumnos.</a:t>
           </a:r>
           <a:endParaRPr lang="es-AR" sz="11500" dirty="0"/>
         </a:p>
@@ -3057,11 +3049,7 @@
         <a:p>
           <a:r>
             <a:rPr lang="es-AR" sz="11500" dirty="0" smtClean="0"/>
-            <a:t>Identificar por donde </a:t>
-          </a:r>
-          <a:r>
-            <a:rPr lang="es-AR" sz="11500" dirty="0" smtClean="0"/>
-            <a:t>atacar para realizar una mejora sustancial.</a:t>
+            <a:t>Identificar por donde atacar para realizar una mejora sustancial.</a:t>
           </a:r>
           <a:endParaRPr lang="es-AR" sz="11500" dirty="0"/>
         </a:p>
@@ -3135,11 +3123,7 @@
         <a:p>
           <a:r>
             <a:rPr lang="es-AR" sz="11500" dirty="0" smtClean="0"/>
-            <a:t>Reducir </a:t>
-          </a:r>
-          <a:r>
-            <a:rPr lang="es-AR" sz="11500" dirty="0" smtClean="0"/>
-            <a:t>las brechas existentes entre los distintos actores.</a:t>
+            <a:t>Reducir las brechas existentes entre los distintos actores.</a:t>
           </a:r>
           <a:endParaRPr lang="es-AR" sz="11500" dirty="0"/>
         </a:p>
@@ -3213,11 +3197,7 @@
         <a:p>
           <a:r>
             <a:rPr lang="es-AR" sz="11500" dirty="0" smtClean="0"/>
-            <a:t>Realizar cálculos y </a:t>
-          </a:r>
-          <a:r>
-            <a:rPr lang="es-AR" sz="11500" dirty="0" smtClean="0"/>
-            <a:t>brindar información sin necesidad de participación humana en el procesamiento.</a:t>
+            <a:t>Realizar cálculos y brindar información sin necesidad de participación humana en el procesamiento.</a:t>
           </a:r>
           <a:endParaRPr lang="es-AR" sz="11500" dirty="0"/>
         </a:p>
@@ -3254,11 +3234,7 @@
         <a:p>
           <a:r>
             <a:rPr lang="es-AR" sz="11500" dirty="0" smtClean="0"/>
-            <a:t>Actuar </a:t>
-          </a:r>
-          <a:r>
-            <a:rPr lang="es-AR" sz="11500" dirty="0" smtClean="0"/>
-            <a:t>para CONTENER a los Jóvenes</a:t>
+            <a:t>Actuar para CONTENER a los Jóvenes</a:t>
           </a:r>
           <a:endParaRPr lang="es-AR" sz="11500" dirty="0"/>
         </a:p>
@@ -3295,11 +3271,7 @@
         <a:p>
           <a:r>
             <a:rPr lang="es-AR" sz="11500" dirty="0" smtClean="0"/>
-            <a:t>Comunicación </a:t>
-          </a:r>
-          <a:r>
-            <a:rPr lang="es-AR" sz="11500" dirty="0" smtClean="0"/>
-            <a:t>en los niveles y direcciones que importan</a:t>
+            <a:t>Comunicación en los niveles y direcciones que importan</a:t>
           </a:r>
           <a:endParaRPr lang="es-AR" sz="11500" dirty="0"/>
         </a:p>
@@ -4150,13 +4122,7 @@
             <a:rPr lang="es-AR" sz="9600" dirty="0" smtClean="0">
               <a:latin typeface="+mn-lt"/>
             </a:rPr>
-            <a:t>Priorizar se debe convertir en una buena </a:t>
-          </a:r>
-          <a:r>
-            <a:rPr lang="es-AR" sz="9600" dirty="0" smtClean="0">
-              <a:latin typeface="+mn-lt"/>
-            </a:rPr>
-            <a:t>práctica</a:t>
+            <a:t>Priorizar se debe convertir en una buena práctica</a:t>
           </a:r>
           <a:endParaRPr lang="es-AR" sz="9600" dirty="0">
             <a:latin typeface="+mn-lt"/>
@@ -4336,13 +4302,7 @@
             <a:rPr lang="es-AR" sz="6600" dirty="0" smtClean="0">
               <a:latin typeface="+mn-lt"/>
             </a:rPr>
-            <a:t>Potencial </a:t>
-          </a:r>
-          <a:r>
-            <a:rPr lang="es-AR" sz="6600" dirty="0" smtClean="0">
-              <a:latin typeface="+mn-lt"/>
-            </a:rPr>
-            <a:t>individual</a:t>
+            <a:t>Potencial individual</a:t>
           </a:r>
           <a:endParaRPr lang="es-AR" sz="6600" dirty="0">
             <a:latin typeface="+mn-lt"/>
@@ -5258,11 +5218,7 @@
           </a:pPr>
           <a:r>
             <a:rPr lang="es-AR" sz="11500" kern="1200" dirty="0" smtClean="0"/>
-            <a:t>Detectar </a:t>
-          </a:r>
-          <a:r>
-            <a:rPr lang="es-AR" sz="11500" kern="1200" dirty="0" smtClean="0"/>
-            <a:t>desviaciones en fases tempranas</a:t>
+            <a:t>Detectar desviaciones en fases tempranas</a:t>
           </a:r>
           <a:endParaRPr lang="es-AR" sz="11500" kern="1200" dirty="0"/>
         </a:p>
@@ -5281,11 +5237,7 @@
           </a:pPr>
           <a:r>
             <a:rPr lang="es-AR" sz="11500" kern="1200" dirty="0" smtClean="0"/>
-            <a:t>Actuar </a:t>
-          </a:r>
-          <a:r>
-            <a:rPr lang="es-AR" sz="11500" kern="1200" dirty="0" smtClean="0"/>
-            <a:t>para CONTENER a los Jóvenes</a:t>
+            <a:t>Actuar para CONTENER a los Jóvenes</a:t>
           </a:r>
           <a:endParaRPr lang="es-AR" sz="11500" kern="1200" dirty="0"/>
         </a:p>
@@ -5716,11 +5668,7 @@
           </a:pPr>
           <a:r>
             <a:rPr lang="es-AR" sz="11500" kern="1200" dirty="0" smtClean="0"/>
-            <a:t>Mejorar </a:t>
-          </a:r>
-          <a:r>
-            <a:rPr lang="es-AR" sz="11500" kern="1200" dirty="0" smtClean="0"/>
-            <a:t>los niveles generales de desempeño de los alumnos.</a:t>
+            <a:t>Mejorar los niveles generales de desempeño de los alumnos.</a:t>
           </a:r>
           <a:endParaRPr lang="es-AR" sz="11500" kern="1200" dirty="0"/>
         </a:p>
@@ -5739,11 +5687,7 @@
           </a:pPr>
           <a:r>
             <a:rPr lang="es-AR" sz="11500" kern="1200" dirty="0" smtClean="0"/>
-            <a:t>Identificar por donde </a:t>
-          </a:r>
-          <a:r>
-            <a:rPr lang="es-AR" sz="11500" kern="1200" dirty="0" smtClean="0"/>
-            <a:t>atacar para realizar una mejora sustancial.</a:t>
+            <a:t>Identificar por donde atacar para realizar una mejora sustancial.</a:t>
           </a:r>
           <a:endParaRPr lang="es-AR" sz="11500" kern="1200" dirty="0"/>
         </a:p>
@@ -5949,11 +5893,7 @@
           </a:pPr>
           <a:r>
             <a:rPr lang="es-AR" sz="11500" kern="1200" dirty="0" smtClean="0"/>
-            <a:t>Reducir </a:t>
-          </a:r>
-          <a:r>
-            <a:rPr lang="es-AR" sz="11500" kern="1200" dirty="0" smtClean="0"/>
-            <a:t>las brechas existentes entre los distintos actores.</a:t>
+            <a:t>Reducir las brechas existentes entre los distintos actores.</a:t>
           </a:r>
           <a:endParaRPr lang="es-AR" sz="11500" kern="1200" dirty="0"/>
         </a:p>
@@ -5972,11 +5912,7 @@
           </a:pPr>
           <a:r>
             <a:rPr lang="es-AR" sz="11500" kern="1200" dirty="0" smtClean="0"/>
-            <a:t>Comunicación </a:t>
-          </a:r>
-          <a:r>
-            <a:rPr lang="es-AR" sz="11500" kern="1200" dirty="0" smtClean="0"/>
-            <a:t>en los niveles y direcciones que importan</a:t>
+            <a:t>Comunicación en los niveles y direcciones que importan</a:t>
           </a:r>
           <a:endParaRPr lang="es-AR" sz="11500" kern="1200" dirty="0"/>
         </a:p>
@@ -6182,11 +6118,7 @@
           </a:pPr>
           <a:r>
             <a:rPr lang="es-AR" sz="11500" kern="1200" dirty="0" smtClean="0"/>
-            <a:t>Realizar cálculos y </a:t>
-          </a:r>
-          <a:r>
-            <a:rPr lang="es-AR" sz="11500" kern="1200" dirty="0" smtClean="0"/>
-            <a:t>brindar información sin necesidad de participación humana en el procesamiento.</a:t>
+            <a:t>Realizar cálculos y brindar información sin necesidad de participación humana en el procesamiento.</a:t>
           </a:r>
           <a:endParaRPr lang="es-AR" sz="11500" kern="1200" dirty="0"/>
         </a:p>
@@ -7286,13 +7218,7 @@
             <a:rPr lang="es-AR" sz="9600" kern="1200" dirty="0" smtClean="0">
               <a:latin typeface="+mn-lt"/>
             </a:rPr>
-            <a:t>Priorizar se debe convertir en una buena </a:t>
-          </a:r>
-          <a:r>
-            <a:rPr lang="es-AR" sz="9600" kern="1200" dirty="0" smtClean="0">
-              <a:latin typeface="+mn-lt"/>
-            </a:rPr>
-            <a:t>práctica</a:t>
+            <a:t>Priorizar se debe convertir en una buena práctica</a:t>
           </a:r>
           <a:endParaRPr lang="es-AR" sz="9600" kern="1200" dirty="0">
             <a:latin typeface="+mn-lt"/>
@@ -7644,13 +7570,7 @@
             <a:rPr lang="es-AR" sz="6600" kern="1200" dirty="0" smtClean="0">
               <a:latin typeface="+mn-lt"/>
             </a:rPr>
-            <a:t>Potencial </a:t>
-          </a:r>
-          <a:r>
-            <a:rPr lang="es-AR" sz="6600" kern="1200" dirty="0" smtClean="0">
-              <a:latin typeface="+mn-lt"/>
-            </a:rPr>
-            <a:t>individual</a:t>
+            <a:t>Potencial individual</a:t>
           </a:r>
           <a:endParaRPr lang="es-AR" sz="6600" kern="1200" dirty="0">
             <a:latin typeface="+mn-lt"/>
@@ -12875,7 +12795,7 @@
             <a:fld id="{BAB75FFF-D2AC-4637-A3CB-1990827108E3}" type="datetimeFigureOut">
               <a:rPr lang="es-AR" smtClean="0"/>
               <a:pPr/>
-              <a:t>30/10/2011</a:t>
+              <a:t>31/10/2011</a:t>
             </a:fld>
             <a:endParaRPr lang="es-AR" dirty="0"/>
           </a:p>
@@ -15704,7 +15624,7 @@
             <a:fld id="{F938E335-1C9D-42D4-948D-286329016120}" type="datetimeFigureOut">
               <a:rPr lang="es-AR" smtClean="0"/>
               <a:pPr/>
-              <a:t>30/10/2011</a:t>
+              <a:t>31/10/2011</a:t>
             </a:fld>
             <a:endParaRPr lang="es-AR" dirty="0"/>
           </a:p>
@@ -15876,7 +15796,7 @@
             <a:fld id="{F938E335-1C9D-42D4-948D-286329016120}" type="datetimeFigureOut">
               <a:rPr lang="es-AR" smtClean="0"/>
               <a:pPr/>
-              <a:t>30/10/2011</a:t>
+              <a:t>31/10/2011</a:t>
             </a:fld>
             <a:endParaRPr lang="es-AR" dirty="0"/>
           </a:p>
@@ -16058,7 +15978,7 @@
             <a:fld id="{F938E335-1C9D-42D4-948D-286329016120}" type="datetimeFigureOut">
               <a:rPr lang="es-AR" smtClean="0"/>
               <a:pPr/>
-              <a:t>30/10/2011</a:t>
+              <a:t>31/10/2011</a:t>
             </a:fld>
             <a:endParaRPr lang="es-AR" dirty="0"/>
           </a:p>
@@ -19167,7 +19087,7 @@
             <a:fld id="{F938E335-1C9D-42D4-948D-286329016120}" type="datetimeFigureOut">
               <a:rPr lang="es-AR" smtClean="0"/>
               <a:pPr/>
-              <a:t>30/10/2011</a:t>
+              <a:t>31/10/2011</a:t>
             </a:fld>
             <a:endParaRPr lang="es-AR" dirty="0"/>
           </a:p>
@@ -21562,7 +21482,7 @@
             <a:fld id="{F938E335-1C9D-42D4-948D-286329016120}" type="datetimeFigureOut">
               <a:rPr lang="es-AR" smtClean="0"/>
               <a:pPr/>
-              <a:t>30/10/2011</a:t>
+              <a:t>31/10/2011</a:t>
             </a:fld>
             <a:endParaRPr lang="es-AR" dirty="0"/>
           </a:p>
@@ -21852,7 +21772,7 @@
             <a:fld id="{F938E335-1C9D-42D4-948D-286329016120}" type="datetimeFigureOut">
               <a:rPr lang="es-AR" smtClean="0"/>
               <a:pPr/>
-              <a:t>30/10/2011</a:t>
+              <a:t>31/10/2011</a:t>
             </a:fld>
             <a:endParaRPr lang="es-AR" dirty="0"/>
           </a:p>
@@ -22276,7 +22196,7 @@
             <a:fld id="{F938E335-1C9D-42D4-948D-286329016120}" type="datetimeFigureOut">
               <a:rPr lang="es-AR" smtClean="0"/>
               <a:pPr/>
-              <a:t>30/10/2011</a:t>
+              <a:t>31/10/2011</a:t>
             </a:fld>
             <a:endParaRPr lang="es-AR" dirty="0"/>
           </a:p>
@@ -22396,7 +22316,7 @@
             <a:fld id="{F938E335-1C9D-42D4-948D-286329016120}" type="datetimeFigureOut">
               <a:rPr lang="es-AR" smtClean="0"/>
               <a:pPr/>
-              <a:t>30/10/2011</a:t>
+              <a:t>31/10/2011</a:t>
             </a:fld>
             <a:endParaRPr lang="es-AR" dirty="0"/>
           </a:p>
@@ -22493,7 +22413,7 @@
             <a:fld id="{F938E335-1C9D-42D4-948D-286329016120}" type="datetimeFigureOut">
               <a:rPr lang="es-AR" smtClean="0"/>
               <a:pPr/>
-              <a:t>30/10/2011</a:t>
+              <a:t>31/10/2011</a:t>
             </a:fld>
             <a:endParaRPr lang="es-AR" dirty="0"/>
           </a:p>
@@ -22772,7 +22692,7 @@
             <a:fld id="{F938E335-1C9D-42D4-948D-286329016120}" type="datetimeFigureOut">
               <a:rPr lang="es-AR" smtClean="0"/>
               <a:pPr/>
-              <a:t>30/10/2011</a:t>
+              <a:t>31/10/2011</a:t>
             </a:fld>
             <a:endParaRPr lang="es-AR" dirty="0"/>
           </a:p>
@@ -23027,7 +22947,7 @@
             <a:fld id="{F938E335-1C9D-42D4-948D-286329016120}" type="datetimeFigureOut">
               <a:rPr lang="es-AR" smtClean="0"/>
               <a:pPr/>
-              <a:t>30/10/2011</a:t>
+              <a:t>31/10/2011</a:t>
             </a:fld>
             <a:endParaRPr lang="es-AR" dirty="0"/>
           </a:p>
@@ -23242,7 +23162,7 @@
             <a:fld id="{F938E335-1C9D-42D4-948D-286329016120}" type="datetimeFigureOut">
               <a:rPr lang="es-AR" smtClean="0"/>
               <a:pPr/>
-              <a:t>30/10/2011</a:t>
+              <a:t>31/10/2011</a:t>
             </a:fld>
             <a:endParaRPr lang="es-AR" dirty="0"/>
           </a:p>
@@ -24552,222 +24472,257 @@
               <a:buNone/>
             </a:pPr>
             <a:r>
-              <a:rPr lang="pt-BR" sz="27100" b="1" dirty="0">
+              <a:rPr lang="pt-BR" sz="27100" b="1" dirty="0" smtClean="0">
                 <a:solidFill>
                   <a:schemeClr val="tx2"/>
                 </a:solidFill>
               </a:rPr>
-              <a:t>Requisitos</a:t>
-            </a:r>
-            <a:r>
-              <a:rPr lang="pt-BR" sz="21200" b="1" dirty="0">
-                <a:solidFill>
-                  <a:srgbClr val="C00000"/>
-                </a:solidFill>
-              </a:rPr>
-              <a:t> </a:t>
-            </a:r>
-            <a:r>
-              <a:rPr lang="pt-BR" sz="27100" b="1" dirty="0">
+              <a:t>Estaciones de </a:t>
+            </a:r>
+            <a:r>
+              <a:rPr lang="pt-BR" sz="27100" b="1" dirty="0" err="1" smtClean="0">
                 <a:solidFill>
                   <a:schemeClr val="tx2"/>
                 </a:solidFill>
               </a:rPr>
-              <a:t>mínimos</a:t>
-            </a:r>
-          </a:p>
-          <a:p>
-            <a:pPr fontAlgn="base">
+              <a:t>Trabajo</a:t>
+            </a:r>
+            <a:endParaRPr lang="pt-BR" sz="27100" b="1" dirty="0" smtClean="0">
+              <a:solidFill>
+                <a:schemeClr val="tx2"/>
+              </a:solidFill>
+            </a:endParaRPr>
+          </a:p>
+          <a:p>
+            <a:pPr marL="2196419" lvl="1" indent="0" fontAlgn="base">
+              <a:buNone/>
+            </a:pPr>
+            <a:r>
+              <a:rPr lang="es-AR" sz="24900" b="1" dirty="0" smtClean="0">
+                <a:solidFill>
+                  <a:schemeClr val="tx2"/>
+                </a:solidFill>
+              </a:rPr>
+              <a:t>Requerimientos</a:t>
+            </a:r>
+            <a:r>
+              <a:rPr lang="pt-BR" sz="24900" b="1" dirty="0" smtClean="0">
+                <a:solidFill>
+                  <a:schemeClr val="tx2"/>
+                </a:solidFill>
+              </a:rPr>
+              <a:t> mínimos</a:t>
+            </a:r>
+            <a:endParaRPr lang="pt-BR" sz="24900" b="1" dirty="0">
+              <a:solidFill>
+                <a:schemeClr val="tx2"/>
+              </a:solidFill>
+            </a:endParaRPr>
+          </a:p>
+          <a:p>
+            <a:pPr lvl="1" fontAlgn="base">
               <a:buFont typeface="Wingdings" pitchFamily="2" charset="2"/>
               <a:buChar char="ü"/>
             </a:pPr>
             <a:r>
-              <a:rPr lang="pt-BR" sz="21100" dirty="0" smtClean="0"/>
+              <a:rPr lang="pt-BR" sz="18900" dirty="0" smtClean="0"/>
               <a:t>IIS </a:t>
             </a:r>
             <a:r>
-              <a:rPr lang="pt-BR" sz="21100" dirty="0"/>
+              <a:rPr lang="pt-BR" sz="18900" dirty="0"/>
               <a:t>5.1, Windows XP Professional SP3</a:t>
             </a:r>
           </a:p>
           <a:p>
-            <a:pPr fontAlgn="base">
+            <a:pPr lvl="1" fontAlgn="base">
               <a:buFont typeface="Wingdings" pitchFamily="2" charset="2"/>
               <a:buChar char="ü"/>
             </a:pPr>
             <a:r>
-              <a:rPr lang="pt-BR" sz="21100" dirty="0"/>
+              <a:rPr lang="pt-BR" sz="18900" dirty="0"/>
               <a:t>Memoria RAM: 1GB</a:t>
             </a:r>
           </a:p>
           <a:p>
-            <a:pPr>
-              <a:lnSpc>
-                <a:spcPct val="95000"/>
-              </a:lnSpc>
-            </a:pPr>
-            <a:endParaRPr lang="es-AR" dirty="0" smtClean="0">
-              <a:solidFill>
-                <a:srgbClr val="000000"/>
-              </a:solidFill>
-            </a:endParaRPr>
-          </a:p>
-          <a:p>
-            <a:pPr marL="0" indent="0">
+            <a:pPr marL="2196419" lvl="1" indent="0">
               <a:lnSpc>
                 <a:spcPct val="95000"/>
               </a:lnSpc>
               <a:buNone/>
             </a:pPr>
             <a:r>
-              <a:rPr lang="es-AR" sz="27100" b="1" dirty="0">
+              <a:rPr lang="es-AR" sz="24900" b="1" dirty="0" smtClean="0">
                 <a:solidFill>
                   <a:schemeClr val="tx2"/>
                 </a:solidFill>
               </a:rPr>
-              <a:t>Configuración recomendada</a:t>
-            </a:r>
-          </a:p>
-          <a:p>
-            <a:pPr fontAlgn="base">
-              <a:buFont typeface="Wingdings" pitchFamily="2" charset="2"/>
-              <a:buChar char="ü"/>
-            </a:pPr>
-            <a:r>
-              <a:rPr lang="en-US" sz="21100" dirty="0"/>
-              <a:t>IIS 7.5, Windows 7 y Windows Server 2008 R2</a:t>
-            </a:r>
-          </a:p>
-          <a:p>
-            <a:pPr fontAlgn="base">
-              <a:buFont typeface="Wingdings" pitchFamily="2" charset="2"/>
-              <a:buChar char="ü"/>
-            </a:pPr>
-            <a:r>
-              <a:rPr lang="en-US" sz="21100" dirty="0"/>
-              <a:t>Memoria</a:t>
-            </a:r>
-            <a:r>
-              <a:rPr lang="en-US" sz="21100" dirty="0"/>
-              <a:t> RAM: </a:t>
-            </a:r>
-            <a:r>
-              <a:rPr lang="en-US" sz="21100" dirty="0" smtClean="0"/>
-              <a:t>4GB</a:t>
-            </a:r>
-          </a:p>
-          <a:p>
-            <a:pPr fontAlgn="base"/>
-            <a:endParaRPr lang="en-US" dirty="0"/>
-          </a:p>
-          <a:p>
-            <a:pPr marL="0" indent="0" fontAlgn="base">
-              <a:buNone/>
-            </a:pPr>
-            <a:r>
-              <a:rPr lang="es-AR" sz="27100" b="1" dirty="0">
+              <a:t>Configuración </a:t>
+            </a:r>
+            <a:r>
+              <a:rPr lang="es-AR" sz="24900" b="1" dirty="0">
                 <a:solidFill>
                   <a:schemeClr val="tx2"/>
                 </a:solidFill>
               </a:rPr>
-              <a:t>Otros</a:t>
-            </a:r>
-            <a:endParaRPr lang="es-AR" sz="27100" b="1" dirty="0">
+              <a:t>recomendada</a:t>
+            </a:r>
+          </a:p>
+          <a:p>
+            <a:pPr lvl="1" fontAlgn="base">
+              <a:buFont typeface="Wingdings" pitchFamily="2" charset="2"/>
+              <a:buChar char="ü"/>
+            </a:pPr>
+            <a:r>
+              <a:rPr lang="en-US" sz="18900" dirty="0"/>
+              <a:t>IIS 7.5, Windows 7 y Windows Server 2008 R2</a:t>
+            </a:r>
+          </a:p>
+          <a:p>
+            <a:pPr lvl="1" fontAlgn="base">
+              <a:buFont typeface="Wingdings" pitchFamily="2" charset="2"/>
+              <a:buChar char="ü"/>
+            </a:pPr>
+            <a:r>
+              <a:rPr lang="en-US" sz="18900" dirty="0"/>
+              <a:t>Memoria RAM: </a:t>
+            </a:r>
+            <a:r>
+              <a:rPr lang="en-US" sz="18900" dirty="0" smtClean="0"/>
+              <a:t>4GB</a:t>
+            </a:r>
+          </a:p>
+          <a:p>
+            <a:pPr marL="0" indent="0" fontAlgn="base">
+              <a:buNone/>
+            </a:pPr>
+            <a:r>
+              <a:rPr lang="es-AR" sz="25000" b="1" dirty="0" smtClean="0">
+                <a:solidFill>
+                  <a:schemeClr val="tx2"/>
+                </a:solidFill>
+              </a:rPr>
+              <a:t>+Browser: </a:t>
+            </a:r>
+            <a:r>
+              <a:rPr lang="es-AR" sz="25000" b="1" dirty="0">
+                <a:solidFill>
+                  <a:schemeClr val="tx2"/>
+                </a:solidFill>
+              </a:rPr>
+              <a:t>Mozilla Firefox 6.02 o superior</a:t>
+            </a:r>
+            <a:endParaRPr lang="en-US" sz="25000" b="1" dirty="0">
               <a:solidFill>
                 <a:schemeClr val="tx2"/>
               </a:solidFill>
             </a:endParaRPr>
           </a:p>
           <a:p>
-            <a:pPr fontAlgn="base">
+            <a:pPr marL="0" indent="0" fontAlgn="base">
+              <a:buNone/>
+            </a:pPr>
+            <a:endParaRPr lang="en-US" dirty="0"/>
+          </a:p>
+          <a:p>
+            <a:pPr marL="0" indent="0" fontAlgn="base">
+              <a:buNone/>
+            </a:pPr>
+            <a:r>
+              <a:rPr lang="es-AR" sz="27000" b="1" dirty="0">
+                <a:solidFill>
+                  <a:schemeClr val="tx2"/>
+                </a:solidFill>
+              </a:rPr>
+              <a:t>Aplicación</a:t>
+            </a:r>
+          </a:p>
+          <a:p>
+            <a:pPr marL="3339419" lvl="1" indent="-1143000" fontAlgn="base">
               <a:buFont typeface="Wingdings" pitchFamily="2" charset="2"/>
               <a:buChar char="ü"/>
             </a:pPr>
             <a:r>
-              <a:rPr lang="es-AR" sz="21100" dirty="0" smtClean="0"/>
-              <a:t>Servidor </a:t>
-            </a:r>
-            <a:r>
-              <a:rPr lang="es-AR" sz="21100" dirty="0"/>
-              <a:t>de Base de Datos: </a:t>
-            </a:r>
-            <a:endParaRPr lang="es-AR" sz="21100" dirty="0" smtClean="0"/>
-          </a:p>
-          <a:p>
-            <a:pPr lvl="1" fontAlgn="base">
+              <a:rPr lang="es-AR" sz="22700" dirty="0"/>
+              <a:t>Servidor de Base de Datos SQL SERVER 2008 R2</a:t>
+            </a:r>
+          </a:p>
+          <a:p>
+            <a:pPr marL="3339419" lvl="1" indent="-1143000" fontAlgn="base">
               <a:buFont typeface="Wingdings" pitchFamily="2" charset="2"/>
               <a:buChar char="ü"/>
             </a:pPr>
             <a:r>
-              <a:rPr lang="es-AR" sz="18600" dirty="0" smtClean="0"/>
-              <a:t>SQL </a:t>
-            </a:r>
-            <a:r>
-              <a:rPr lang="es-AR" sz="18600" dirty="0"/>
-              <a:t>SERVER 2008 </a:t>
-            </a:r>
-            <a:r>
-              <a:rPr lang="es-AR" sz="18600" dirty="0" smtClean="0"/>
-              <a:t>R2</a:t>
-            </a:r>
-          </a:p>
-          <a:p>
-            <a:pPr lvl="1" fontAlgn="base">
+              <a:rPr lang="es-AR" sz="22700" dirty="0"/>
+              <a:t>.NET Framework 4</a:t>
+            </a:r>
+          </a:p>
+          <a:p>
+            <a:pPr marL="3339419" lvl="1" indent="-1143000" fontAlgn="base">
               <a:buFont typeface="Wingdings" pitchFamily="2" charset="2"/>
               <a:buChar char="ü"/>
             </a:pPr>
             <a:r>
-              <a:rPr lang="es-AR" sz="18600" dirty="0" smtClean="0"/>
-              <a:t>.NET </a:t>
-            </a:r>
-            <a:r>
-              <a:rPr lang="es-AR" sz="18600" dirty="0"/>
-              <a:t>Framework </a:t>
-            </a:r>
-            <a:r>
-              <a:rPr lang="es-AR" sz="18600" dirty="0" smtClean="0"/>
-              <a:t>4</a:t>
-            </a:r>
-          </a:p>
-          <a:p>
-            <a:pPr fontAlgn="base">
+              <a:rPr lang="es-AR" sz="22700" dirty="0"/>
+              <a:t>Espacio en disco -actualmente-: 50 MB</a:t>
+            </a:r>
+          </a:p>
+          <a:p>
+            <a:pPr marL="3339419" lvl="1" indent="-1143000" fontAlgn="base">
               <a:buFont typeface="Wingdings" pitchFamily="2" charset="2"/>
               <a:buChar char="ü"/>
             </a:pPr>
             <a:r>
-              <a:rPr lang="es-AR" sz="21100" dirty="0" smtClean="0"/>
-              <a:t>Espacio </a:t>
-            </a:r>
-            <a:r>
-              <a:rPr lang="es-AR" sz="21100" dirty="0"/>
-              <a:t>en disco -versión actual-: 50 </a:t>
-            </a:r>
-            <a:r>
-              <a:rPr lang="es-AR" sz="21100" dirty="0" smtClean="0"/>
-              <a:t>MB</a:t>
-            </a:r>
-          </a:p>
-          <a:p>
-            <a:pPr fontAlgn="base">
-              <a:buFont typeface="Wingdings" pitchFamily="2" charset="2"/>
-              <a:buChar char="ü"/>
-            </a:pPr>
-            <a:r>
-              <a:rPr lang="es-AR" sz="21100" dirty="0" smtClean="0"/>
-              <a:t>Navegador </a:t>
-            </a:r>
-            <a:r>
-              <a:rPr lang="es-AR" sz="21100" dirty="0"/>
-              <a:t>Web: Mozilla Firefox 6.02 o </a:t>
-            </a:r>
-            <a:r>
-              <a:rPr lang="es-AR" sz="21100" dirty="0" smtClean="0"/>
-              <a:t>superior</a:t>
-            </a:r>
-            <a:endParaRPr lang="en-US" sz="21100" dirty="0"/>
+              <a:rPr lang="es-AR" sz="22700" dirty="0" err="1"/>
+              <a:t>Hosting</a:t>
+            </a:r>
+            <a:r>
+              <a:rPr lang="es-AR" sz="22700" dirty="0"/>
+              <a:t> con Windows Server 2003 o superior</a:t>
+            </a:r>
           </a:p>
         </p:txBody>
       </p:sp>
+      <p:pic>
+        <p:nvPicPr>
+          <p:cNvPr id="1026" name="Picture 2" descr="D:\Documentos\Facu\2011\Proyecto\Repositorio\Docs\07-Implementacion\Source\trunk\EDUAR_actual\EDUAR\EDUAR_UI\Images\firefox.png"/>
+          <p:cNvPicPr>
+            <a:picLocks noChangeAspect="1" noChangeArrowheads="1"/>
+          </p:cNvPicPr>
+          <p:nvPr/>
+        </p:nvPicPr>
+        <p:blipFill>
+          <a:blip r:embed="rId6">
+            <a:extLst>
+              <a:ext uri="{28A0092B-C50C-407E-A947-70E740481C1C}">
+                <a14:useLocalDpi xmlns:a14="http://schemas.microsoft.com/office/drawing/2010/main" val="0"/>
+              </a:ext>
+            </a:extLst>
+          </a:blip>
+          <a:srcRect/>
+          <a:stretch>
+            <a:fillRect/>
+          </a:stretch>
+        </p:blipFill>
+        <p:spPr bwMode="auto">
+          <a:xfrm>
+            <a:off x="39118727" y="20033930"/>
+            <a:ext cx="2959420" cy="2959420"/>
+          </a:xfrm>
+          <a:prstGeom prst="rect">
+            <a:avLst/>
+          </a:prstGeom>
+          <a:noFill/>
+          <a:extLst>
+            <a:ext uri="{909E8E84-426E-40DD-AFC4-6F175D3DCCD1}">
+              <a14:hiddenFill xmlns:a14="http://schemas.microsoft.com/office/drawing/2010/main">
+                <a:solidFill>
+                  <a:srgbClr val="FFFFFF"/>
+                </a:solidFill>
+              </a14:hiddenFill>
+            </a:ext>
+          </a:extLst>
+        </p:spPr>
+      </p:pic>
     </p:spTree>
     <p:custDataLst>
       <p:tags r:id="rId1"/>
@@ -24952,11 +24907,7 @@
             </a:pPr>
             <a:r>
               <a:rPr lang="es-AR" sz="21200" b="1" dirty="0" smtClean="0"/>
-              <a:t>Servicio </a:t>
-            </a:r>
-            <a:r>
-              <a:rPr lang="es-AR" sz="21200" b="1" dirty="0" smtClean="0"/>
-              <a:t>de </a:t>
+              <a:t>Módulo de </a:t>
             </a:r>
             <a:r>
               <a:rPr lang="es-AR" sz="21200" b="1" dirty="0"/>
@@ -25173,11 +25124,7 @@
             </a:pPr>
             <a:r>
               <a:rPr lang="es-AR" sz="21200" b="1" dirty="0"/>
-              <a:t>Sistema </a:t>
-            </a:r>
-            <a:r>
-              <a:rPr lang="es-AR" sz="21200" b="1" dirty="0"/>
-              <a:t>de </a:t>
+              <a:t>Sistema de </a:t>
             </a:r>
             <a:r>
               <a:rPr lang="es-AR" sz="21200" b="1" dirty="0" smtClean="0"/>
@@ -25196,24 +25143,12 @@
               <a:buChar char="ü"/>
             </a:pPr>
             <a:r>
-              <a:rPr lang="es-AR" sz="21200" b="1" dirty="0"/>
-              <a:t>Integración </a:t>
-            </a:r>
-            <a:r>
-              <a:rPr lang="es-AR" sz="21200" b="1" dirty="0"/>
-              <a:t>de la ayuda </a:t>
-            </a:r>
-            <a:r>
-              <a:rPr lang="es-AR" sz="21200" b="1" dirty="0"/>
-              <a:t>en </a:t>
-            </a:r>
-            <a:r>
-              <a:rPr lang="es-AR" sz="21200" b="1" dirty="0"/>
-              <a:t>el </a:t>
-            </a:r>
-            <a:r>
               <a:rPr lang="es-AR" sz="21200" b="1" dirty="0" smtClean="0"/>
-              <a:t>sitio</a:t>
+              <a:t>Mejoras en el seguimiento y resolución </a:t>
+            </a:r>
+            <a:r>
+              <a:rPr lang="es-AR" sz="21200" b="1" smtClean="0"/>
+              <a:t>de citaciones</a:t>
             </a:r>
             <a:endParaRPr lang="es-AR" sz="21200" b="1" dirty="0"/>
           </a:p>
@@ -25367,17 +25302,6 @@
               </a:rPr>
               <a:t>?</a:t>
             </a:r>
-            <a:r>
-              <a:rPr lang="es-ES" sz="39600" dirty="0" smtClean="0">
-                <a:solidFill>
-                  <a:schemeClr val="tx1"/>
-                </a:solidFill>
-                <a:latin typeface="+mn-lt"/>
-                <a:ea typeface="+mn-ea"/>
-                <a:cs typeface="+mn-cs"/>
-              </a:rPr>
-              <a:t/>
-            </a:r>
             <a:br>
               <a:rPr lang="es-ES" sz="39600" dirty="0" smtClean="0">
                 <a:solidFill>
@@ -25482,11 +25406,7 @@
           <a:p>
             <a:r>
               <a:rPr lang="es-AR" b="1" dirty="0" smtClean="0"/>
-              <a:t>¿Porque </a:t>
-            </a:r>
-            <a:r>
-              <a:rPr lang="es-AR" b="1" dirty="0" smtClean="0"/>
-              <a:t>elegir </a:t>
+              <a:t>¿Porque elegir </a:t>
             </a:r>
             <a:r>
               <a:rPr lang="es-ES" b="1" dirty="0"/>
@@ -29609,11 +29529,6 @@
               </a:rPr>
               <a:t>AGENDA</a:t>
             </a:r>
-            <a:endParaRPr lang="es-ES" sz="21800" b="1" dirty="0">
-              <a:solidFill>
-                <a:srgbClr val="0070C0"/>
-              </a:solidFill>
-            </a:endParaRPr>
           </a:p>
         </p:txBody>
       </p:sp>
@@ -29717,11 +29632,6 @@
               </a:rPr>
               <a:t>¿Porqué EDU@R 2.0?</a:t>
             </a:r>
-            <a:endParaRPr lang="es-AR" b="1" dirty="0" smtClean="0">
-              <a:solidFill>
-                <a:srgbClr val="000000"/>
-              </a:solidFill>
-            </a:endParaRPr>
           </a:p>
           <a:p>
             <a:pPr>
@@ -30001,11 +29911,6 @@
               </a:rPr>
               <a:t>INTRODUCCIÓN</a:t>
             </a:r>
-            <a:endParaRPr lang="es-ES" sz="21800" b="1" dirty="0">
-              <a:solidFill>
-                <a:srgbClr val="0070C0"/>
-              </a:solidFill>
-            </a:endParaRPr>
           </a:p>
         </p:txBody>
       </p:sp>
@@ -30045,21 +29950,8 @@
                   <a:schemeClr val="tx2"/>
                 </a:solidFill>
               </a:rPr>
-              <a:t>Nos enfocamos </a:t>
-            </a:r>
-            <a:r>
-              <a:rPr lang="es-AR" b="1" dirty="0" smtClean="0">
-                <a:solidFill>
-                  <a:schemeClr val="tx2"/>
-                </a:solidFill>
-              </a:rPr>
-              <a:t>en: </a:t>
-            </a:r>
-            <a:endParaRPr lang="es-AR" b="1" dirty="0" smtClean="0">
-              <a:solidFill>
-                <a:schemeClr val="tx2"/>
-              </a:solidFill>
-            </a:endParaRPr>
+              <a:t>Nos enfocamos en: </a:t>
+            </a:r>
           </a:p>
           <a:p>
             <a:pPr lvl="1">
@@ -30802,11 +30694,6 @@
               </a:rPr>
               <a:t>DEMO</a:t>
             </a:r>
-            <a:endParaRPr lang="es-ES" sz="21800" b="1" dirty="0">
-              <a:solidFill>
-                <a:srgbClr val="0070C0"/>
-              </a:solidFill>
-            </a:endParaRPr>
           </a:p>
         </p:txBody>
       </p:sp>
@@ -30897,15 +30784,7 @@
                   <a:srgbClr val="000000"/>
                 </a:solidFill>
               </a:rPr>
-              <a:t>Report</a:t>
-            </a:r>
-            <a:r>
-              <a:rPr lang="es-AR" sz="16600" dirty="0">
-                <a:solidFill>
-                  <a:srgbClr val="000000"/>
-                </a:solidFill>
-              </a:rPr>
-              <a:t>es</a:t>
+              <a:t>Reportes</a:t>
             </a:r>
           </a:p>
           <a:p>
@@ -31024,11 +30903,6 @@
               </a:rPr>
               <a:t>Mensajería</a:t>
             </a:r>
-            <a:endParaRPr lang="es-AR" dirty="0" smtClean="0">
-              <a:solidFill>
-                <a:srgbClr val="000000"/>
-              </a:solidFill>
-            </a:endParaRPr>
           </a:p>
         </p:txBody>
       </p:sp>

--- a/trunk/Docs/07-Implementacion/PresentacionRegularizacion.pptx
+++ b/trunk/Docs/07-Implementacion/PresentacionRegularizacion.pptx
@@ -24526,11 +24526,11 @@
             </a:pPr>
             <a:r>
               <a:rPr lang="pt-BR" sz="18900" dirty="0" smtClean="0"/>
-              <a:t>IIS </a:t>
+              <a:t>Windows </a:t>
             </a:r>
             <a:r>
               <a:rPr lang="pt-BR" sz="18900" dirty="0"/>
-              <a:t>5.1, Windows XP Professional SP3</a:t>
+              <a:t>XP Professional SP3</a:t>
             </a:r>
           </a:p>
           <a:p>
@@ -24573,9 +24573,14 @@
               <a:buChar char="ü"/>
             </a:pPr>
             <a:r>
+              <a:rPr lang="en-US" sz="18900" dirty="0" smtClean="0"/>
+              <a:t>Windows </a:t>
+            </a:r>
+            <a:r>
               <a:rPr lang="en-US" sz="18900" dirty="0"/>
-              <a:t>IIS 7.5, Windows 7 y Windows Server 2008 R2</a:t>
-            </a:r>
+              <a:t>7 </a:t>
+            </a:r>
+            <a:endParaRPr lang="en-US" sz="18900" dirty="0" smtClean="0"/>
           </a:p>
           <a:p>
             <a:pPr lvl="1" fontAlgn="base">
@@ -24583,13 +24588,22 @@
               <a:buChar char="ü"/>
             </a:pPr>
             <a:r>
+              <a:rPr lang="en-US" sz="18900" dirty="0" err="1" smtClean="0"/>
+              <a:t>Memoria</a:t>
+            </a:r>
+            <a:r>
+              <a:rPr lang="en-US" sz="18900" dirty="0" smtClean="0"/>
+              <a:t> </a:t>
+            </a:r>
+            <a:r>
               <a:rPr lang="en-US" sz="18900" dirty="0"/>
-              <a:t>Memoria RAM: </a:t>
+              <a:t>RAM: </a:t>
             </a:r>
             <a:r>
               <a:rPr lang="en-US" sz="18900" dirty="0" smtClean="0"/>
-              <a:t>4GB</a:t>
-            </a:r>
+              <a:t>3GB</a:t>
+            </a:r>
+            <a:endParaRPr lang="en-US" sz="18900" dirty="0" smtClean="0"/>
           </a:p>
           <a:p>
             <a:pPr marL="0" indent="0" fontAlgn="base">
@@ -29950,8 +29964,13 @@
                   <a:schemeClr val="tx2"/>
                 </a:solidFill>
               </a:rPr>
-              <a:t>Nos enfocamos en: </a:t>
-            </a:r>
+              <a:t>Falencias del sistema educativo: </a:t>
+            </a:r>
+            <a:endParaRPr lang="es-AR" b="1" dirty="0" smtClean="0">
+              <a:solidFill>
+                <a:schemeClr val="tx2"/>
+              </a:solidFill>
+            </a:endParaRPr>
           </a:p>
           <a:p>
             <a:pPr lvl="1">
@@ -29965,7 +29984,7 @@
                   <a:srgbClr val="000000"/>
                 </a:solidFill>
               </a:rPr>
-              <a:t>Comunicación</a:t>
+              <a:t>Comunicación entre las partes</a:t>
             </a:r>
             <a:endParaRPr lang="es-AR" dirty="0">
               <a:solidFill>
@@ -29985,24 +30004,13 @@
                   <a:srgbClr val="000000"/>
                 </a:solidFill>
               </a:rPr>
-              <a:t>Utilización </a:t>
-            </a:r>
-            <a:r>
-              <a:rPr lang="es-AR" dirty="0">
-                <a:solidFill>
-                  <a:srgbClr val="000000"/>
-                </a:solidFill>
-              </a:rPr>
-              <a:t>de la Información</a:t>
-            </a:r>
-            <a:r>
-              <a:rPr lang="es-AR" dirty="0" smtClean="0">
-                <a:solidFill>
-                  <a:srgbClr val="000000"/>
-                </a:solidFill>
-              </a:rPr>
-              <a:t>.</a:t>
-            </a:r>
+              <a:t>Disponibilidad de la información</a:t>
+            </a:r>
+            <a:endParaRPr lang="es-AR" dirty="0" smtClean="0">
+              <a:solidFill>
+                <a:srgbClr val="000000"/>
+              </a:solidFill>
+            </a:endParaRPr>
           </a:p>
           <a:p>
             <a:pPr lvl="1">
